--- a/CapstoneTwo/Capstone_Slide_Deck.pptx
+++ b/CapstoneTwo/Capstone_Slide_Deck.pptx
@@ -6,6 +6,21 @@
   </p:sldMasterIdLst>
   <p:sldIdLst>
     <p:sldId id="256" r:id="rId2"/>
+    <p:sldId id="257" r:id="rId3"/>
+    <p:sldId id="258" r:id="rId4"/>
+    <p:sldId id="259" r:id="rId5"/>
+    <p:sldId id="260" r:id="rId6"/>
+    <p:sldId id="261" r:id="rId7"/>
+    <p:sldId id="262" r:id="rId8"/>
+    <p:sldId id="263" r:id="rId9"/>
+    <p:sldId id="264" r:id="rId10"/>
+    <p:sldId id="265" r:id="rId11"/>
+    <p:sldId id="266" r:id="rId12"/>
+    <p:sldId id="267" r:id="rId13"/>
+    <p:sldId id="268" r:id="rId14"/>
+    <p:sldId id="269" r:id="rId15"/>
+    <p:sldId id="270" r:id="rId16"/>
+    <p:sldId id="271" r:id="rId17"/>
   </p:sldIdLst>
   <p:sldSz cx="12192000" cy="6858000"/>
   <p:notesSz cx="6858000" cy="9144000"/>
@@ -104,6 +119,11 @@
       </a:defRPr>
     </a:lvl9pPr>
   </p:defaultTextStyle>
+  <p:extLst>
+    <p:ext uri="{EFAFB233-063F-42B5-8137-9DF3F51BA10A}">
+      <p15:sldGuideLst xmlns:p15="http://schemas.microsoft.com/office/powerpoint/2012/main"/>
+    </p:ext>
+  </p:extLst>
 </p:presentation>
 </file>
 
@@ -238,7 +258,7 @@
           <a:p>
             <a:fld id="{28E754F8-B8EC-B94B-8C54-5106E815016D}" type="datetimeFigureOut">
               <a:rPr lang="en-US" smtClean="0"/>
-              <a:t>10/16/23</a:t>
+              <a:t>10/17/23</a:t>
             </a:fld>
             <a:endParaRPr lang="en-US"/>
           </a:p>
@@ -408,7 +428,7 @@
           <a:p>
             <a:fld id="{28E754F8-B8EC-B94B-8C54-5106E815016D}" type="datetimeFigureOut">
               <a:rPr lang="en-US" smtClean="0"/>
-              <a:t>10/16/23</a:t>
+              <a:t>10/17/23</a:t>
             </a:fld>
             <a:endParaRPr lang="en-US"/>
           </a:p>
@@ -588,7 +608,7 @@
           <a:p>
             <a:fld id="{28E754F8-B8EC-B94B-8C54-5106E815016D}" type="datetimeFigureOut">
               <a:rPr lang="en-US" smtClean="0"/>
-              <a:t>10/16/23</a:t>
+              <a:t>10/17/23</a:t>
             </a:fld>
             <a:endParaRPr lang="en-US"/>
           </a:p>
@@ -758,7 +778,7 @@
           <a:p>
             <a:fld id="{28E754F8-B8EC-B94B-8C54-5106E815016D}" type="datetimeFigureOut">
               <a:rPr lang="en-US" smtClean="0"/>
-              <a:t>10/16/23</a:t>
+              <a:t>10/17/23</a:t>
             </a:fld>
             <a:endParaRPr lang="en-US"/>
           </a:p>
@@ -1004,7 +1024,7 @@
           <a:p>
             <a:fld id="{28E754F8-B8EC-B94B-8C54-5106E815016D}" type="datetimeFigureOut">
               <a:rPr lang="en-US" smtClean="0"/>
-              <a:t>10/16/23</a:t>
+              <a:t>10/17/23</a:t>
             </a:fld>
             <a:endParaRPr lang="en-US"/>
           </a:p>
@@ -1236,7 +1256,7 @@
           <a:p>
             <a:fld id="{28E754F8-B8EC-B94B-8C54-5106E815016D}" type="datetimeFigureOut">
               <a:rPr lang="en-US" smtClean="0"/>
-              <a:t>10/16/23</a:t>
+              <a:t>10/17/23</a:t>
             </a:fld>
             <a:endParaRPr lang="en-US"/>
           </a:p>
@@ -1603,7 +1623,7 @@
           <a:p>
             <a:fld id="{28E754F8-B8EC-B94B-8C54-5106E815016D}" type="datetimeFigureOut">
               <a:rPr lang="en-US" smtClean="0"/>
-              <a:t>10/16/23</a:t>
+              <a:t>10/17/23</a:t>
             </a:fld>
             <a:endParaRPr lang="en-US"/>
           </a:p>
@@ -1721,7 +1741,7 @@
           <a:p>
             <a:fld id="{28E754F8-B8EC-B94B-8C54-5106E815016D}" type="datetimeFigureOut">
               <a:rPr lang="en-US" smtClean="0"/>
-              <a:t>10/16/23</a:t>
+              <a:t>10/17/23</a:t>
             </a:fld>
             <a:endParaRPr lang="en-US"/>
           </a:p>
@@ -1816,7 +1836,7 @@
           <a:p>
             <a:fld id="{28E754F8-B8EC-B94B-8C54-5106E815016D}" type="datetimeFigureOut">
               <a:rPr lang="en-US" smtClean="0"/>
-              <a:t>10/16/23</a:t>
+              <a:t>10/17/23</a:t>
             </a:fld>
             <a:endParaRPr lang="en-US"/>
           </a:p>
@@ -2093,7 +2113,7 @@
           <a:p>
             <a:fld id="{28E754F8-B8EC-B94B-8C54-5106E815016D}" type="datetimeFigureOut">
               <a:rPr lang="en-US" smtClean="0"/>
-              <a:t>10/16/23</a:t>
+              <a:t>10/17/23</a:t>
             </a:fld>
             <a:endParaRPr lang="en-US"/>
           </a:p>
@@ -2350,7 +2370,7 @@
           <a:p>
             <a:fld id="{28E754F8-B8EC-B94B-8C54-5106E815016D}" type="datetimeFigureOut">
               <a:rPr lang="en-US" smtClean="0"/>
-              <a:t>10/16/23</a:t>
+              <a:t>10/17/23</a:t>
             </a:fld>
             <a:endParaRPr lang="en-US"/>
           </a:p>
@@ -2563,7 +2583,7 @@
           <a:p>
             <a:fld id="{28E754F8-B8EC-B94B-8C54-5106E815016D}" type="datetimeFigureOut">
               <a:rPr lang="en-US" smtClean="0"/>
-              <a:t>10/16/23</a:t>
+              <a:t>10/17/23</a:t>
             </a:fld>
             <a:endParaRPr lang="en-US"/>
           </a:p>
@@ -3002,6 +3022,138 @@
           <a:chExt cx="0" cy="0"/>
         </a:xfrm>
       </p:grpSpPr>
+      <p:pic>
+        <p:nvPicPr>
+          <p:cNvPr id="1026" name="Picture 2" descr="Weather Images – Browse 7,934,291 Stock Photos, Vectors, and Video | Adobe  Stock">
+            <a:extLst>
+              <a:ext uri="{FF2B5EF4-FFF2-40B4-BE49-F238E27FC236}">
+                <a16:creationId xmlns:a16="http://schemas.microsoft.com/office/drawing/2014/main" id="{35680940-0148-178A-8615-A26732E731F5}"/>
+              </a:ext>
+            </a:extLst>
+          </p:cNvPr>
+          <p:cNvPicPr>
+            <a:picLocks noChangeAspect="1" noChangeArrowheads="1"/>
+          </p:cNvPicPr>
+          <p:nvPr/>
+        </p:nvPicPr>
+        <p:blipFill>
+          <a:blip r:embed="rId2">
+            <a:alphaModFix/>
+            <a:extLst>
+              <a:ext uri="{28A0092B-C50C-407E-A947-70E740481C1C}">
+                <a14:useLocalDpi xmlns:a14="http://schemas.microsoft.com/office/drawing/2010/main" val="0"/>
+              </a:ext>
+            </a:extLst>
+          </a:blip>
+          <a:srcRect/>
+          <a:stretch>
+            <a:fillRect/>
+          </a:stretch>
+        </p:blipFill>
+        <p:spPr bwMode="auto">
+          <a:xfrm>
+            <a:off x="0" y="487724"/>
+            <a:ext cx="12192000" cy="6370276"/>
+          </a:xfrm>
+          <a:prstGeom prst="rect">
+            <a:avLst/>
+          </a:prstGeom>
+          <a:gradFill flip="none" rotWithShape="1">
+            <a:gsLst>
+              <a:gs pos="0">
+                <a:schemeClr val="accent3">
+                  <a:lumMod val="89000"/>
+                  <a:alpha val="58442"/>
+                </a:schemeClr>
+              </a:gs>
+              <a:gs pos="23000">
+                <a:schemeClr val="accent3">
+                  <a:lumMod val="89000"/>
+                </a:schemeClr>
+              </a:gs>
+              <a:gs pos="69000">
+                <a:schemeClr val="accent3">
+                  <a:lumMod val="75000"/>
+                </a:schemeClr>
+              </a:gs>
+              <a:gs pos="97000">
+                <a:schemeClr val="accent3">
+                  <a:lumMod val="70000"/>
+                </a:schemeClr>
+              </a:gs>
+            </a:gsLst>
+            <a:path path="circle">
+              <a:fillToRect l="50000" t="50000" r="50000" b="50000"/>
+            </a:path>
+            <a:tileRect/>
+          </a:gradFill>
+        </p:spPr>
+      </p:pic>
+      <p:sp>
+        <p:nvSpPr>
+          <p:cNvPr id="10" name="Rectangle 9">
+            <a:extLst>
+              <a:ext uri="{FF2B5EF4-FFF2-40B4-BE49-F238E27FC236}">
+                <a16:creationId xmlns:a16="http://schemas.microsoft.com/office/drawing/2014/main" id="{64F54638-1135-FE1B-6602-D3C91791B1CA}"/>
+              </a:ext>
+            </a:extLst>
+          </p:cNvPr>
+          <p:cNvSpPr/>
+          <p:nvPr/>
+        </p:nvSpPr>
+        <p:spPr>
+          <a:xfrm>
+            <a:off x="0" y="0"/>
+            <a:ext cx="12192000" cy="6858000"/>
+          </a:xfrm>
+          <a:prstGeom prst="rect">
+            <a:avLst/>
+          </a:prstGeom>
+          <a:gradFill flip="none" rotWithShape="1">
+            <a:gsLst>
+              <a:gs pos="45000">
+                <a:schemeClr val="bg1"/>
+              </a:gs>
+              <a:gs pos="79000">
+                <a:schemeClr val="accent3">
+                  <a:lumMod val="40000"/>
+                  <a:lumOff val="60000"/>
+                  <a:alpha val="47919"/>
+                </a:schemeClr>
+              </a:gs>
+            </a:gsLst>
+            <a:lin ang="6600000" scaled="0"/>
+            <a:tileRect/>
+          </a:gradFill>
+          <a:ln>
+            <a:noFill/>
+          </a:ln>
+        </p:spPr>
+        <p:style>
+          <a:lnRef idx="2">
+            <a:schemeClr val="accent1">
+              <a:shade val="15000"/>
+            </a:schemeClr>
+          </a:lnRef>
+          <a:fillRef idx="1">
+            <a:schemeClr val="accent1"/>
+          </a:fillRef>
+          <a:effectRef idx="0">
+            <a:schemeClr val="accent1"/>
+          </a:effectRef>
+          <a:fontRef idx="minor">
+            <a:schemeClr val="lt1"/>
+          </a:fontRef>
+        </p:style>
+        <p:txBody>
+          <a:bodyPr rtlCol="0" anchor="ctr"/>
+          <a:lstStyle/>
+          <a:p>
+            <a:pPr algn="ctr"/>
+            <a:endParaRPr lang="en-US" dirty="0"/>
+          </a:p>
+        </p:txBody>
+      </p:sp>
       <p:sp>
         <p:nvSpPr>
           <p:cNvPr id="2" name="Title 1">
@@ -3023,7 +3175,10 @@
           <a:bodyPr/>
           <a:lstStyle/>
           <a:p>
-            <a:endParaRPr lang="en-US"/>
+            <a:r>
+              <a:rPr lang="en-US" dirty="0"/>
+              <a:t>Energy consumption and Weather Conditions</a:t>
+            </a:r>
           </a:p>
         </p:txBody>
       </p:sp>
@@ -3043,12 +3198,173 @@
             <p:ph type="subTitle" idx="1"/>
           </p:nvPr>
         </p:nvSpPr>
-        <p:spPr/>
+        <p:spPr>
+          <a:xfrm>
+            <a:off x="1524000" y="4394200"/>
+            <a:ext cx="9144000" cy="1655762"/>
+          </a:xfrm>
+        </p:spPr>
         <p:txBody>
           <a:bodyPr/>
           <a:lstStyle/>
           <a:p>
-            <a:endParaRPr lang="en-US"/>
+            <a:r>
+              <a:rPr lang="en-US" dirty="0"/>
+              <a:t>By Claudia Zaffaroni</a:t>
+            </a:r>
+          </a:p>
+        </p:txBody>
+      </p:sp>
+      <p:cxnSp>
+        <p:nvCxnSpPr>
+          <p:cNvPr id="5" name="Straight Connector 4">
+            <a:extLst>
+              <a:ext uri="{FF2B5EF4-FFF2-40B4-BE49-F238E27FC236}">
+                <a16:creationId xmlns:a16="http://schemas.microsoft.com/office/drawing/2014/main" id="{C4E34E4C-9E35-402A-FB5E-CB254874D649}"/>
+              </a:ext>
+            </a:extLst>
+          </p:cNvPr>
+          <p:cNvCxnSpPr/>
+          <p:nvPr/>
+        </p:nvCxnSpPr>
+        <p:spPr>
+          <a:xfrm>
+            <a:off x="4345781" y="4057650"/>
+            <a:ext cx="3500437" cy="0"/>
+          </a:xfrm>
+          <a:prstGeom prst="line">
+            <a:avLst/>
+          </a:prstGeom>
+          <a:ln w="57150">
+            <a:solidFill>
+              <a:schemeClr val="tx1"/>
+            </a:solidFill>
+          </a:ln>
+        </p:spPr>
+        <p:style>
+          <a:lnRef idx="1">
+            <a:schemeClr val="accent1"/>
+          </a:lnRef>
+          <a:fillRef idx="0">
+            <a:schemeClr val="accent1"/>
+          </a:fillRef>
+          <a:effectRef idx="0">
+            <a:schemeClr val="accent1"/>
+          </a:effectRef>
+          <a:fontRef idx="minor">
+            <a:schemeClr val="tx1"/>
+          </a:fontRef>
+        </p:style>
+      </p:cxnSp>
+      <p:sp>
+        <p:nvSpPr>
+          <p:cNvPr id="8" name="Half Frame 7">
+            <a:extLst>
+              <a:ext uri="{FF2B5EF4-FFF2-40B4-BE49-F238E27FC236}">
+                <a16:creationId xmlns:a16="http://schemas.microsoft.com/office/drawing/2014/main" id="{5F4B2BB9-6902-7D8D-4CFF-51265D411627}"/>
+              </a:ext>
+            </a:extLst>
+          </p:cNvPr>
+          <p:cNvSpPr/>
+          <p:nvPr/>
+        </p:nvSpPr>
+        <p:spPr>
+          <a:xfrm>
+            <a:off x="1524000" y="1122363"/>
+            <a:ext cx="1976438" cy="1406525"/>
+          </a:xfrm>
+          <a:prstGeom prst="halfFrame">
+            <a:avLst>
+              <a:gd name="adj1" fmla="val 6922"/>
+              <a:gd name="adj2" fmla="val 6922"/>
+            </a:avLst>
+          </a:prstGeom>
+          <a:solidFill>
+            <a:schemeClr val="tx1"/>
+          </a:solidFill>
+        </p:spPr>
+        <p:style>
+          <a:lnRef idx="2">
+            <a:schemeClr val="accent1">
+              <a:shade val="15000"/>
+            </a:schemeClr>
+          </a:lnRef>
+          <a:fillRef idx="1">
+            <a:schemeClr val="accent1"/>
+          </a:fillRef>
+          <a:effectRef idx="0">
+            <a:schemeClr val="accent1"/>
+          </a:effectRef>
+          <a:fontRef idx="minor">
+            <a:schemeClr val="lt1"/>
+          </a:fontRef>
+        </p:style>
+        <p:txBody>
+          <a:bodyPr rtlCol="0" anchor="ctr"/>
+          <a:lstStyle/>
+          <a:p>
+            <a:pPr algn="ctr"/>
+            <a:endParaRPr lang="en-US">
+              <a:solidFill>
+                <a:schemeClr val="tx1"/>
+              </a:solidFill>
+            </a:endParaRPr>
+          </a:p>
+        </p:txBody>
+      </p:sp>
+      <p:sp>
+        <p:nvSpPr>
+          <p:cNvPr id="9" name="Half Frame 8">
+            <a:extLst>
+              <a:ext uri="{FF2B5EF4-FFF2-40B4-BE49-F238E27FC236}">
+                <a16:creationId xmlns:a16="http://schemas.microsoft.com/office/drawing/2014/main" id="{E08DDECE-DD49-1E47-E8EE-5AFF1BD2BD12}"/>
+              </a:ext>
+            </a:extLst>
+          </p:cNvPr>
+          <p:cNvSpPr/>
+          <p:nvPr/>
+        </p:nvSpPr>
+        <p:spPr>
+          <a:xfrm rot="10800000">
+            <a:off x="8477250" y="4204493"/>
+            <a:ext cx="1976438" cy="1406525"/>
+          </a:xfrm>
+          <a:prstGeom prst="halfFrame">
+            <a:avLst>
+              <a:gd name="adj1" fmla="val 6922"/>
+              <a:gd name="adj2" fmla="val 6922"/>
+            </a:avLst>
+          </a:prstGeom>
+          <a:solidFill>
+            <a:schemeClr val="tx1"/>
+          </a:solidFill>
+        </p:spPr>
+        <p:style>
+          <a:lnRef idx="2">
+            <a:schemeClr val="accent1">
+              <a:shade val="15000"/>
+            </a:schemeClr>
+          </a:lnRef>
+          <a:fillRef idx="1">
+            <a:schemeClr val="accent1"/>
+          </a:fillRef>
+          <a:effectRef idx="0">
+            <a:schemeClr val="accent1"/>
+          </a:effectRef>
+          <a:fontRef idx="minor">
+            <a:schemeClr val="lt1"/>
+          </a:fontRef>
+        </p:style>
+        <p:txBody>
+          <a:bodyPr rtlCol="0" anchor="ctr"/>
+          <a:lstStyle/>
+          <a:p>
+            <a:pPr algn="ctr"/>
+            <a:endParaRPr lang="en-US">
+              <a:solidFill>
+                <a:schemeClr val="tx1"/>
+              </a:solidFill>
+            </a:endParaRPr>
           </a:p>
         </p:txBody>
       </p:sp>
@@ -3062,6 +3378,8329 @@
   <p:clrMapOvr>
     <a:masterClrMapping/>
   </p:clrMapOvr>
+  <p:timing>
+    <p:tnLst>
+      <p:par>
+        <p:cTn id="1" dur="indefinite" restart="never" nodeType="tmRoot">
+          <p:childTnLst>
+            <p:seq concurrent="1" nextAc="seek">
+              <p:cTn id="2" dur="indefinite" nodeType="mainSeq">
+                <p:childTnLst>
+                  <p:par>
+                    <p:cTn id="3" fill="hold">
+                      <p:stCondLst>
+                        <p:cond delay="indefinite"/>
+                      </p:stCondLst>
+                      <p:childTnLst>
+                        <p:par>
+                          <p:cTn id="4" fill="hold">
+                            <p:stCondLst>
+                              <p:cond delay="0"/>
+                            </p:stCondLst>
+                            <p:childTnLst>
+                              <p:par>
+                                <p:cTn id="5" presetID="1" presetClass="entr" presetSubtype="0" fill="hold" grpId="0" nodeType="clickEffect">
+                                  <p:stCondLst>
+                                    <p:cond delay="0"/>
+                                  </p:stCondLst>
+                                  <p:childTnLst>
+                                    <p:set>
+                                      <p:cBhvr>
+                                        <p:cTn id="6" dur="1" fill="hold">
+                                          <p:stCondLst>
+                                            <p:cond delay="0"/>
+                                          </p:stCondLst>
+                                        </p:cTn>
+                                        <p:tgtEl>
+                                          <p:spTgt spid="8"/>
+                                        </p:tgtEl>
+                                        <p:attrNameLst>
+                                          <p:attrName>style.visibility</p:attrName>
+                                        </p:attrNameLst>
+                                      </p:cBhvr>
+                                      <p:to>
+                                        <p:strVal val="visible"/>
+                                      </p:to>
+                                    </p:set>
+                                  </p:childTnLst>
+                                </p:cTn>
+                              </p:par>
+                              <p:par>
+                                <p:cTn id="7" presetID="1" presetClass="entr" presetSubtype="0" fill="hold" grpId="0" nodeType="withEffect">
+                                  <p:stCondLst>
+                                    <p:cond delay="0"/>
+                                  </p:stCondLst>
+                                  <p:childTnLst>
+                                    <p:set>
+                                      <p:cBhvr>
+                                        <p:cTn id="8" dur="1" fill="hold">
+                                          <p:stCondLst>
+                                            <p:cond delay="0"/>
+                                          </p:stCondLst>
+                                        </p:cTn>
+                                        <p:tgtEl>
+                                          <p:spTgt spid="9"/>
+                                        </p:tgtEl>
+                                        <p:attrNameLst>
+                                          <p:attrName>style.visibility</p:attrName>
+                                        </p:attrNameLst>
+                                      </p:cBhvr>
+                                      <p:to>
+                                        <p:strVal val="visible"/>
+                                      </p:to>
+                                    </p:set>
+                                  </p:childTnLst>
+                                </p:cTn>
+                              </p:par>
+                              <p:par>
+                                <p:cTn id="9" presetID="1" presetClass="entr" presetSubtype="0" fill="hold" grpId="0" nodeType="withEffect">
+                                  <p:stCondLst>
+                                    <p:cond delay="0"/>
+                                  </p:stCondLst>
+                                  <p:childTnLst>
+                                    <p:set>
+                                      <p:cBhvr>
+                                        <p:cTn id="10" dur="1" fill="hold">
+                                          <p:stCondLst>
+                                            <p:cond delay="0"/>
+                                          </p:stCondLst>
+                                        </p:cTn>
+                                        <p:tgtEl>
+                                          <p:spTgt spid="2"/>
+                                        </p:tgtEl>
+                                        <p:attrNameLst>
+                                          <p:attrName>style.visibility</p:attrName>
+                                        </p:attrNameLst>
+                                      </p:cBhvr>
+                                      <p:to>
+                                        <p:strVal val="visible"/>
+                                      </p:to>
+                                    </p:set>
+                                  </p:childTnLst>
+                                </p:cTn>
+                              </p:par>
+                              <p:par>
+                                <p:cTn id="11" presetID="1" presetClass="entr" presetSubtype="0" fill="hold" nodeType="withEffect">
+                                  <p:stCondLst>
+                                    <p:cond delay="0"/>
+                                  </p:stCondLst>
+                                  <p:childTnLst>
+                                    <p:set>
+                                      <p:cBhvr>
+                                        <p:cTn id="12" dur="1" fill="hold">
+                                          <p:stCondLst>
+                                            <p:cond delay="0"/>
+                                          </p:stCondLst>
+                                        </p:cTn>
+                                        <p:tgtEl>
+                                          <p:spTgt spid="5"/>
+                                        </p:tgtEl>
+                                        <p:attrNameLst>
+                                          <p:attrName>style.visibility</p:attrName>
+                                        </p:attrNameLst>
+                                      </p:cBhvr>
+                                      <p:to>
+                                        <p:strVal val="visible"/>
+                                      </p:to>
+                                    </p:set>
+                                  </p:childTnLst>
+                                </p:cTn>
+                              </p:par>
+                            </p:childTnLst>
+                          </p:cTn>
+                        </p:par>
+                      </p:childTnLst>
+                    </p:cTn>
+                  </p:par>
+                  <p:par>
+                    <p:cTn id="13" fill="hold">
+                      <p:stCondLst>
+                        <p:cond delay="indefinite"/>
+                      </p:stCondLst>
+                      <p:childTnLst>
+                        <p:par>
+                          <p:cTn id="14" fill="hold">
+                            <p:stCondLst>
+                              <p:cond delay="0"/>
+                            </p:stCondLst>
+                            <p:childTnLst>
+                              <p:par>
+                                <p:cTn id="15" presetID="1" presetClass="entr" presetSubtype="0" fill="hold" grpId="0" nodeType="clickEffect">
+                                  <p:stCondLst>
+                                    <p:cond delay="0"/>
+                                  </p:stCondLst>
+                                  <p:childTnLst>
+                                    <p:set>
+                                      <p:cBhvr>
+                                        <p:cTn id="16" dur="1" fill="hold">
+                                          <p:stCondLst>
+                                            <p:cond delay="0"/>
+                                          </p:stCondLst>
+                                        </p:cTn>
+                                        <p:tgtEl>
+                                          <p:spTgt spid="3">
+                                            <p:txEl>
+                                              <p:pRg st="0" end="0"/>
+                                            </p:txEl>
+                                          </p:spTgt>
+                                        </p:tgtEl>
+                                        <p:attrNameLst>
+                                          <p:attrName>style.visibility</p:attrName>
+                                        </p:attrNameLst>
+                                      </p:cBhvr>
+                                      <p:to>
+                                        <p:strVal val="visible"/>
+                                      </p:to>
+                                    </p:set>
+                                  </p:childTnLst>
+                                </p:cTn>
+                              </p:par>
+                            </p:childTnLst>
+                          </p:cTn>
+                        </p:par>
+                      </p:childTnLst>
+                    </p:cTn>
+                  </p:par>
+                </p:childTnLst>
+              </p:cTn>
+              <p:prevCondLst>
+                <p:cond evt="onPrev" delay="0">
+                  <p:tgtEl>
+                    <p:sldTgt/>
+                  </p:tgtEl>
+                </p:cond>
+              </p:prevCondLst>
+              <p:nextCondLst>
+                <p:cond evt="onNext" delay="0">
+                  <p:tgtEl>
+                    <p:sldTgt/>
+                  </p:tgtEl>
+                </p:cond>
+              </p:nextCondLst>
+            </p:seq>
+          </p:childTnLst>
+        </p:cTn>
+      </p:par>
+    </p:tnLst>
+    <p:bldLst>
+      <p:bldP spid="2" grpId="0"/>
+      <p:bldP spid="3" grpId="0" build="p"/>
+      <p:bldP spid="8" grpId="0" animBg="1"/>
+      <p:bldP spid="9" grpId="0" animBg="1"/>
+    </p:bldLst>
+  </p:timing>
+</p:sld>
+</file>
+
+<file path=ppt/slides/slide10.xml><?xml version="1.0" encoding="utf-8"?>
+<p:sld xmlns:a="http://schemas.openxmlformats.org/drawingml/2006/main" xmlns:r="http://schemas.openxmlformats.org/officeDocument/2006/relationships" xmlns:p="http://schemas.openxmlformats.org/presentationml/2006/main">
+  <p:cSld>
+    <p:spTree>
+      <p:nvGrpSpPr>
+        <p:cNvPr id="1" name=""/>
+        <p:cNvGrpSpPr/>
+        <p:nvPr/>
+      </p:nvGrpSpPr>
+      <p:grpSpPr>
+        <a:xfrm>
+          <a:off x="0" y="0"/>
+          <a:ext cx="0" cy="0"/>
+          <a:chOff x="0" y="0"/>
+          <a:chExt cx="0" cy="0"/>
+        </a:xfrm>
+      </p:grpSpPr>
+      <p:cxnSp>
+        <p:nvCxnSpPr>
+          <p:cNvPr id="4" name="Straight Connector 3">
+            <a:extLst>
+              <a:ext uri="{FF2B5EF4-FFF2-40B4-BE49-F238E27FC236}">
+                <a16:creationId xmlns:a16="http://schemas.microsoft.com/office/drawing/2014/main" id="{3C7F1CCD-8D6D-F2D5-A0BF-975718B08EF2}"/>
+              </a:ext>
+            </a:extLst>
+          </p:cNvPr>
+          <p:cNvCxnSpPr/>
+          <p:nvPr/>
+        </p:nvCxnSpPr>
+        <p:spPr>
+          <a:xfrm>
+            <a:off x="4345781" y="1543050"/>
+            <a:ext cx="3500437" cy="0"/>
+          </a:xfrm>
+          <a:prstGeom prst="line">
+            <a:avLst/>
+          </a:prstGeom>
+          <a:ln w="57150">
+            <a:solidFill>
+              <a:schemeClr val="accent2">
+                <a:lumMod val="60000"/>
+                <a:lumOff val="40000"/>
+              </a:schemeClr>
+            </a:solidFill>
+          </a:ln>
+        </p:spPr>
+        <p:style>
+          <a:lnRef idx="1">
+            <a:schemeClr val="accent1"/>
+          </a:lnRef>
+          <a:fillRef idx="0">
+            <a:schemeClr val="accent1"/>
+          </a:fillRef>
+          <a:effectRef idx="0">
+            <a:schemeClr val="accent1"/>
+          </a:effectRef>
+          <a:fontRef idx="minor">
+            <a:schemeClr val="tx1"/>
+          </a:fontRef>
+        </p:style>
+      </p:cxnSp>
+      <p:sp>
+        <p:nvSpPr>
+          <p:cNvPr id="7" name="Title 1">
+            <a:extLst>
+              <a:ext uri="{FF2B5EF4-FFF2-40B4-BE49-F238E27FC236}">
+                <a16:creationId xmlns:a16="http://schemas.microsoft.com/office/drawing/2014/main" id="{A08AA44A-74F6-E214-7D6A-C7D85632AD1B}"/>
+              </a:ext>
+            </a:extLst>
+          </p:cNvPr>
+          <p:cNvSpPr txBox="1">
+            <a:spLocks/>
+          </p:cNvSpPr>
+          <p:nvPr/>
+        </p:nvSpPr>
+        <p:spPr>
+          <a:xfrm>
+            <a:off x="838200" y="365125"/>
+            <a:ext cx="10515600" cy="1788725"/>
+          </a:xfrm>
+          <a:prstGeom prst="rect">
+            <a:avLst/>
+          </a:prstGeom>
+        </p:spPr>
+        <p:txBody>
+          <a:bodyPr vert="horz" lIns="91440" tIns="45720" rIns="91440" bIns="45720" rtlCol="0" anchor="ctr">
+            <a:normAutofit/>
+          </a:bodyPr>
+          <a:lstStyle>
+            <a:lvl1pPr algn="l" defTabSz="914400" rtl="0" eaLnBrk="1" latinLnBrk="0" hangingPunct="1">
+              <a:lnSpc>
+                <a:spcPct val="90000"/>
+              </a:lnSpc>
+              <a:spcBef>
+                <a:spcPct val="0"/>
+              </a:spcBef>
+              <a:buNone/>
+              <a:defRPr sz="4400" kern="1200">
+                <a:solidFill>
+                  <a:schemeClr val="tx1"/>
+                </a:solidFill>
+                <a:latin typeface="+mj-lt"/>
+                <a:ea typeface="+mj-ea"/>
+                <a:cs typeface="+mj-cs"/>
+              </a:defRPr>
+            </a:lvl1pPr>
+          </a:lstStyle>
+          <a:p>
+            <a:pPr algn="ctr">
+              <a:lnSpc>
+                <a:spcPct val="150000"/>
+              </a:lnSpc>
+            </a:pPr>
+            <a:r>
+              <a:rPr lang="en-US" b="1" dirty="0"/>
+              <a:t>Model Selection</a:t>
+            </a:r>
+            <a:br>
+              <a:rPr lang="en-US" b="1" dirty="0"/>
+            </a:br>
+            <a:endParaRPr lang="en-US" sz="2400" b="1" dirty="0"/>
+          </a:p>
+        </p:txBody>
+      </p:sp>
+      <p:sp>
+        <p:nvSpPr>
+          <p:cNvPr id="3" name="Rectangle 2">
+            <a:extLst>
+              <a:ext uri="{FF2B5EF4-FFF2-40B4-BE49-F238E27FC236}">
+                <a16:creationId xmlns:a16="http://schemas.microsoft.com/office/drawing/2014/main" id="{0040DC22-ADFF-1A64-F29C-FE5134317423}"/>
+              </a:ext>
+            </a:extLst>
+          </p:cNvPr>
+          <p:cNvSpPr>
+            <a:spLocks noChangeArrowheads="1"/>
+          </p:cNvSpPr>
+          <p:nvPr/>
+        </p:nvSpPr>
+        <p:spPr bwMode="auto">
+          <a:xfrm>
+            <a:off x="3374578" y="2114548"/>
+            <a:ext cx="16501067" cy="45719"/>
+          </a:xfrm>
+          <a:prstGeom prst="rect">
+            <a:avLst/>
+          </a:prstGeom>
+          <a:noFill/>
+          <a:ln>
+            <a:noFill/>
+          </a:ln>
+          <a:effectLst/>
+          <a:extLst>
+            <a:ext uri="{909E8E84-426E-40DD-AFC4-6F175D3DCCD1}">
+              <a14:hiddenFill xmlns:a14="http://schemas.microsoft.com/office/drawing/2010/main">
+                <a:solidFill>
+                  <a:schemeClr val="accent1"/>
+                </a:solidFill>
+              </a14:hiddenFill>
+            </a:ext>
+            <a:ext uri="{91240B29-F687-4F45-9708-019B960494DF}">
+              <a14:hiddenLine xmlns:a14="http://schemas.microsoft.com/office/drawing/2010/main" w="9525">
+                <a:solidFill>
+                  <a:schemeClr val="tx1"/>
+                </a:solidFill>
+                <a:miter lim="800000"/>
+                <a:headEnd/>
+                <a:tailEnd/>
+              </a14:hiddenLine>
+            </a:ext>
+            <a:ext uri="{AF507438-7753-43E0-B8FC-AC1667EBCBE1}">
+              <a14:hiddenEffects xmlns:a14="http://schemas.microsoft.com/office/drawing/2010/main">
+                <a:effectLst>
+                  <a:outerShdw dist="35921" dir="2700000" algn="ctr" rotWithShape="0">
+                    <a:schemeClr val="bg2"/>
+                  </a:outerShdw>
+                </a:effectLst>
+              </a14:hiddenEffects>
+            </a:ext>
+          </a:extLst>
+        </p:spPr>
+        <p:txBody>
+          <a:bodyPr vert="horz" wrap="square" lIns="91440" tIns="45720" rIns="91440" bIns="45720" numCol="1" anchor="ctr" anchorCtr="0" compatLnSpc="1">
+            <a:prstTxWarp prst="textNoShape">
+              <a:avLst/>
+            </a:prstTxWarp>
+            <a:spAutoFit/>
+          </a:bodyPr>
+          <a:lstStyle/>
+          <a:p>
+            <a:endParaRPr lang="en-US"/>
+          </a:p>
+        </p:txBody>
+      </p:sp>
+      <p:sp>
+        <p:nvSpPr>
+          <p:cNvPr id="2" name="Content Placeholder 2">
+            <a:extLst>
+              <a:ext uri="{FF2B5EF4-FFF2-40B4-BE49-F238E27FC236}">
+                <a16:creationId xmlns:a16="http://schemas.microsoft.com/office/drawing/2014/main" id="{9FA11D68-1A7A-2A6F-C013-91A2DF334753}"/>
+              </a:ext>
+            </a:extLst>
+          </p:cNvPr>
+          <p:cNvSpPr>
+            <a:spLocks noGrp="1"/>
+          </p:cNvSpPr>
+          <p:nvPr>
+            <p:ph idx="1"/>
+          </p:nvPr>
+        </p:nvSpPr>
+        <p:spPr>
+          <a:xfrm>
+            <a:off x="838200" y="2185987"/>
+            <a:ext cx="10515600" cy="4306888"/>
+          </a:xfrm>
+        </p:spPr>
+        <p:txBody>
+          <a:bodyPr>
+            <a:normAutofit/>
+          </a:bodyPr>
+          <a:lstStyle/>
+          <a:p>
+            <a:pPr>
+              <a:lnSpc>
+                <a:spcPct val="150000"/>
+              </a:lnSpc>
+              <a:buFont typeface="Wingdings" pitchFamily="2" charset="2"/>
+              <a:buChar char="v"/>
+            </a:pPr>
+            <a:r>
+              <a:rPr lang="en-US" sz="2800" kern="0" dirty="0">
+                <a:effectLst/>
+                <a:latin typeface="Calibri" panose="020F0502020204030204" pitchFamily="34" charset="0"/>
+                <a:ea typeface="Times New Roman" panose="02020603050405020304" pitchFamily="18" charset="0"/>
+              </a:rPr>
+              <a:t> Linear Regression Model</a:t>
+            </a:r>
+          </a:p>
+          <a:p>
+            <a:pPr>
+              <a:lnSpc>
+                <a:spcPct val="150000"/>
+              </a:lnSpc>
+              <a:buFont typeface="Wingdings" pitchFamily="2" charset="2"/>
+              <a:buChar char="v"/>
+            </a:pPr>
+            <a:r>
+              <a:rPr lang="en-US" kern="0" dirty="0">
+                <a:latin typeface="Calibri" panose="020F0502020204030204" pitchFamily="34" charset="0"/>
+                <a:ea typeface="Times New Roman" panose="02020603050405020304" pitchFamily="18" charset="0"/>
+              </a:rPr>
+              <a:t> Random Forest Model</a:t>
+            </a:r>
+          </a:p>
+          <a:p>
+            <a:pPr>
+              <a:lnSpc>
+                <a:spcPct val="150000"/>
+              </a:lnSpc>
+              <a:buFont typeface="Wingdings" pitchFamily="2" charset="2"/>
+              <a:buChar char="v"/>
+            </a:pPr>
+            <a:r>
+              <a:rPr lang="en-US" kern="0" dirty="0">
+                <a:latin typeface="Calibri" panose="020F0502020204030204" pitchFamily="34" charset="0"/>
+                <a:ea typeface="Times New Roman" panose="02020603050405020304" pitchFamily="18" charset="0"/>
+              </a:rPr>
+              <a:t> Long Short Term Memory Model</a:t>
+            </a:r>
+            <a:endParaRPr lang="en-US" sz="2800" kern="0" dirty="0">
+              <a:effectLst/>
+              <a:latin typeface="Calibri" panose="020F0502020204030204" pitchFamily="34" charset="0"/>
+              <a:ea typeface="Times New Roman" panose="02020603050405020304" pitchFamily="18" charset="0"/>
+            </a:endParaRPr>
+          </a:p>
+          <a:p>
+            <a:pPr marL="0" indent="0">
+              <a:lnSpc>
+                <a:spcPct val="150000"/>
+              </a:lnSpc>
+              <a:buNone/>
+            </a:pPr>
+            <a:endParaRPr lang="en-US" b="0" i="0" u="none" strike="noStrike" dirty="0">
+              <a:effectLst/>
+            </a:endParaRPr>
+          </a:p>
+        </p:txBody>
+      </p:sp>
+    </p:spTree>
+    <p:extLst>
+      <p:ext uri="{BB962C8B-B14F-4D97-AF65-F5344CB8AC3E}">
+        <p14:creationId xmlns:p14="http://schemas.microsoft.com/office/powerpoint/2010/main" val="2673643591"/>
+      </p:ext>
+    </p:extLst>
+  </p:cSld>
+  <p:clrMapOvr>
+    <a:masterClrMapping/>
+  </p:clrMapOvr>
+  <p:timing>
+    <p:tnLst>
+      <p:par>
+        <p:cTn id="1" dur="indefinite" restart="never" nodeType="tmRoot">
+          <p:childTnLst>
+            <p:seq concurrent="1" nextAc="seek">
+              <p:cTn id="2" dur="indefinite" nodeType="mainSeq">
+                <p:childTnLst>
+                  <p:par>
+                    <p:cTn id="3" fill="hold">
+                      <p:stCondLst>
+                        <p:cond delay="indefinite"/>
+                      </p:stCondLst>
+                      <p:childTnLst>
+                        <p:par>
+                          <p:cTn id="4" fill="hold">
+                            <p:stCondLst>
+                              <p:cond delay="0"/>
+                            </p:stCondLst>
+                            <p:childTnLst>
+                              <p:par>
+                                <p:cTn id="5" presetID="1" presetClass="entr" presetSubtype="0" fill="hold" grpId="0" nodeType="clickEffect">
+                                  <p:stCondLst>
+                                    <p:cond delay="0"/>
+                                  </p:stCondLst>
+                                  <p:childTnLst>
+                                    <p:set>
+                                      <p:cBhvr>
+                                        <p:cTn id="6" dur="1" fill="hold">
+                                          <p:stCondLst>
+                                            <p:cond delay="0"/>
+                                          </p:stCondLst>
+                                        </p:cTn>
+                                        <p:tgtEl>
+                                          <p:spTgt spid="2">
+                                            <p:txEl>
+                                              <p:pRg st="0" end="0"/>
+                                            </p:txEl>
+                                          </p:spTgt>
+                                        </p:tgtEl>
+                                        <p:attrNameLst>
+                                          <p:attrName>style.visibility</p:attrName>
+                                        </p:attrNameLst>
+                                      </p:cBhvr>
+                                      <p:to>
+                                        <p:strVal val="visible"/>
+                                      </p:to>
+                                    </p:set>
+                                  </p:childTnLst>
+                                  <p:subTnLst>
+                                    <p:animClr clrSpc="rgb" dir="cw">
+                                      <p:cBhvr override="childStyle">
+                                        <p:cTn dur="1" fill="hold" display="0" masterRel="nextClick" afterEffect="1"/>
+                                        <p:tgtEl>
+                                          <p:spTgt spid="2">
+                                            <p:txEl>
+                                              <p:pRg st="0" end="0"/>
+                                            </p:txEl>
+                                          </p:spTgt>
+                                        </p:tgtEl>
+                                        <p:attrNameLst>
+                                          <p:attrName>ppt_c</p:attrName>
+                                        </p:attrNameLst>
+                                      </p:cBhvr>
+                                      <p:to>
+                                        <a:srgbClr val="424242"/>
+                                      </p:to>
+                                    </p:animClr>
+                                  </p:subTnLst>
+                                </p:cTn>
+                              </p:par>
+                            </p:childTnLst>
+                          </p:cTn>
+                        </p:par>
+                      </p:childTnLst>
+                    </p:cTn>
+                  </p:par>
+                  <p:par>
+                    <p:cTn id="7" fill="hold">
+                      <p:stCondLst>
+                        <p:cond delay="indefinite"/>
+                      </p:stCondLst>
+                      <p:childTnLst>
+                        <p:par>
+                          <p:cTn id="8" fill="hold">
+                            <p:stCondLst>
+                              <p:cond delay="0"/>
+                            </p:stCondLst>
+                            <p:childTnLst>
+                              <p:par>
+                                <p:cTn id="9" presetID="1" presetClass="entr" presetSubtype="0" fill="hold" grpId="0" nodeType="clickEffect">
+                                  <p:stCondLst>
+                                    <p:cond delay="0"/>
+                                  </p:stCondLst>
+                                  <p:childTnLst>
+                                    <p:set>
+                                      <p:cBhvr>
+                                        <p:cTn id="10" dur="1" fill="hold">
+                                          <p:stCondLst>
+                                            <p:cond delay="0"/>
+                                          </p:stCondLst>
+                                        </p:cTn>
+                                        <p:tgtEl>
+                                          <p:spTgt spid="2">
+                                            <p:txEl>
+                                              <p:pRg st="1" end="1"/>
+                                            </p:txEl>
+                                          </p:spTgt>
+                                        </p:tgtEl>
+                                        <p:attrNameLst>
+                                          <p:attrName>style.visibility</p:attrName>
+                                        </p:attrNameLst>
+                                      </p:cBhvr>
+                                      <p:to>
+                                        <p:strVal val="visible"/>
+                                      </p:to>
+                                    </p:set>
+                                  </p:childTnLst>
+                                  <p:subTnLst>
+                                    <p:animClr clrSpc="rgb" dir="cw">
+                                      <p:cBhvr override="childStyle">
+                                        <p:cTn dur="1" fill="hold" display="0" masterRel="nextClick" afterEffect="1"/>
+                                        <p:tgtEl>
+                                          <p:spTgt spid="2">
+                                            <p:txEl>
+                                              <p:pRg st="1" end="1"/>
+                                            </p:txEl>
+                                          </p:spTgt>
+                                        </p:tgtEl>
+                                        <p:attrNameLst>
+                                          <p:attrName>ppt_c</p:attrName>
+                                        </p:attrNameLst>
+                                      </p:cBhvr>
+                                      <p:to>
+                                        <a:srgbClr val="424242"/>
+                                      </p:to>
+                                    </p:animClr>
+                                  </p:subTnLst>
+                                </p:cTn>
+                              </p:par>
+                            </p:childTnLst>
+                          </p:cTn>
+                        </p:par>
+                      </p:childTnLst>
+                    </p:cTn>
+                  </p:par>
+                  <p:par>
+                    <p:cTn id="11" fill="hold">
+                      <p:stCondLst>
+                        <p:cond delay="indefinite"/>
+                      </p:stCondLst>
+                      <p:childTnLst>
+                        <p:par>
+                          <p:cTn id="12" fill="hold">
+                            <p:stCondLst>
+                              <p:cond delay="0"/>
+                            </p:stCondLst>
+                            <p:childTnLst>
+                              <p:par>
+                                <p:cTn id="13" presetID="1" presetClass="entr" presetSubtype="0" fill="hold" grpId="0" nodeType="clickEffect">
+                                  <p:stCondLst>
+                                    <p:cond delay="0"/>
+                                  </p:stCondLst>
+                                  <p:childTnLst>
+                                    <p:set>
+                                      <p:cBhvr>
+                                        <p:cTn id="14" dur="1" fill="hold">
+                                          <p:stCondLst>
+                                            <p:cond delay="0"/>
+                                          </p:stCondLst>
+                                        </p:cTn>
+                                        <p:tgtEl>
+                                          <p:spTgt spid="2">
+                                            <p:txEl>
+                                              <p:pRg st="2" end="2"/>
+                                            </p:txEl>
+                                          </p:spTgt>
+                                        </p:tgtEl>
+                                        <p:attrNameLst>
+                                          <p:attrName>style.visibility</p:attrName>
+                                        </p:attrNameLst>
+                                      </p:cBhvr>
+                                      <p:to>
+                                        <p:strVal val="visible"/>
+                                      </p:to>
+                                    </p:set>
+                                  </p:childTnLst>
+                                </p:cTn>
+                              </p:par>
+                            </p:childTnLst>
+                          </p:cTn>
+                        </p:par>
+                      </p:childTnLst>
+                    </p:cTn>
+                  </p:par>
+                </p:childTnLst>
+              </p:cTn>
+              <p:prevCondLst>
+                <p:cond evt="onPrev" delay="0">
+                  <p:tgtEl>
+                    <p:sldTgt/>
+                  </p:tgtEl>
+                </p:cond>
+              </p:prevCondLst>
+              <p:nextCondLst>
+                <p:cond evt="onNext" delay="0">
+                  <p:tgtEl>
+                    <p:sldTgt/>
+                  </p:tgtEl>
+                </p:cond>
+              </p:nextCondLst>
+            </p:seq>
+          </p:childTnLst>
+        </p:cTn>
+      </p:par>
+    </p:tnLst>
+    <p:bldLst>
+      <p:bldP spid="2" grpId="0" uiExpand="1" build="p"/>
+    </p:bldLst>
+  </p:timing>
+</p:sld>
+</file>
+
+<file path=ppt/slides/slide11.xml><?xml version="1.0" encoding="utf-8"?>
+<p:sld xmlns:a="http://schemas.openxmlformats.org/drawingml/2006/main" xmlns:r="http://schemas.openxmlformats.org/officeDocument/2006/relationships" xmlns:p="http://schemas.openxmlformats.org/presentationml/2006/main">
+  <p:cSld>
+    <p:spTree>
+      <p:nvGrpSpPr>
+        <p:cNvPr id="1" name=""/>
+        <p:cNvGrpSpPr/>
+        <p:nvPr/>
+      </p:nvGrpSpPr>
+      <p:grpSpPr>
+        <a:xfrm>
+          <a:off x="0" y="0"/>
+          <a:ext cx="0" cy="0"/>
+          <a:chOff x="0" y="0"/>
+          <a:chExt cx="0" cy="0"/>
+        </a:xfrm>
+      </p:grpSpPr>
+      <p:cxnSp>
+        <p:nvCxnSpPr>
+          <p:cNvPr id="4" name="Straight Connector 3">
+            <a:extLst>
+              <a:ext uri="{FF2B5EF4-FFF2-40B4-BE49-F238E27FC236}">
+                <a16:creationId xmlns:a16="http://schemas.microsoft.com/office/drawing/2014/main" id="{3C7F1CCD-8D6D-F2D5-A0BF-975718B08EF2}"/>
+              </a:ext>
+            </a:extLst>
+          </p:cNvPr>
+          <p:cNvCxnSpPr/>
+          <p:nvPr/>
+        </p:nvCxnSpPr>
+        <p:spPr>
+          <a:xfrm>
+            <a:off x="4345781" y="1543050"/>
+            <a:ext cx="3500437" cy="0"/>
+          </a:xfrm>
+          <a:prstGeom prst="line">
+            <a:avLst/>
+          </a:prstGeom>
+          <a:ln w="57150">
+            <a:solidFill>
+              <a:schemeClr val="accent2">
+                <a:lumMod val="60000"/>
+                <a:lumOff val="40000"/>
+              </a:schemeClr>
+            </a:solidFill>
+          </a:ln>
+        </p:spPr>
+        <p:style>
+          <a:lnRef idx="1">
+            <a:schemeClr val="accent1"/>
+          </a:lnRef>
+          <a:fillRef idx="0">
+            <a:schemeClr val="accent1"/>
+          </a:fillRef>
+          <a:effectRef idx="0">
+            <a:schemeClr val="accent1"/>
+          </a:effectRef>
+          <a:fontRef idx="minor">
+            <a:schemeClr val="tx1"/>
+          </a:fontRef>
+        </p:style>
+      </p:cxnSp>
+      <p:sp>
+        <p:nvSpPr>
+          <p:cNvPr id="3" name="Rectangle 2">
+            <a:extLst>
+              <a:ext uri="{FF2B5EF4-FFF2-40B4-BE49-F238E27FC236}">
+                <a16:creationId xmlns:a16="http://schemas.microsoft.com/office/drawing/2014/main" id="{0040DC22-ADFF-1A64-F29C-FE5134317423}"/>
+              </a:ext>
+            </a:extLst>
+          </p:cNvPr>
+          <p:cNvSpPr>
+            <a:spLocks noChangeArrowheads="1"/>
+          </p:cNvSpPr>
+          <p:nvPr/>
+        </p:nvSpPr>
+        <p:spPr bwMode="auto">
+          <a:xfrm>
+            <a:off x="3374578" y="2114548"/>
+            <a:ext cx="16501067" cy="45719"/>
+          </a:xfrm>
+          <a:prstGeom prst="rect">
+            <a:avLst/>
+          </a:prstGeom>
+          <a:noFill/>
+          <a:ln>
+            <a:noFill/>
+          </a:ln>
+          <a:effectLst/>
+          <a:extLst>
+            <a:ext uri="{909E8E84-426E-40DD-AFC4-6F175D3DCCD1}">
+              <a14:hiddenFill xmlns:a14="http://schemas.microsoft.com/office/drawing/2010/main">
+                <a:solidFill>
+                  <a:schemeClr val="accent1"/>
+                </a:solidFill>
+              </a14:hiddenFill>
+            </a:ext>
+            <a:ext uri="{91240B29-F687-4F45-9708-019B960494DF}">
+              <a14:hiddenLine xmlns:a14="http://schemas.microsoft.com/office/drawing/2010/main" w="9525">
+                <a:solidFill>
+                  <a:schemeClr val="tx1"/>
+                </a:solidFill>
+                <a:miter lim="800000"/>
+                <a:headEnd/>
+                <a:tailEnd/>
+              </a14:hiddenLine>
+            </a:ext>
+            <a:ext uri="{AF507438-7753-43E0-B8FC-AC1667EBCBE1}">
+              <a14:hiddenEffects xmlns:a14="http://schemas.microsoft.com/office/drawing/2010/main">
+                <a:effectLst>
+                  <a:outerShdw dist="35921" dir="2700000" algn="ctr" rotWithShape="0">
+                    <a:schemeClr val="bg2"/>
+                  </a:outerShdw>
+                </a:effectLst>
+              </a14:hiddenEffects>
+            </a:ext>
+          </a:extLst>
+        </p:spPr>
+        <p:txBody>
+          <a:bodyPr vert="horz" wrap="square" lIns="91440" tIns="45720" rIns="91440" bIns="45720" numCol="1" anchor="ctr" anchorCtr="0" compatLnSpc="1">
+            <a:prstTxWarp prst="textNoShape">
+              <a:avLst/>
+            </a:prstTxWarp>
+            <a:spAutoFit/>
+          </a:bodyPr>
+          <a:lstStyle/>
+          <a:p>
+            <a:endParaRPr lang="en-US"/>
+          </a:p>
+        </p:txBody>
+      </p:sp>
+      <p:pic>
+        <p:nvPicPr>
+          <p:cNvPr id="8" name="Picture 7" descr="A screen shot of a graph&#10;&#10;Description automatically generated">
+            <a:extLst>
+              <a:ext uri="{FF2B5EF4-FFF2-40B4-BE49-F238E27FC236}">
+                <a16:creationId xmlns:a16="http://schemas.microsoft.com/office/drawing/2014/main" id="{E243B303-5CE4-EC6C-6CC0-FB3AFADEDD64}"/>
+              </a:ext>
+            </a:extLst>
+          </p:cNvPr>
+          <p:cNvPicPr>
+            <a:picLocks noChangeAspect="1"/>
+          </p:cNvPicPr>
+          <p:nvPr/>
+        </p:nvPicPr>
+        <p:blipFill>
+          <a:blip r:embed="rId2">
+            <a:extLst>
+              <a:ext uri="{28A0092B-C50C-407E-A947-70E740481C1C}">
+                <a14:useLocalDpi xmlns:a14="http://schemas.microsoft.com/office/drawing/2010/main" val="0"/>
+              </a:ext>
+            </a:extLst>
+          </a:blip>
+          <a:srcRect/>
+          <a:stretch>
+            <a:fillRect/>
+          </a:stretch>
+        </p:blipFill>
+        <p:spPr bwMode="auto">
+          <a:xfrm>
+            <a:off x="1035692" y="2114548"/>
+            <a:ext cx="4455795" cy="4521200"/>
+          </a:xfrm>
+          <a:prstGeom prst="rect">
+            <a:avLst/>
+          </a:prstGeom>
+          <a:solidFill>
+            <a:schemeClr val="tx1"/>
+          </a:solidFill>
+          <a:ln>
+            <a:noFill/>
+          </a:ln>
+        </p:spPr>
+      </p:pic>
+      <p:sp>
+        <p:nvSpPr>
+          <p:cNvPr id="9" name="Title 1">
+            <a:extLst>
+              <a:ext uri="{FF2B5EF4-FFF2-40B4-BE49-F238E27FC236}">
+                <a16:creationId xmlns:a16="http://schemas.microsoft.com/office/drawing/2014/main" id="{8431047B-4F1F-7D79-5E9C-85D7B8782B4B}"/>
+              </a:ext>
+            </a:extLst>
+          </p:cNvPr>
+          <p:cNvSpPr txBox="1">
+            <a:spLocks/>
+          </p:cNvSpPr>
+          <p:nvPr/>
+        </p:nvSpPr>
+        <p:spPr>
+          <a:xfrm>
+            <a:off x="838200" y="365125"/>
+            <a:ext cx="10515600" cy="1788725"/>
+          </a:xfrm>
+          <a:prstGeom prst="rect">
+            <a:avLst/>
+          </a:prstGeom>
+        </p:spPr>
+        <p:txBody>
+          <a:bodyPr vert="horz" lIns="91440" tIns="45720" rIns="91440" bIns="45720" rtlCol="0" anchor="ctr">
+            <a:normAutofit/>
+          </a:bodyPr>
+          <a:lstStyle>
+            <a:lvl1pPr algn="l" defTabSz="914400" rtl="0" eaLnBrk="1" latinLnBrk="0" hangingPunct="1">
+              <a:lnSpc>
+                <a:spcPct val="90000"/>
+              </a:lnSpc>
+              <a:spcBef>
+                <a:spcPct val="0"/>
+              </a:spcBef>
+              <a:buNone/>
+              <a:defRPr sz="4400" kern="1200">
+                <a:solidFill>
+                  <a:schemeClr val="tx1"/>
+                </a:solidFill>
+                <a:latin typeface="+mj-lt"/>
+                <a:ea typeface="+mj-ea"/>
+                <a:cs typeface="+mj-cs"/>
+              </a:defRPr>
+            </a:lvl1pPr>
+          </a:lstStyle>
+          <a:p>
+            <a:pPr algn="ctr">
+              <a:lnSpc>
+                <a:spcPct val="150000"/>
+              </a:lnSpc>
+            </a:pPr>
+            <a:r>
+              <a:rPr lang="en-US" b="1" dirty="0"/>
+              <a:t>Model Comparison</a:t>
+            </a:r>
+            <a:br>
+              <a:rPr lang="en-US" b="1" dirty="0"/>
+            </a:br>
+            <a:r>
+              <a:rPr lang="en-US" sz="2400" b="1" dirty="0"/>
+              <a:t>Linear Regression Model</a:t>
+            </a:r>
+          </a:p>
+        </p:txBody>
+      </p:sp>
+      <p:sp>
+        <p:nvSpPr>
+          <p:cNvPr id="11" name="TextBox 10">
+            <a:extLst>
+              <a:ext uri="{FF2B5EF4-FFF2-40B4-BE49-F238E27FC236}">
+                <a16:creationId xmlns:a16="http://schemas.microsoft.com/office/drawing/2014/main" id="{1C66FC4E-7EC3-8659-524D-C2240FC9EF9E}"/>
+              </a:ext>
+            </a:extLst>
+          </p:cNvPr>
+          <p:cNvSpPr txBox="1"/>
+          <p:nvPr/>
+        </p:nvSpPr>
+        <p:spPr>
+          <a:xfrm>
+            <a:off x="6095999" y="2369144"/>
+            <a:ext cx="4653285" cy="923330"/>
+          </a:xfrm>
+          <a:prstGeom prst="rect">
+            <a:avLst/>
+          </a:prstGeom>
+          <a:noFill/>
+        </p:spPr>
+        <p:txBody>
+          <a:bodyPr wrap="square">
+            <a:spAutoFit/>
+          </a:bodyPr>
+          <a:lstStyle/>
+          <a:p>
+            <a:pPr marL="0" marR="0" fontAlgn="base" latinLnBrk="1">
+              <a:spcBef>
+                <a:spcPts val="0"/>
+              </a:spcBef>
+              <a:spcAft>
+                <a:spcPts val="0"/>
+              </a:spcAft>
+              <a:tabLst>
+                <a:tab pos="581660" algn="l"/>
+                <a:tab pos="1163320" algn="l"/>
+                <a:tab pos="1744980" algn="l"/>
+                <a:tab pos="2326640" algn="l"/>
+                <a:tab pos="2908300" algn="l"/>
+                <a:tab pos="3489960" algn="l"/>
+                <a:tab pos="4071620" algn="l"/>
+                <a:tab pos="4653280" algn="l"/>
+                <a:tab pos="5234940" algn="l"/>
+                <a:tab pos="5816600" algn="l"/>
+                <a:tab pos="6398260" algn="l"/>
+                <a:tab pos="6979920" algn="l"/>
+                <a:tab pos="7561580" algn="l"/>
+                <a:tab pos="8143240" algn="l"/>
+                <a:tab pos="8724900" algn="l"/>
+                <a:tab pos="9306560" algn="l"/>
+              </a:tabLst>
+            </a:pPr>
+            <a:r>
+              <a:rPr lang="en-US" sz="1800" dirty="0">
+                <a:effectLst/>
+                <a:latin typeface="Courier New" panose="02070309020205020404" pitchFamily="49" charset="0"/>
+                <a:ea typeface="Times New Roman" panose="02020603050405020304" pitchFamily="18" charset="0"/>
+              </a:rPr>
+              <a:t>Mean Absolute Error: 243.72</a:t>
+            </a:r>
+            <a:endParaRPr lang="en-US" sz="2400" dirty="0">
+              <a:effectLst/>
+              <a:latin typeface="Times New Roman" panose="02020603050405020304" pitchFamily="18" charset="0"/>
+              <a:ea typeface="Times New Roman" panose="02020603050405020304" pitchFamily="18" charset="0"/>
+            </a:endParaRPr>
+          </a:p>
+          <a:p>
+            <a:pPr marL="0" marR="0" fontAlgn="base" latinLnBrk="1">
+              <a:spcBef>
+                <a:spcPts val="0"/>
+              </a:spcBef>
+              <a:spcAft>
+                <a:spcPts val="0"/>
+              </a:spcAft>
+              <a:tabLst>
+                <a:tab pos="581660" algn="l"/>
+                <a:tab pos="1163320" algn="l"/>
+                <a:tab pos="1744980" algn="l"/>
+                <a:tab pos="2326640" algn="l"/>
+                <a:tab pos="2908300" algn="l"/>
+                <a:tab pos="3489960" algn="l"/>
+                <a:tab pos="4071620" algn="l"/>
+                <a:tab pos="4653280" algn="l"/>
+                <a:tab pos="5234940" algn="l"/>
+                <a:tab pos="5816600" algn="l"/>
+                <a:tab pos="6398260" algn="l"/>
+                <a:tab pos="6979920" algn="l"/>
+                <a:tab pos="7561580" algn="l"/>
+                <a:tab pos="8143240" algn="l"/>
+                <a:tab pos="8724900" algn="l"/>
+                <a:tab pos="9306560" algn="l"/>
+              </a:tabLst>
+            </a:pPr>
+            <a:r>
+              <a:rPr lang="en-US" sz="1800" dirty="0">
+                <a:effectLst/>
+                <a:latin typeface="Courier New" panose="02070309020205020404" pitchFamily="49" charset="0"/>
+                <a:ea typeface="Times New Roman" panose="02020603050405020304" pitchFamily="18" charset="0"/>
+              </a:rPr>
+              <a:t>Mean Squared Error: 183462.87</a:t>
+            </a:r>
+            <a:endParaRPr lang="en-US" sz="2400" dirty="0">
+              <a:effectLst/>
+              <a:latin typeface="Times New Roman" panose="02020603050405020304" pitchFamily="18" charset="0"/>
+              <a:ea typeface="Times New Roman" panose="02020603050405020304" pitchFamily="18" charset="0"/>
+            </a:endParaRPr>
+          </a:p>
+          <a:p>
+            <a:pPr marL="0" marR="0" fontAlgn="base" latinLnBrk="1">
+              <a:spcBef>
+                <a:spcPts val="0"/>
+              </a:spcBef>
+              <a:spcAft>
+                <a:spcPts val="0"/>
+              </a:spcAft>
+              <a:tabLst>
+                <a:tab pos="581660" algn="l"/>
+                <a:tab pos="1163320" algn="l"/>
+                <a:tab pos="1744980" algn="l"/>
+                <a:tab pos="2326640" algn="l"/>
+                <a:tab pos="2908300" algn="l"/>
+                <a:tab pos="3489960" algn="l"/>
+                <a:tab pos="4071620" algn="l"/>
+                <a:tab pos="4653280" algn="l"/>
+                <a:tab pos="5234940" algn="l"/>
+                <a:tab pos="5816600" algn="l"/>
+                <a:tab pos="6398260" algn="l"/>
+                <a:tab pos="6979920" algn="l"/>
+                <a:tab pos="7561580" algn="l"/>
+                <a:tab pos="8143240" algn="l"/>
+                <a:tab pos="8724900" algn="l"/>
+                <a:tab pos="9306560" algn="l"/>
+              </a:tabLst>
+            </a:pPr>
+            <a:r>
+              <a:rPr lang="en-US" sz="1800" dirty="0">
+                <a:effectLst/>
+                <a:latin typeface="Courier New" panose="02070309020205020404" pitchFamily="49" charset="0"/>
+                <a:ea typeface="Times New Roman" panose="02020603050405020304" pitchFamily="18" charset="0"/>
+              </a:rPr>
+              <a:t>R-squared: 0.83</a:t>
+            </a:r>
+            <a:endParaRPr lang="en-US" sz="2400" dirty="0">
+              <a:effectLst/>
+              <a:latin typeface="Times New Roman" panose="02020603050405020304" pitchFamily="18" charset="0"/>
+              <a:ea typeface="Times New Roman" panose="02020603050405020304" pitchFamily="18" charset="0"/>
+            </a:endParaRPr>
+          </a:p>
+        </p:txBody>
+      </p:sp>
+    </p:spTree>
+    <p:extLst>
+      <p:ext uri="{BB962C8B-B14F-4D97-AF65-F5344CB8AC3E}">
+        <p14:creationId xmlns:p14="http://schemas.microsoft.com/office/powerpoint/2010/main" val="1768857183"/>
+      </p:ext>
+    </p:extLst>
+  </p:cSld>
+  <p:clrMapOvr>
+    <a:masterClrMapping/>
+  </p:clrMapOvr>
+  <p:timing>
+    <p:tnLst>
+      <p:par>
+        <p:cTn id="1" dur="indefinite" restart="never" nodeType="tmRoot">
+          <p:childTnLst>
+            <p:seq concurrent="1" nextAc="seek">
+              <p:cTn id="2" dur="indefinite" nodeType="mainSeq">
+                <p:childTnLst>
+                  <p:par>
+                    <p:cTn id="3" fill="hold">
+                      <p:stCondLst>
+                        <p:cond delay="indefinite"/>
+                      </p:stCondLst>
+                      <p:childTnLst>
+                        <p:par>
+                          <p:cTn id="4" fill="hold">
+                            <p:stCondLst>
+                              <p:cond delay="0"/>
+                            </p:stCondLst>
+                            <p:childTnLst>
+                              <p:par>
+                                <p:cTn id="5" presetID="1" presetClass="entr" presetSubtype="0" fill="hold" nodeType="clickEffect">
+                                  <p:stCondLst>
+                                    <p:cond delay="0"/>
+                                  </p:stCondLst>
+                                  <p:childTnLst>
+                                    <p:set>
+                                      <p:cBhvr>
+                                        <p:cTn id="6" dur="1" fill="hold">
+                                          <p:stCondLst>
+                                            <p:cond delay="0"/>
+                                          </p:stCondLst>
+                                        </p:cTn>
+                                        <p:tgtEl>
+                                          <p:spTgt spid="8"/>
+                                        </p:tgtEl>
+                                        <p:attrNameLst>
+                                          <p:attrName>style.visibility</p:attrName>
+                                        </p:attrNameLst>
+                                      </p:cBhvr>
+                                      <p:to>
+                                        <p:strVal val="visible"/>
+                                      </p:to>
+                                    </p:set>
+                                  </p:childTnLst>
+                                </p:cTn>
+                              </p:par>
+                            </p:childTnLst>
+                          </p:cTn>
+                        </p:par>
+                      </p:childTnLst>
+                    </p:cTn>
+                  </p:par>
+                  <p:par>
+                    <p:cTn id="7" fill="hold">
+                      <p:stCondLst>
+                        <p:cond delay="indefinite"/>
+                      </p:stCondLst>
+                      <p:childTnLst>
+                        <p:par>
+                          <p:cTn id="8" fill="hold">
+                            <p:stCondLst>
+                              <p:cond delay="0"/>
+                            </p:stCondLst>
+                            <p:childTnLst>
+                              <p:par>
+                                <p:cTn id="9" presetID="1" presetClass="entr" presetSubtype="0" fill="hold" grpId="0" nodeType="clickEffect">
+                                  <p:stCondLst>
+                                    <p:cond delay="0"/>
+                                  </p:stCondLst>
+                                  <p:childTnLst>
+                                    <p:set>
+                                      <p:cBhvr>
+                                        <p:cTn id="10" dur="1" fill="hold">
+                                          <p:stCondLst>
+                                            <p:cond delay="0"/>
+                                          </p:stCondLst>
+                                        </p:cTn>
+                                        <p:tgtEl>
+                                          <p:spTgt spid="11"/>
+                                        </p:tgtEl>
+                                        <p:attrNameLst>
+                                          <p:attrName>style.visibility</p:attrName>
+                                        </p:attrNameLst>
+                                      </p:cBhvr>
+                                      <p:to>
+                                        <p:strVal val="visible"/>
+                                      </p:to>
+                                    </p:set>
+                                  </p:childTnLst>
+                                </p:cTn>
+                              </p:par>
+                            </p:childTnLst>
+                          </p:cTn>
+                        </p:par>
+                      </p:childTnLst>
+                    </p:cTn>
+                  </p:par>
+                </p:childTnLst>
+              </p:cTn>
+              <p:prevCondLst>
+                <p:cond evt="onPrev" delay="0">
+                  <p:tgtEl>
+                    <p:sldTgt/>
+                  </p:tgtEl>
+                </p:cond>
+              </p:prevCondLst>
+              <p:nextCondLst>
+                <p:cond evt="onNext" delay="0">
+                  <p:tgtEl>
+                    <p:sldTgt/>
+                  </p:tgtEl>
+                </p:cond>
+              </p:nextCondLst>
+            </p:seq>
+          </p:childTnLst>
+        </p:cTn>
+      </p:par>
+    </p:tnLst>
+    <p:bldLst>
+      <p:bldP spid="11" grpId="0"/>
+    </p:bldLst>
+  </p:timing>
+</p:sld>
+</file>
+
+<file path=ppt/slides/slide12.xml><?xml version="1.0" encoding="utf-8"?>
+<p:sld xmlns:a="http://schemas.openxmlformats.org/drawingml/2006/main" xmlns:r="http://schemas.openxmlformats.org/officeDocument/2006/relationships" xmlns:p="http://schemas.openxmlformats.org/presentationml/2006/main">
+  <p:cSld>
+    <p:spTree>
+      <p:nvGrpSpPr>
+        <p:cNvPr id="1" name=""/>
+        <p:cNvGrpSpPr/>
+        <p:nvPr/>
+      </p:nvGrpSpPr>
+      <p:grpSpPr>
+        <a:xfrm>
+          <a:off x="0" y="0"/>
+          <a:ext cx="0" cy="0"/>
+          <a:chOff x="0" y="0"/>
+          <a:chExt cx="0" cy="0"/>
+        </a:xfrm>
+      </p:grpSpPr>
+      <p:cxnSp>
+        <p:nvCxnSpPr>
+          <p:cNvPr id="4" name="Straight Connector 3">
+            <a:extLst>
+              <a:ext uri="{FF2B5EF4-FFF2-40B4-BE49-F238E27FC236}">
+                <a16:creationId xmlns:a16="http://schemas.microsoft.com/office/drawing/2014/main" id="{3C7F1CCD-8D6D-F2D5-A0BF-975718B08EF2}"/>
+              </a:ext>
+            </a:extLst>
+          </p:cNvPr>
+          <p:cNvCxnSpPr/>
+          <p:nvPr/>
+        </p:nvCxnSpPr>
+        <p:spPr>
+          <a:xfrm>
+            <a:off x="4345781" y="1543050"/>
+            <a:ext cx="3500437" cy="0"/>
+          </a:xfrm>
+          <a:prstGeom prst="line">
+            <a:avLst/>
+          </a:prstGeom>
+          <a:ln w="57150">
+            <a:solidFill>
+              <a:schemeClr val="accent2">
+                <a:lumMod val="60000"/>
+                <a:lumOff val="40000"/>
+              </a:schemeClr>
+            </a:solidFill>
+          </a:ln>
+        </p:spPr>
+        <p:style>
+          <a:lnRef idx="1">
+            <a:schemeClr val="accent1"/>
+          </a:lnRef>
+          <a:fillRef idx="0">
+            <a:schemeClr val="accent1"/>
+          </a:fillRef>
+          <a:effectRef idx="0">
+            <a:schemeClr val="accent1"/>
+          </a:effectRef>
+          <a:fontRef idx="minor">
+            <a:schemeClr val="tx1"/>
+          </a:fontRef>
+        </p:style>
+      </p:cxnSp>
+      <p:sp>
+        <p:nvSpPr>
+          <p:cNvPr id="3" name="Rectangle 2">
+            <a:extLst>
+              <a:ext uri="{FF2B5EF4-FFF2-40B4-BE49-F238E27FC236}">
+                <a16:creationId xmlns:a16="http://schemas.microsoft.com/office/drawing/2014/main" id="{0040DC22-ADFF-1A64-F29C-FE5134317423}"/>
+              </a:ext>
+            </a:extLst>
+          </p:cNvPr>
+          <p:cNvSpPr>
+            <a:spLocks noChangeArrowheads="1"/>
+          </p:cNvSpPr>
+          <p:nvPr/>
+        </p:nvSpPr>
+        <p:spPr bwMode="auto">
+          <a:xfrm>
+            <a:off x="3374578" y="2114548"/>
+            <a:ext cx="16501067" cy="45719"/>
+          </a:xfrm>
+          <a:prstGeom prst="rect">
+            <a:avLst/>
+          </a:prstGeom>
+          <a:noFill/>
+          <a:ln>
+            <a:noFill/>
+          </a:ln>
+          <a:effectLst/>
+          <a:extLst>
+            <a:ext uri="{909E8E84-426E-40DD-AFC4-6F175D3DCCD1}">
+              <a14:hiddenFill xmlns:a14="http://schemas.microsoft.com/office/drawing/2010/main">
+                <a:solidFill>
+                  <a:schemeClr val="accent1"/>
+                </a:solidFill>
+              </a14:hiddenFill>
+            </a:ext>
+            <a:ext uri="{91240B29-F687-4F45-9708-019B960494DF}">
+              <a14:hiddenLine xmlns:a14="http://schemas.microsoft.com/office/drawing/2010/main" w="9525">
+                <a:solidFill>
+                  <a:schemeClr val="tx1"/>
+                </a:solidFill>
+                <a:miter lim="800000"/>
+                <a:headEnd/>
+                <a:tailEnd/>
+              </a14:hiddenLine>
+            </a:ext>
+            <a:ext uri="{AF507438-7753-43E0-B8FC-AC1667EBCBE1}">
+              <a14:hiddenEffects xmlns:a14="http://schemas.microsoft.com/office/drawing/2010/main">
+                <a:effectLst>
+                  <a:outerShdw dist="35921" dir="2700000" algn="ctr" rotWithShape="0">
+                    <a:schemeClr val="bg2"/>
+                  </a:outerShdw>
+                </a:effectLst>
+              </a14:hiddenEffects>
+            </a:ext>
+          </a:extLst>
+        </p:spPr>
+        <p:txBody>
+          <a:bodyPr vert="horz" wrap="square" lIns="91440" tIns="45720" rIns="91440" bIns="45720" numCol="1" anchor="ctr" anchorCtr="0" compatLnSpc="1">
+            <a:prstTxWarp prst="textNoShape">
+              <a:avLst/>
+            </a:prstTxWarp>
+            <a:spAutoFit/>
+          </a:bodyPr>
+          <a:lstStyle/>
+          <a:p>
+            <a:endParaRPr lang="en-US"/>
+          </a:p>
+        </p:txBody>
+      </p:sp>
+      <p:sp>
+        <p:nvSpPr>
+          <p:cNvPr id="9" name="Title 1">
+            <a:extLst>
+              <a:ext uri="{FF2B5EF4-FFF2-40B4-BE49-F238E27FC236}">
+                <a16:creationId xmlns:a16="http://schemas.microsoft.com/office/drawing/2014/main" id="{8431047B-4F1F-7D79-5E9C-85D7B8782B4B}"/>
+              </a:ext>
+            </a:extLst>
+          </p:cNvPr>
+          <p:cNvSpPr txBox="1">
+            <a:spLocks/>
+          </p:cNvSpPr>
+          <p:nvPr/>
+        </p:nvSpPr>
+        <p:spPr>
+          <a:xfrm>
+            <a:off x="838200" y="365125"/>
+            <a:ext cx="10515600" cy="1788725"/>
+          </a:xfrm>
+          <a:prstGeom prst="rect">
+            <a:avLst/>
+          </a:prstGeom>
+        </p:spPr>
+        <p:txBody>
+          <a:bodyPr vert="horz" lIns="91440" tIns="45720" rIns="91440" bIns="45720" rtlCol="0" anchor="ctr">
+            <a:normAutofit/>
+          </a:bodyPr>
+          <a:lstStyle>
+            <a:lvl1pPr algn="l" defTabSz="914400" rtl="0" eaLnBrk="1" latinLnBrk="0" hangingPunct="1">
+              <a:lnSpc>
+                <a:spcPct val="90000"/>
+              </a:lnSpc>
+              <a:spcBef>
+                <a:spcPct val="0"/>
+              </a:spcBef>
+              <a:buNone/>
+              <a:defRPr sz="4400" kern="1200">
+                <a:solidFill>
+                  <a:schemeClr val="tx1"/>
+                </a:solidFill>
+                <a:latin typeface="+mj-lt"/>
+                <a:ea typeface="+mj-ea"/>
+                <a:cs typeface="+mj-cs"/>
+              </a:defRPr>
+            </a:lvl1pPr>
+          </a:lstStyle>
+          <a:p>
+            <a:pPr algn="ctr">
+              <a:lnSpc>
+                <a:spcPct val="150000"/>
+              </a:lnSpc>
+            </a:pPr>
+            <a:r>
+              <a:rPr lang="en-US" b="1" dirty="0"/>
+              <a:t>Model Comparison</a:t>
+            </a:r>
+            <a:br>
+              <a:rPr lang="en-US" b="1" dirty="0"/>
+            </a:br>
+            <a:r>
+              <a:rPr lang="en-US" sz="2400" b="1" dirty="0"/>
+              <a:t>Random Forest Model</a:t>
+            </a:r>
+          </a:p>
+        </p:txBody>
+      </p:sp>
+      <p:sp>
+        <p:nvSpPr>
+          <p:cNvPr id="11" name="TextBox 10">
+            <a:extLst>
+              <a:ext uri="{FF2B5EF4-FFF2-40B4-BE49-F238E27FC236}">
+                <a16:creationId xmlns:a16="http://schemas.microsoft.com/office/drawing/2014/main" id="{1C66FC4E-7EC3-8659-524D-C2240FC9EF9E}"/>
+              </a:ext>
+            </a:extLst>
+          </p:cNvPr>
+          <p:cNvSpPr txBox="1"/>
+          <p:nvPr/>
+        </p:nvSpPr>
+        <p:spPr>
+          <a:xfrm>
+            <a:off x="6095999" y="2369144"/>
+            <a:ext cx="4653285" cy="1200329"/>
+          </a:xfrm>
+          <a:prstGeom prst="rect">
+            <a:avLst/>
+          </a:prstGeom>
+          <a:noFill/>
+        </p:spPr>
+        <p:txBody>
+          <a:bodyPr wrap="square">
+            <a:spAutoFit/>
+          </a:bodyPr>
+          <a:lstStyle/>
+          <a:p>
+            <a:pPr marL="0" marR="0" fontAlgn="base" latinLnBrk="1">
+              <a:spcBef>
+                <a:spcPts val="0"/>
+              </a:spcBef>
+              <a:spcAft>
+                <a:spcPts val="0"/>
+              </a:spcAft>
+              <a:tabLst>
+                <a:tab pos="581660" algn="l"/>
+                <a:tab pos="1163320" algn="l"/>
+                <a:tab pos="1744980" algn="l"/>
+                <a:tab pos="2326640" algn="l"/>
+                <a:tab pos="2908300" algn="l"/>
+                <a:tab pos="3489960" algn="l"/>
+                <a:tab pos="4071620" algn="l"/>
+                <a:tab pos="4653280" algn="l"/>
+                <a:tab pos="5234940" algn="l"/>
+                <a:tab pos="5816600" algn="l"/>
+                <a:tab pos="6398260" algn="l"/>
+                <a:tab pos="6979920" algn="l"/>
+                <a:tab pos="7561580" algn="l"/>
+                <a:tab pos="8143240" algn="l"/>
+                <a:tab pos="8724900" algn="l"/>
+                <a:tab pos="9306560" algn="l"/>
+              </a:tabLst>
+            </a:pPr>
+            <a:r>
+              <a:rPr lang="en-US" sz="1800" dirty="0">
+                <a:effectLst/>
+                <a:latin typeface="Courier New" panose="02070309020205020404" pitchFamily="49" charset="0"/>
+                <a:ea typeface="Times New Roman" panose="02020603050405020304" pitchFamily="18" charset="0"/>
+              </a:rPr>
+              <a:t>Mean Absolute Error: 104.77</a:t>
+            </a:r>
+          </a:p>
+          <a:p>
+            <a:pPr marL="0" marR="0" fontAlgn="base" latinLnBrk="1">
+              <a:spcBef>
+                <a:spcPts val="0"/>
+              </a:spcBef>
+              <a:spcAft>
+                <a:spcPts val="0"/>
+              </a:spcAft>
+              <a:tabLst>
+                <a:tab pos="581660" algn="l"/>
+                <a:tab pos="1163320" algn="l"/>
+                <a:tab pos="1744980" algn="l"/>
+                <a:tab pos="2326640" algn="l"/>
+                <a:tab pos="2908300" algn="l"/>
+                <a:tab pos="3489960" algn="l"/>
+                <a:tab pos="4071620" algn="l"/>
+                <a:tab pos="4653280" algn="l"/>
+                <a:tab pos="5234940" algn="l"/>
+                <a:tab pos="5816600" algn="l"/>
+                <a:tab pos="6398260" algn="l"/>
+                <a:tab pos="6979920" algn="l"/>
+                <a:tab pos="7561580" algn="l"/>
+                <a:tab pos="8143240" algn="l"/>
+                <a:tab pos="8724900" algn="l"/>
+                <a:tab pos="9306560" algn="l"/>
+              </a:tabLst>
+            </a:pPr>
+            <a:r>
+              <a:rPr lang="en-US" sz="1800" dirty="0">
+                <a:effectLst/>
+                <a:latin typeface="Courier New" panose="02070309020205020404" pitchFamily="49" charset="0"/>
+                <a:ea typeface="Times New Roman" panose="02020603050405020304" pitchFamily="18" charset="0"/>
+              </a:rPr>
+              <a:t>Mean Squared Error: 68848.37</a:t>
+            </a:r>
+          </a:p>
+          <a:p>
+            <a:pPr marL="0" marR="0" fontAlgn="base" latinLnBrk="1">
+              <a:spcBef>
+                <a:spcPts val="0"/>
+              </a:spcBef>
+              <a:spcAft>
+                <a:spcPts val="0"/>
+              </a:spcAft>
+              <a:tabLst>
+                <a:tab pos="581660" algn="l"/>
+                <a:tab pos="1163320" algn="l"/>
+                <a:tab pos="1744980" algn="l"/>
+                <a:tab pos="2326640" algn="l"/>
+                <a:tab pos="2908300" algn="l"/>
+                <a:tab pos="3489960" algn="l"/>
+                <a:tab pos="4071620" algn="l"/>
+                <a:tab pos="4653280" algn="l"/>
+                <a:tab pos="5234940" algn="l"/>
+                <a:tab pos="5816600" algn="l"/>
+                <a:tab pos="6398260" algn="l"/>
+                <a:tab pos="6979920" algn="l"/>
+                <a:tab pos="7561580" algn="l"/>
+                <a:tab pos="8143240" algn="l"/>
+                <a:tab pos="8724900" algn="l"/>
+                <a:tab pos="9306560" algn="l"/>
+              </a:tabLst>
+            </a:pPr>
+            <a:r>
+              <a:rPr lang="en-US" sz="1800" dirty="0">
+                <a:effectLst/>
+                <a:latin typeface="Courier New" panose="02070309020205020404" pitchFamily="49" charset="0"/>
+                <a:ea typeface="Times New Roman" panose="02020603050405020304" pitchFamily="18" charset="0"/>
+              </a:rPr>
+              <a:t>R-squared (R2) Score: 0.94</a:t>
+            </a:r>
+          </a:p>
+          <a:p>
+            <a:pPr marL="0" marR="0" fontAlgn="base" latinLnBrk="1">
+              <a:spcBef>
+                <a:spcPts val="0"/>
+              </a:spcBef>
+              <a:spcAft>
+                <a:spcPts val="0"/>
+              </a:spcAft>
+              <a:tabLst>
+                <a:tab pos="581660" algn="l"/>
+                <a:tab pos="1163320" algn="l"/>
+                <a:tab pos="1744980" algn="l"/>
+                <a:tab pos="2326640" algn="l"/>
+                <a:tab pos="2908300" algn="l"/>
+                <a:tab pos="3489960" algn="l"/>
+                <a:tab pos="4071620" algn="l"/>
+                <a:tab pos="4653280" algn="l"/>
+                <a:tab pos="5234940" algn="l"/>
+                <a:tab pos="5816600" algn="l"/>
+                <a:tab pos="6398260" algn="l"/>
+                <a:tab pos="6979920" algn="l"/>
+                <a:tab pos="7561580" algn="l"/>
+                <a:tab pos="8143240" algn="l"/>
+                <a:tab pos="8724900" algn="l"/>
+                <a:tab pos="9306560" algn="l"/>
+              </a:tabLst>
+            </a:pPr>
+            <a:endParaRPr lang="en-US" sz="1800" dirty="0">
+              <a:effectLst/>
+              <a:latin typeface="Courier New" panose="02070309020205020404" pitchFamily="49" charset="0"/>
+              <a:ea typeface="Times New Roman" panose="02020603050405020304" pitchFamily="18" charset="0"/>
+            </a:endParaRPr>
+          </a:p>
+        </p:txBody>
+      </p:sp>
+      <p:pic>
+        <p:nvPicPr>
+          <p:cNvPr id="2" name="Picture 1" descr="A green line with dots&#10;&#10;Description automatically generated">
+            <a:extLst>
+              <a:ext uri="{FF2B5EF4-FFF2-40B4-BE49-F238E27FC236}">
+                <a16:creationId xmlns:a16="http://schemas.microsoft.com/office/drawing/2014/main" id="{A2AE8B7B-23C7-CDF0-7C92-2B722EAE6E01}"/>
+              </a:ext>
+            </a:extLst>
+          </p:cNvPr>
+          <p:cNvPicPr>
+            <a:picLocks noChangeAspect="1"/>
+          </p:cNvPicPr>
+          <p:nvPr/>
+        </p:nvPicPr>
+        <p:blipFill>
+          <a:blip r:embed="rId2">
+            <a:extLst>
+              <a:ext uri="{28A0092B-C50C-407E-A947-70E740481C1C}">
+                <a14:useLocalDpi xmlns:a14="http://schemas.microsoft.com/office/drawing/2010/main" val="0"/>
+              </a:ext>
+            </a:extLst>
+          </a:blip>
+          <a:srcRect/>
+          <a:stretch>
+            <a:fillRect/>
+          </a:stretch>
+        </p:blipFill>
+        <p:spPr bwMode="auto">
+          <a:xfrm>
+            <a:off x="989522" y="2160267"/>
+            <a:ext cx="4552633" cy="4446535"/>
+          </a:xfrm>
+          <a:prstGeom prst="rect">
+            <a:avLst/>
+          </a:prstGeom>
+          <a:solidFill>
+            <a:schemeClr val="tx1"/>
+          </a:solidFill>
+          <a:ln>
+            <a:noFill/>
+          </a:ln>
+        </p:spPr>
+      </p:pic>
+      <p:pic>
+        <p:nvPicPr>
+          <p:cNvPr id="6" name="Picture 5" descr="A white and blue rectangle with black border&#10;&#10;Description automatically generated">
+            <a:extLst>
+              <a:ext uri="{FF2B5EF4-FFF2-40B4-BE49-F238E27FC236}">
+                <a16:creationId xmlns:a16="http://schemas.microsoft.com/office/drawing/2014/main" id="{B68DDC76-6AF0-EB20-A781-F3F4CDB464F2}"/>
+              </a:ext>
+            </a:extLst>
+          </p:cNvPr>
+          <p:cNvPicPr>
+            <a:picLocks noChangeAspect="1"/>
+          </p:cNvPicPr>
+          <p:nvPr/>
+        </p:nvPicPr>
+        <p:blipFill>
+          <a:blip r:embed="rId3">
+            <a:extLst>
+              <a:ext uri="{28A0092B-C50C-407E-A947-70E740481C1C}">
+                <a14:useLocalDpi xmlns:a14="http://schemas.microsoft.com/office/drawing/2010/main" val="0"/>
+              </a:ext>
+            </a:extLst>
+          </a:blip>
+          <a:srcRect/>
+          <a:stretch>
+            <a:fillRect/>
+          </a:stretch>
+        </p:blipFill>
+        <p:spPr bwMode="auto">
+          <a:xfrm>
+            <a:off x="6185209" y="3569473"/>
+            <a:ext cx="4359770" cy="3037329"/>
+          </a:xfrm>
+          <a:prstGeom prst="rect">
+            <a:avLst/>
+          </a:prstGeom>
+          <a:solidFill>
+            <a:schemeClr val="tx1"/>
+          </a:solidFill>
+          <a:ln>
+            <a:noFill/>
+          </a:ln>
+        </p:spPr>
+      </p:pic>
+    </p:spTree>
+    <p:extLst>
+      <p:ext uri="{BB962C8B-B14F-4D97-AF65-F5344CB8AC3E}">
+        <p14:creationId xmlns:p14="http://schemas.microsoft.com/office/powerpoint/2010/main" val="3869168594"/>
+      </p:ext>
+    </p:extLst>
+  </p:cSld>
+  <p:clrMapOvr>
+    <a:masterClrMapping/>
+  </p:clrMapOvr>
+  <p:timing>
+    <p:tnLst>
+      <p:par>
+        <p:cTn id="1" dur="indefinite" restart="never" nodeType="tmRoot">
+          <p:childTnLst>
+            <p:seq concurrent="1" nextAc="seek">
+              <p:cTn id="2" dur="indefinite" nodeType="mainSeq">
+                <p:childTnLst>
+                  <p:par>
+                    <p:cTn id="3" fill="hold">
+                      <p:stCondLst>
+                        <p:cond delay="indefinite"/>
+                      </p:stCondLst>
+                      <p:childTnLst>
+                        <p:par>
+                          <p:cTn id="4" fill="hold">
+                            <p:stCondLst>
+                              <p:cond delay="0"/>
+                            </p:stCondLst>
+                            <p:childTnLst>
+                              <p:par>
+                                <p:cTn id="5" presetID="1" presetClass="entr" presetSubtype="0" fill="hold" nodeType="clickEffect">
+                                  <p:stCondLst>
+                                    <p:cond delay="0"/>
+                                  </p:stCondLst>
+                                  <p:childTnLst>
+                                    <p:set>
+                                      <p:cBhvr>
+                                        <p:cTn id="6" dur="1" fill="hold">
+                                          <p:stCondLst>
+                                            <p:cond delay="0"/>
+                                          </p:stCondLst>
+                                        </p:cTn>
+                                        <p:tgtEl>
+                                          <p:spTgt spid="2"/>
+                                        </p:tgtEl>
+                                        <p:attrNameLst>
+                                          <p:attrName>style.visibility</p:attrName>
+                                        </p:attrNameLst>
+                                      </p:cBhvr>
+                                      <p:to>
+                                        <p:strVal val="visible"/>
+                                      </p:to>
+                                    </p:set>
+                                  </p:childTnLst>
+                                </p:cTn>
+                              </p:par>
+                            </p:childTnLst>
+                          </p:cTn>
+                        </p:par>
+                      </p:childTnLst>
+                    </p:cTn>
+                  </p:par>
+                  <p:par>
+                    <p:cTn id="7" fill="hold">
+                      <p:stCondLst>
+                        <p:cond delay="indefinite"/>
+                      </p:stCondLst>
+                      <p:childTnLst>
+                        <p:par>
+                          <p:cTn id="8" fill="hold">
+                            <p:stCondLst>
+                              <p:cond delay="0"/>
+                            </p:stCondLst>
+                            <p:childTnLst>
+                              <p:par>
+                                <p:cTn id="9" presetID="1" presetClass="entr" presetSubtype="0" fill="hold" nodeType="clickEffect">
+                                  <p:stCondLst>
+                                    <p:cond delay="0"/>
+                                  </p:stCondLst>
+                                  <p:childTnLst>
+                                    <p:set>
+                                      <p:cBhvr>
+                                        <p:cTn id="10" dur="1" fill="hold">
+                                          <p:stCondLst>
+                                            <p:cond delay="0"/>
+                                          </p:stCondLst>
+                                        </p:cTn>
+                                        <p:tgtEl>
+                                          <p:spTgt spid="6"/>
+                                        </p:tgtEl>
+                                        <p:attrNameLst>
+                                          <p:attrName>style.visibility</p:attrName>
+                                        </p:attrNameLst>
+                                      </p:cBhvr>
+                                      <p:to>
+                                        <p:strVal val="visible"/>
+                                      </p:to>
+                                    </p:set>
+                                  </p:childTnLst>
+                                </p:cTn>
+                              </p:par>
+                            </p:childTnLst>
+                          </p:cTn>
+                        </p:par>
+                      </p:childTnLst>
+                    </p:cTn>
+                  </p:par>
+                  <p:par>
+                    <p:cTn id="11" fill="hold">
+                      <p:stCondLst>
+                        <p:cond delay="indefinite"/>
+                      </p:stCondLst>
+                      <p:childTnLst>
+                        <p:par>
+                          <p:cTn id="12" fill="hold">
+                            <p:stCondLst>
+                              <p:cond delay="0"/>
+                            </p:stCondLst>
+                            <p:childTnLst>
+                              <p:par>
+                                <p:cTn id="13" presetID="1" presetClass="entr" presetSubtype="0" fill="hold" grpId="0" nodeType="clickEffect">
+                                  <p:stCondLst>
+                                    <p:cond delay="0"/>
+                                  </p:stCondLst>
+                                  <p:childTnLst>
+                                    <p:set>
+                                      <p:cBhvr>
+                                        <p:cTn id="14" dur="1" fill="hold">
+                                          <p:stCondLst>
+                                            <p:cond delay="0"/>
+                                          </p:stCondLst>
+                                        </p:cTn>
+                                        <p:tgtEl>
+                                          <p:spTgt spid="11"/>
+                                        </p:tgtEl>
+                                        <p:attrNameLst>
+                                          <p:attrName>style.visibility</p:attrName>
+                                        </p:attrNameLst>
+                                      </p:cBhvr>
+                                      <p:to>
+                                        <p:strVal val="visible"/>
+                                      </p:to>
+                                    </p:set>
+                                  </p:childTnLst>
+                                </p:cTn>
+                              </p:par>
+                            </p:childTnLst>
+                          </p:cTn>
+                        </p:par>
+                      </p:childTnLst>
+                    </p:cTn>
+                  </p:par>
+                </p:childTnLst>
+              </p:cTn>
+              <p:prevCondLst>
+                <p:cond evt="onPrev" delay="0">
+                  <p:tgtEl>
+                    <p:sldTgt/>
+                  </p:tgtEl>
+                </p:cond>
+              </p:prevCondLst>
+              <p:nextCondLst>
+                <p:cond evt="onNext" delay="0">
+                  <p:tgtEl>
+                    <p:sldTgt/>
+                  </p:tgtEl>
+                </p:cond>
+              </p:nextCondLst>
+            </p:seq>
+          </p:childTnLst>
+        </p:cTn>
+      </p:par>
+    </p:tnLst>
+    <p:bldLst>
+      <p:bldP spid="11" grpId="0"/>
+    </p:bldLst>
+  </p:timing>
+</p:sld>
+</file>
+
+<file path=ppt/slides/slide13.xml><?xml version="1.0" encoding="utf-8"?>
+<p:sld xmlns:a="http://schemas.openxmlformats.org/drawingml/2006/main" xmlns:r="http://schemas.openxmlformats.org/officeDocument/2006/relationships" xmlns:p="http://schemas.openxmlformats.org/presentationml/2006/main">
+  <p:cSld>
+    <p:spTree>
+      <p:nvGrpSpPr>
+        <p:cNvPr id="1" name=""/>
+        <p:cNvGrpSpPr/>
+        <p:nvPr/>
+      </p:nvGrpSpPr>
+      <p:grpSpPr>
+        <a:xfrm>
+          <a:off x="0" y="0"/>
+          <a:ext cx="0" cy="0"/>
+          <a:chOff x="0" y="0"/>
+          <a:chExt cx="0" cy="0"/>
+        </a:xfrm>
+      </p:grpSpPr>
+      <p:cxnSp>
+        <p:nvCxnSpPr>
+          <p:cNvPr id="4" name="Straight Connector 3">
+            <a:extLst>
+              <a:ext uri="{FF2B5EF4-FFF2-40B4-BE49-F238E27FC236}">
+                <a16:creationId xmlns:a16="http://schemas.microsoft.com/office/drawing/2014/main" id="{3C7F1CCD-8D6D-F2D5-A0BF-975718B08EF2}"/>
+              </a:ext>
+            </a:extLst>
+          </p:cNvPr>
+          <p:cNvCxnSpPr/>
+          <p:nvPr/>
+        </p:nvCxnSpPr>
+        <p:spPr>
+          <a:xfrm>
+            <a:off x="4345781" y="1543050"/>
+            <a:ext cx="3500437" cy="0"/>
+          </a:xfrm>
+          <a:prstGeom prst="line">
+            <a:avLst/>
+          </a:prstGeom>
+          <a:ln w="57150">
+            <a:solidFill>
+              <a:schemeClr val="accent2">
+                <a:lumMod val="60000"/>
+                <a:lumOff val="40000"/>
+              </a:schemeClr>
+            </a:solidFill>
+          </a:ln>
+        </p:spPr>
+        <p:style>
+          <a:lnRef idx="1">
+            <a:schemeClr val="accent1"/>
+          </a:lnRef>
+          <a:fillRef idx="0">
+            <a:schemeClr val="accent1"/>
+          </a:fillRef>
+          <a:effectRef idx="0">
+            <a:schemeClr val="accent1"/>
+          </a:effectRef>
+          <a:fontRef idx="minor">
+            <a:schemeClr val="tx1"/>
+          </a:fontRef>
+        </p:style>
+      </p:cxnSp>
+      <p:sp>
+        <p:nvSpPr>
+          <p:cNvPr id="3" name="Rectangle 2">
+            <a:extLst>
+              <a:ext uri="{FF2B5EF4-FFF2-40B4-BE49-F238E27FC236}">
+                <a16:creationId xmlns:a16="http://schemas.microsoft.com/office/drawing/2014/main" id="{0040DC22-ADFF-1A64-F29C-FE5134317423}"/>
+              </a:ext>
+            </a:extLst>
+          </p:cNvPr>
+          <p:cNvSpPr>
+            <a:spLocks noChangeArrowheads="1"/>
+          </p:cNvSpPr>
+          <p:nvPr/>
+        </p:nvSpPr>
+        <p:spPr bwMode="auto">
+          <a:xfrm>
+            <a:off x="3374578" y="2114548"/>
+            <a:ext cx="16501067" cy="45719"/>
+          </a:xfrm>
+          <a:prstGeom prst="rect">
+            <a:avLst/>
+          </a:prstGeom>
+          <a:noFill/>
+          <a:ln>
+            <a:noFill/>
+          </a:ln>
+          <a:effectLst/>
+          <a:extLst>
+            <a:ext uri="{909E8E84-426E-40DD-AFC4-6F175D3DCCD1}">
+              <a14:hiddenFill xmlns:a14="http://schemas.microsoft.com/office/drawing/2010/main">
+                <a:solidFill>
+                  <a:schemeClr val="accent1"/>
+                </a:solidFill>
+              </a14:hiddenFill>
+            </a:ext>
+            <a:ext uri="{91240B29-F687-4F45-9708-019B960494DF}">
+              <a14:hiddenLine xmlns:a14="http://schemas.microsoft.com/office/drawing/2010/main" w="9525">
+                <a:solidFill>
+                  <a:schemeClr val="tx1"/>
+                </a:solidFill>
+                <a:miter lim="800000"/>
+                <a:headEnd/>
+                <a:tailEnd/>
+              </a14:hiddenLine>
+            </a:ext>
+            <a:ext uri="{AF507438-7753-43E0-B8FC-AC1667EBCBE1}">
+              <a14:hiddenEffects xmlns:a14="http://schemas.microsoft.com/office/drawing/2010/main">
+                <a:effectLst>
+                  <a:outerShdw dist="35921" dir="2700000" algn="ctr" rotWithShape="0">
+                    <a:schemeClr val="bg2"/>
+                  </a:outerShdw>
+                </a:effectLst>
+              </a14:hiddenEffects>
+            </a:ext>
+          </a:extLst>
+        </p:spPr>
+        <p:txBody>
+          <a:bodyPr vert="horz" wrap="square" lIns="91440" tIns="45720" rIns="91440" bIns="45720" numCol="1" anchor="ctr" anchorCtr="0" compatLnSpc="1">
+            <a:prstTxWarp prst="textNoShape">
+              <a:avLst/>
+            </a:prstTxWarp>
+            <a:spAutoFit/>
+          </a:bodyPr>
+          <a:lstStyle/>
+          <a:p>
+            <a:endParaRPr lang="en-US"/>
+          </a:p>
+        </p:txBody>
+      </p:sp>
+      <p:sp>
+        <p:nvSpPr>
+          <p:cNvPr id="9" name="Title 1">
+            <a:extLst>
+              <a:ext uri="{FF2B5EF4-FFF2-40B4-BE49-F238E27FC236}">
+                <a16:creationId xmlns:a16="http://schemas.microsoft.com/office/drawing/2014/main" id="{8431047B-4F1F-7D79-5E9C-85D7B8782B4B}"/>
+              </a:ext>
+            </a:extLst>
+          </p:cNvPr>
+          <p:cNvSpPr txBox="1">
+            <a:spLocks/>
+          </p:cNvSpPr>
+          <p:nvPr/>
+        </p:nvSpPr>
+        <p:spPr>
+          <a:xfrm>
+            <a:off x="838200" y="365125"/>
+            <a:ext cx="10515600" cy="1788725"/>
+          </a:xfrm>
+          <a:prstGeom prst="rect">
+            <a:avLst/>
+          </a:prstGeom>
+        </p:spPr>
+        <p:txBody>
+          <a:bodyPr vert="horz" lIns="91440" tIns="45720" rIns="91440" bIns="45720" rtlCol="0" anchor="ctr">
+            <a:normAutofit/>
+          </a:bodyPr>
+          <a:lstStyle>
+            <a:lvl1pPr algn="l" defTabSz="914400" rtl="0" eaLnBrk="1" latinLnBrk="0" hangingPunct="1">
+              <a:lnSpc>
+                <a:spcPct val="90000"/>
+              </a:lnSpc>
+              <a:spcBef>
+                <a:spcPct val="0"/>
+              </a:spcBef>
+              <a:buNone/>
+              <a:defRPr sz="4400" kern="1200">
+                <a:solidFill>
+                  <a:schemeClr val="tx1"/>
+                </a:solidFill>
+                <a:latin typeface="+mj-lt"/>
+                <a:ea typeface="+mj-ea"/>
+                <a:cs typeface="+mj-cs"/>
+              </a:defRPr>
+            </a:lvl1pPr>
+          </a:lstStyle>
+          <a:p>
+            <a:pPr algn="ctr">
+              <a:lnSpc>
+                <a:spcPct val="150000"/>
+              </a:lnSpc>
+            </a:pPr>
+            <a:r>
+              <a:rPr lang="en-US" b="1" dirty="0"/>
+              <a:t>Model Comparison</a:t>
+            </a:r>
+            <a:br>
+              <a:rPr lang="en-US" b="1" dirty="0"/>
+            </a:br>
+            <a:r>
+              <a:rPr lang="en-US" sz="2400" b="1" dirty="0"/>
+              <a:t>Random Forest Model</a:t>
+            </a:r>
+          </a:p>
+        </p:txBody>
+      </p:sp>
+      <p:sp>
+        <p:nvSpPr>
+          <p:cNvPr id="11" name="TextBox 10">
+            <a:extLst>
+              <a:ext uri="{FF2B5EF4-FFF2-40B4-BE49-F238E27FC236}">
+                <a16:creationId xmlns:a16="http://schemas.microsoft.com/office/drawing/2014/main" id="{1C66FC4E-7EC3-8659-524D-C2240FC9EF9E}"/>
+              </a:ext>
+            </a:extLst>
+          </p:cNvPr>
+          <p:cNvSpPr txBox="1"/>
+          <p:nvPr/>
+        </p:nvSpPr>
+        <p:spPr>
+          <a:xfrm>
+            <a:off x="7846218" y="2369144"/>
+            <a:ext cx="4653285" cy="923330"/>
+          </a:xfrm>
+          <a:prstGeom prst="rect">
+            <a:avLst/>
+          </a:prstGeom>
+          <a:noFill/>
+        </p:spPr>
+        <p:txBody>
+          <a:bodyPr wrap="square">
+            <a:spAutoFit/>
+          </a:bodyPr>
+          <a:lstStyle/>
+          <a:p>
+            <a:pPr marL="0" marR="0" fontAlgn="base" latinLnBrk="1">
+              <a:spcBef>
+                <a:spcPts val="0"/>
+              </a:spcBef>
+              <a:spcAft>
+                <a:spcPts val="0"/>
+              </a:spcAft>
+              <a:tabLst>
+                <a:tab pos="581660" algn="l"/>
+                <a:tab pos="1163320" algn="l"/>
+                <a:tab pos="1744980" algn="l"/>
+                <a:tab pos="2326640" algn="l"/>
+                <a:tab pos="2908300" algn="l"/>
+                <a:tab pos="3489960" algn="l"/>
+                <a:tab pos="4071620" algn="l"/>
+                <a:tab pos="4653280" algn="l"/>
+                <a:tab pos="5234940" algn="l"/>
+                <a:tab pos="5816600" algn="l"/>
+                <a:tab pos="6398260" algn="l"/>
+                <a:tab pos="6979920" algn="l"/>
+                <a:tab pos="7561580" algn="l"/>
+                <a:tab pos="8143240" algn="l"/>
+                <a:tab pos="8724900" algn="l"/>
+                <a:tab pos="9306560" algn="l"/>
+              </a:tabLst>
+            </a:pPr>
+            <a:r>
+              <a:rPr lang="en-US" sz="1800" dirty="0">
+                <a:effectLst/>
+                <a:latin typeface="Courier New" panose="02070309020205020404" pitchFamily="49" charset="0"/>
+                <a:ea typeface="Times New Roman" panose="02020603050405020304" pitchFamily="18" charset="0"/>
+              </a:rPr>
+              <a:t>Mean Absolute Error: </a:t>
+            </a:r>
+            <a:r>
+              <a:rPr lang="en-US" dirty="0">
+                <a:latin typeface="Courier New" panose="02070309020205020404" pitchFamily="49" charset="0"/>
+                <a:ea typeface="Times New Roman" panose="02020603050405020304" pitchFamily="18" charset="0"/>
+              </a:rPr>
+              <a:t>172.22</a:t>
+            </a:r>
+            <a:endParaRPr lang="en-US" sz="1800" dirty="0">
+              <a:effectLst/>
+              <a:latin typeface="Courier New" panose="02070309020205020404" pitchFamily="49" charset="0"/>
+              <a:ea typeface="Times New Roman" panose="02020603050405020304" pitchFamily="18" charset="0"/>
+            </a:endParaRPr>
+          </a:p>
+          <a:p>
+            <a:pPr marL="0" marR="0" fontAlgn="base" latinLnBrk="1">
+              <a:spcBef>
+                <a:spcPts val="0"/>
+              </a:spcBef>
+              <a:spcAft>
+                <a:spcPts val="0"/>
+              </a:spcAft>
+              <a:tabLst>
+                <a:tab pos="581660" algn="l"/>
+                <a:tab pos="1163320" algn="l"/>
+                <a:tab pos="1744980" algn="l"/>
+                <a:tab pos="2326640" algn="l"/>
+                <a:tab pos="2908300" algn="l"/>
+                <a:tab pos="3489960" algn="l"/>
+                <a:tab pos="4071620" algn="l"/>
+                <a:tab pos="4653280" algn="l"/>
+                <a:tab pos="5234940" algn="l"/>
+                <a:tab pos="5816600" algn="l"/>
+                <a:tab pos="6398260" algn="l"/>
+                <a:tab pos="6979920" algn="l"/>
+                <a:tab pos="7561580" algn="l"/>
+                <a:tab pos="8143240" algn="l"/>
+                <a:tab pos="8724900" algn="l"/>
+                <a:tab pos="9306560" algn="l"/>
+              </a:tabLst>
+            </a:pPr>
+            <a:r>
+              <a:rPr lang="en-US" sz="1800" dirty="0">
+                <a:effectLst/>
+                <a:latin typeface="Courier New" panose="02070309020205020404" pitchFamily="49" charset="0"/>
+                <a:ea typeface="Times New Roman" panose="02020603050405020304" pitchFamily="18" charset="0"/>
+              </a:rPr>
+              <a:t>Mean Squared Error: </a:t>
+            </a:r>
+            <a:r>
+              <a:rPr lang="en-US" dirty="0">
+                <a:latin typeface="Courier New" panose="02070309020205020404" pitchFamily="49" charset="0"/>
+                <a:ea typeface="Times New Roman" panose="02020603050405020304" pitchFamily="18" charset="0"/>
+              </a:rPr>
+              <a:t>167313.45</a:t>
+            </a:r>
+            <a:endParaRPr lang="en-US" sz="1800" dirty="0">
+              <a:effectLst/>
+              <a:latin typeface="Courier New" panose="02070309020205020404" pitchFamily="49" charset="0"/>
+              <a:ea typeface="Times New Roman" panose="02020603050405020304" pitchFamily="18" charset="0"/>
+            </a:endParaRPr>
+          </a:p>
+          <a:p>
+            <a:pPr marL="0" marR="0" fontAlgn="base" latinLnBrk="1">
+              <a:spcBef>
+                <a:spcPts val="0"/>
+              </a:spcBef>
+              <a:spcAft>
+                <a:spcPts val="0"/>
+              </a:spcAft>
+              <a:tabLst>
+                <a:tab pos="581660" algn="l"/>
+                <a:tab pos="1163320" algn="l"/>
+                <a:tab pos="1744980" algn="l"/>
+                <a:tab pos="2326640" algn="l"/>
+                <a:tab pos="2908300" algn="l"/>
+                <a:tab pos="3489960" algn="l"/>
+                <a:tab pos="4071620" algn="l"/>
+                <a:tab pos="4653280" algn="l"/>
+                <a:tab pos="5234940" algn="l"/>
+                <a:tab pos="5816600" algn="l"/>
+                <a:tab pos="6398260" algn="l"/>
+                <a:tab pos="6979920" algn="l"/>
+                <a:tab pos="7561580" algn="l"/>
+                <a:tab pos="8143240" algn="l"/>
+                <a:tab pos="8724900" algn="l"/>
+                <a:tab pos="9306560" algn="l"/>
+              </a:tabLst>
+            </a:pPr>
+            <a:r>
+              <a:rPr lang="en-US" sz="1800" dirty="0">
+                <a:effectLst/>
+                <a:latin typeface="Courier New" panose="02070309020205020404" pitchFamily="49" charset="0"/>
+                <a:ea typeface="Times New Roman" panose="02020603050405020304" pitchFamily="18" charset="0"/>
+              </a:rPr>
+              <a:t>R-squared (R2) Score: 0.94</a:t>
+            </a:r>
+          </a:p>
+        </p:txBody>
+      </p:sp>
+      <p:pic>
+        <p:nvPicPr>
+          <p:cNvPr id="6" name="Picture 5" descr="A graph of a graph&#10;&#10;Description automatically generated with medium confidence">
+            <a:extLst>
+              <a:ext uri="{FF2B5EF4-FFF2-40B4-BE49-F238E27FC236}">
+                <a16:creationId xmlns:a16="http://schemas.microsoft.com/office/drawing/2014/main" id="{CBD6397D-3C0A-076A-C365-6A9D387EF00D}"/>
+              </a:ext>
+            </a:extLst>
+          </p:cNvPr>
+          <p:cNvPicPr>
+            <a:picLocks noChangeAspect="1"/>
+          </p:cNvPicPr>
+          <p:nvPr/>
+        </p:nvPicPr>
+        <p:blipFill>
+          <a:blip r:embed="rId2"/>
+          <a:stretch>
+            <a:fillRect/>
+          </a:stretch>
+        </p:blipFill>
+        <p:spPr>
+          <a:xfrm>
+            <a:off x="555127" y="2369144"/>
+            <a:ext cx="7101036" cy="3930820"/>
+          </a:xfrm>
+          <a:prstGeom prst="rect">
+            <a:avLst/>
+          </a:prstGeom>
+          <a:solidFill>
+            <a:schemeClr val="tx1"/>
+          </a:solidFill>
+        </p:spPr>
+      </p:pic>
+    </p:spTree>
+    <p:extLst>
+      <p:ext uri="{BB962C8B-B14F-4D97-AF65-F5344CB8AC3E}">
+        <p14:creationId xmlns:p14="http://schemas.microsoft.com/office/powerpoint/2010/main" val="3558237000"/>
+      </p:ext>
+    </p:extLst>
+  </p:cSld>
+  <p:clrMapOvr>
+    <a:masterClrMapping/>
+  </p:clrMapOvr>
+  <p:timing>
+    <p:tnLst>
+      <p:par>
+        <p:cTn id="1" dur="indefinite" restart="never" nodeType="tmRoot">
+          <p:childTnLst>
+            <p:seq concurrent="1" nextAc="seek">
+              <p:cTn id="2" dur="indefinite" nodeType="mainSeq">
+                <p:childTnLst>
+                  <p:par>
+                    <p:cTn id="3" fill="hold">
+                      <p:stCondLst>
+                        <p:cond delay="indefinite"/>
+                      </p:stCondLst>
+                      <p:childTnLst>
+                        <p:par>
+                          <p:cTn id="4" fill="hold">
+                            <p:stCondLst>
+                              <p:cond delay="0"/>
+                            </p:stCondLst>
+                            <p:childTnLst>
+                              <p:par>
+                                <p:cTn id="5" presetID="1" presetClass="entr" presetSubtype="0" fill="hold" nodeType="clickEffect">
+                                  <p:stCondLst>
+                                    <p:cond delay="0"/>
+                                  </p:stCondLst>
+                                  <p:childTnLst>
+                                    <p:set>
+                                      <p:cBhvr>
+                                        <p:cTn id="6" dur="1" fill="hold">
+                                          <p:stCondLst>
+                                            <p:cond delay="0"/>
+                                          </p:stCondLst>
+                                        </p:cTn>
+                                        <p:tgtEl>
+                                          <p:spTgt spid="6"/>
+                                        </p:tgtEl>
+                                        <p:attrNameLst>
+                                          <p:attrName>style.visibility</p:attrName>
+                                        </p:attrNameLst>
+                                      </p:cBhvr>
+                                      <p:to>
+                                        <p:strVal val="visible"/>
+                                      </p:to>
+                                    </p:set>
+                                  </p:childTnLst>
+                                </p:cTn>
+                              </p:par>
+                            </p:childTnLst>
+                          </p:cTn>
+                        </p:par>
+                      </p:childTnLst>
+                    </p:cTn>
+                  </p:par>
+                  <p:par>
+                    <p:cTn id="7" fill="hold">
+                      <p:stCondLst>
+                        <p:cond delay="indefinite"/>
+                      </p:stCondLst>
+                      <p:childTnLst>
+                        <p:par>
+                          <p:cTn id="8" fill="hold">
+                            <p:stCondLst>
+                              <p:cond delay="0"/>
+                            </p:stCondLst>
+                            <p:childTnLst>
+                              <p:par>
+                                <p:cTn id="9" presetID="1" presetClass="entr" presetSubtype="0" fill="hold" grpId="0" nodeType="clickEffect">
+                                  <p:stCondLst>
+                                    <p:cond delay="0"/>
+                                  </p:stCondLst>
+                                  <p:childTnLst>
+                                    <p:set>
+                                      <p:cBhvr>
+                                        <p:cTn id="10" dur="1" fill="hold">
+                                          <p:stCondLst>
+                                            <p:cond delay="0"/>
+                                          </p:stCondLst>
+                                        </p:cTn>
+                                        <p:tgtEl>
+                                          <p:spTgt spid="11"/>
+                                        </p:tgtEl>
+                                        <p:attrNameLst>
+                                          <p:attrName>style.visibility</p:attrName>
+                                        </p:attrNameLst>
+                                      </p:cBhvr>
+                                      <p:to>
+                                        <p:strVal val="visible"/>
+                                      </p:to>
+                                    </p:set>
+                                  </p:childTnLst>
+                                </p:cTn>
+                              </p:par>
+                            </p:childTnLst>
+                          </p:cTn>
+                        </p:par>
+                      </p:childTnLst>
+                    </p:cTn>
+                  </p:par>
+                </p:childTnLst>
+              </p:cTn>
+              <p:prevCondLst>
+                <p:cond evt="onPrev" delay="0">
+                  <p:tgtEl>
+                    <p:sldTgt/>
+                  </p:tgtEl>
+                </p:cond>
+              </p:prevCondLst>
+              <p:nextCondLst>
+                <p:cond evt="onNext" delay="0">
+                  <p:tgtEl>
+                    <p:sldTgt/>
+                  </p:tgtEl>
+                </p:cond>
+              </p:nextCondLst>
+            </p:seq>
+          </p:childTnLst>
+        </p:cTn>
+      </p:par>
+    </p:tnLst>
+    <p:bldLst>
+      <p:bldP spid="11" grpId="0"/>
+    </p:bldLst>
+  </p:timing>
+</p:sld>
+</file>
+
+<file path=ppt/slides/slide14.xml><?xml version="1.0" encoding="utf-8"?>
+<p:sld xmlns:a="http://schemas.openxmlformats.org/drawingml/2006/main" xmlns:r="http://schemas.openxmlformats.org/officeDocument/2006/relationships" xmlns:p="http://schemas.openxmlformats.org/presentationml/2006/main">
+  <p:cSld>
+    <p:spTree>
+      <p:nvGrpSpPr>
+        <p:cNvPr id="1" name=""/>
+        <p:cNvGrpSpPr/>
+        <p:nvPr/>
+      </p:nvGrpSpPr>
+      <p:grpSpPr>
+        <a:xfrm>
+          <a:off x="0" y="0"/>
+          <a:ext cx="0" cy="0"/>
+          <a:chOff x="0" y="0"/>
+          <a:chExt cx="0" cy="0"/>
+        </a:xfrm>
+      </p:grpSpPr>
+      <p:cxnSp>
+        <p:nvCxnSpPr>
+          <p:cNvPr id="4" name="Straight Connector 3">
+            <a:extLst>
+              <a:ext uri="{FF2B5EF4-FFF2-40B4-BE49-F238E27FC236}">
+                <a16:creationId xmlns:a16="http://schemas.microsoft.com/office/drawing/2014/main" id="{3C7F1CCD-8D6D-F2D5-A0BF-975718B08EF2}"/>
+              </a:ext>
+            </a:extLst>
+          </p:cNvPr>
+          <p:cNvCxnSpPr/>
+          <p:nvPr/>
+        </p:nvCxnSpPr>
+        <p:spPr>
+          <a:xfrm>
+            <a:off x="4345781" y="1543050"/>
+            <a:ext cx="3500437" cy="0"/>
+          </a:xfrm>
+          <a:prstGeom prst="line">
+            <a:avLst/>
+          </a:prstGeom>
+          <a:ln w="57150">
+            <a:solidFill>
+              <a:schemeClr val="accent2">
+                <a:lumMod val="60000"/>
+                <a:lumOff val="40000"/>
+              </a:schemeClr>
+            </a:solidFill>
+          </a:ln>
+        </p:spPr>
+        <p:style>
+          <a:lnRef idx="1">
+            <a:schemeClr val="accent1"/>
+          </a:lnRef>
+          <a:fillRef idx="0">
+            <a:schemeClr val="accent1"/>
+          </a:fillRef>
+          <a:effectRef idx="0">
+            <a:schemeClr val="accent1"/>
+          </a:effectRef>
+          <a:fontRef idx="minor">
+            <a:schemeClr val="tx1"/>
+          </a:fontRef>
+        </p:style>
+      </p:cxnSp>
+      <p:sp>
+        <p:nvSpPr>
+          <p:cNvPr id="3" name="Rectangle 2">
+            <a:extLst>
+              <a:ext uri="{FF2B5EF4-FFF2-40B4-BE49-F238E27FC236}">
+                <a16:creationId xmlns:a16="http://schemas.microsoft.com/office/drawing/2014/main" id="{0040DC22-ADFF-1A64-F29C-FE5134317423}"/>
+              </a:ext>
+            </a:extLst>
+          </p:cNvPr>
+          <p:cNvSpPr>
+            <a:spLocks noChangeArrowheads="1"/>
+          </p:cNvSpPr>
+          <p:nvPr/>
+        </p:nvSpPr>
+        <p:spPr bwMode="auto">
+          <a:xfrm>
+            <a:off x="3374578" y="2114548"/>
+            <a:ext cx="16501067" cy="45719"/>
+          </a:xfrm>
+          <a:prstGeom prst="rect">
+            <a:avLst/>
+          </a:prstGeom>
+          <a:noFill/>
+          <a:ln>
+            <a:noFill/>
+          </a:ln>
+          <a:effectLst/>
+          <a:extLst>
+            <a:ext uri="{909E8E84-426E-40DD-AFC4-6F175D3DCCD1}">
+              <a14:hiddenFill xmlns:a14="http://schemas.microsoft.com/office/drawing/2010/main">
+                <a:solidFill>
+                  <a:schemeClr val="accent1"/>
+                </a:solidFill>
+              </a14:hiddenFill>
+            </a:ext>
+            <a:ext uri="{91240B29-F687-4F45-9708-019B960494DF}">
+              <a14:hiddenLine xmlns:a14="http://schemas.microsoft.com/office/drawing/2010/main" w="9525">
+                <a:solidFill>
+                  <a:schemeClr val="tx1"/>
+                </a:solidFill>
+                <a:miter lim="800000"/>
+                <a:headEnd/>
+                <a:tailEnd/>
+              </a14:hiddenLine>
+            </a:ext>
+            <a:ext uri="{AF507438-7753-43E0-B8FC-AC1667EBCBE1}">
+              <a14:hiddenEffects xmlns:a14="http://schemas.microsoft.com/office/drawing/2010/main">
+                <a:effectLst>
+                  <a:outerShdw dist="35921" dir="2700000" algn="ctr" rotWithShape="0">
+                    <a:schemeClr val="bg2"/>
+                  </a:outerShdw>
+                </a:effectLst>
+              </a14:hiddenEffects>
+            </a:ext>
+          </a:extLst>
+        </p:spPr>
+        <p:txBody>
+          <a:bodyPr vert="horz" wrap="square" lIns="91440" tIns="45720" rIns="91440" bIns="45720" numCol="1" anchor="ctr" anchorCtr="0" compatLnSpc="1">
+            <a:prstTxWarp prst="textNoShape">
+              <a:avLst/>
+            </a:prstTxWarp>
+            <a:spAutoFit/>
+          </a:bodyPr>
+          <a:lstStyle/>
+          <a:p>
+            <a:endParaRPr lang="en-US"/>
+          </a:p>
+        </p:txBody>
+      </p:sp>
+      <p:sp>
+        <p:nvSpPr>
+          <p:cNvPr id="9" name="Title 1">
+            <a:extLst>
+              <a:ext uri="{FF2B5EF4-FFF2-40B4-BE49-F238E27FC236}">
+                <a16:creationId xmlns:a16="http://schemas.microsoft.com/office/drawing/2014/main" id="{8431047B-4F1F-7D79-5E9C-85D7B8782B4B}"/>
+              </a:ext>
+            </a:extLst>
+          </p:cNvPr>
+          <p:cNvSpPr txBox="1">
+            <a:spLocks/>
+          </p:cNvSpPr>
+          <p:nvPr/>
+        </p:nvSpPr>
+        <p:spPr>
+          <a:xfrm>
+            <a:off x="838200" y="365125"/>
+            <a:ext cx="10515600" cy="1788725"/>
+          </a:xfrm>
+          <a:prstGeom prst="rect">
+            <a:avLst/>
+          </a:prstGeom>
+        </p:spPr>
+        <p:txBody>
+          <a:bodyPr vert="horz" lIns="91440" tIns="45720" rIns="91440" bIns="45720" rtlCol="0" anchor="ctr">
+            <a:normAutofit/>
+          </a:bodyPr>
+          <a:lstStyle>
+            <a:lvl1pPr algn="l" defTabSz="914400" rtl="0" eaLnBrk="1" latinLnBrk="0" hangingPunct="1">
+              <a:lnSpc>
+                <a:spcPct val="90000"/>
+              </a:lnSpc>
+              <a:spcBef>
+                <a:spcPct val="0"/>
+              </a:spcBef>
+              <a:buNone/>
+              <a:defRPr sz="4400" kern="1200">
+                <a:solidFill>
+                  <a:schemeClr val="tx1"/>
+                </a:solidFill>
+                <a:latin typeface="+mj-lt"/>
+                <a:ea typeface="+mj-ea"/>
+                <a:cs typeface="+mj-cs"/>
+              </a:defRPr>
+            </a:lvl1pPr>
+          </a:lstStyle>
+          <a:p>
+            <a:pPr algn="ctr">
+              <a:lnSpc>
+                <a:spcPct val="150000"/>
+              </a:lnSpc>
+            </a:pPr>
+            <a:r>
+              <a:rPr lang="en-US" b="1" dirty="0"/>
+              <a:t>Takeaways</a:t>
+            </a:r>
+            <a:br>
+              <a:rPr lang="en-US" b="1" dirty="0"/>
+            </a:br>
+            <a:endParaRPr lang="en-US" sz="2400" b="1" dirty="0"/>
+          </a:p>
+        </p:txBody>
+      </p:sp>
+      <p:sp>
+        <p:nvSpPr>
+          <p:cNvPr id="2" name="Content Placeholder 2">
+            <a:extLst>
+              <a:ext uri="{FF2B5EF4-FFF2-40B4-BE49-F238E27FC236}">
+                <a16:creationId xmlns:a16="http://schemas.microsoft.com/office/drawing/2014/main" id="{F33DBD06-CF6C-120B-7CC9-E5C04E1F0BF2}"/>
+              </a:ext>
+            </a:extLst>
+          </p:cNvPr>
+          <p:cNvSpPr>
+            <a:spLocks noGrp="1"/>
+          </p:cNvSpPr>
+          <p:nvPr>
+            <p:ph idx="1"/>
+          </p:nvPr>
+        </p:nvSpPr>
+        <p:spPr>
+          <a:xfrm>
+            <a:off x="838200" y="2185987"/>
+            <a:ext cx="10515600" cy="4306888"/>
+          </a:xfrm>
+        </p:spPr>
+        <p:txBody>
+          <a:bodyPr>
+            <a:normAutofit/>
+          </a:bodyPr>
+          <a:lstStyle/>
+          <a:p>
+            <a:pPr>
+              <a:lnSpc>
+                <a:spcPct val="150000"/>
+              </a:lnSpc>
+              <a:buFont typeface="Wingdings" pitchFamily="2" charset="2"/>
+              <a:buChar char="v"/>
+            </a:pPr>
+            <a:r>
+              <a:rPr lang="en-US" sz="2800" kern="0" dirty="0">
+                <a:effectLst/>
+                <a:latin typeface="Calibri" panose="020F0502020204030204" pitchFamily="34" charset="0"/>
+                <a:ea typeface="Times New Roman" panose="02020603050405020304" pitchFamily="18" charset="0"/>
+              </a:rPr>
+              <a:t> </a:t>
+            </a:r>
+            <a:r>
+              <a:rPr lang="en-US" kern="0" dirty="0">
+                <a:latin typeface="Calibri" panose="020F0502020204030204" pitchFamily="34" charset="0"/>
+                <a:ea typeface="Times New Roman" panose="02020603050405020304" pitchFamily="18" charset="0"/>
+              </a:rPr>
+              <a:t>Random Forest Model was best model</a:t>
+            </a:r>
+            <a:endParaRPr lang="en-US" sz="2800" kern="0" dirty="0">
+              <a:effectLst/>
+              <a:latin typeface="Calibri" panose="020F0502020204030204" pitchFamily="34" charset="0"/>
+              <a:ea typeface="Times New Roman" panose="02020603050405020304" pitchFamily="18" charset="0"/>
+            </a:endParaRPr>
+          </a:p>
+          <a:p>
+            <a:pPr>
+              <a:lnSpc>
+                <a:spcPct val="150000"/>
+              </a:lnSpc>
+              <a:buFont typeface="Wingdings" pitchFamily="2" charset="2"/>
+              <a:buChar char="v"/>
+            </a:pPr>
+            <a:r>
+              <a:rPr lang="en-US" kern="0" dirty="0">
+                <a:latin typeface="Calibri" panose="020F0502020204030204" pitchFamily="34" charset="0"/>
+                <a:ea typeface="Times New Roman" panose="02020603050405020304" pitchFamily="18" charset="0"/>
+              </a:rPr>
+              <a:t> Solar irradiation (GHI) was the most important feature</a:t>
+            </a:r>
+          </a:p>
+          <a:p>
+            <a:pPr>
+              <a:lnSpc>
+                <a:spcPct val="150000"/>
+              </a:lnSpc>
+              <a:buFont typeface="Wingdings" pitchFamily="2" charset="2"/>
+              <a:buChar char="v"/>
+            </a:pPr>
+            <a:r>
+              <a:rPr lang="en-US" kern="0" dirty="0">
+                <a:latin typeface="Calibri" panose="020F0502020204030204" pitchFamily="34" charset="0"/>
+                <a:ea typeface="Times New Roman" panose="02020603050405020304" pitchFamily="18" charset="0"/>
+              </a:rPr>
+              <a:t> This an important fact because the renewable energy industry utilizes that information to calculate the amount of solar irradiation of a place to verify the viability of a renewable energy plant</a:t>
+            </a:r>
+            <a:endParaRPr lang="en-US" b="0" i="0" u="none" strike="noStrike" dirty="0">
+              <a:effectLst/>
+            </a:endParaRPr>
+          </a:p>
+        </p:txBody>
+      </p:sp>
+    </p:spTree>
+    <p:extLst>
+      <p:ext uri="{BB962C8B-B14F-4D97-AF65-F5344CB8AC3E}">
+        <p14:creationId xmlns:p14="http://schemas.microsoft.com/office/powerpoint/2010/main" val="1710138351"/>
+      </p:ext>
+    </p:extLst>
+  </p:cSld>
+  <p:clrMapOvr>
+    <a:masterClrMapping/>
+  </p:clrMapOvr>
+  <p:timing>
+    <p:tnLst>
+      <p:par>
+        <p:cTn id="1" dur="indefinite" restart="never" nodeType="tmRoot">
+          <p:childTnLst>
+            <p:seq concurrent="1" nextAc="seek">
+              <p:cTn id="2" dur="indefinite" nodeType="mainSeq">
+                <p:childTnLst>
+                  <p:par>
+                    <p:cTn id="3" fill="hold">
+                      <p:stCondLst>
+                        <p:cond delay="indefinite"/>
+                      </p:stCondLst>
+                      <p:childTnLst>
+                        <p:par>
+                          <p:cTn id="4" fill="hold">
+                            <p:stCondLst>
+                              <p:cond delay="0"/>
+                            </p:stCondLst>
+                            <p:childTnLst>
+                              <p:par>
+                                <p:cTn id="5" presetID="1" presetClass="entr" presetSubtype="0" fill="hold" grpId="0" nodeType="clickEffect">
+                                  <p:stCondLst>
+                                    <p:cond delay="0"/>
+                                  </p:stCondLst>
+                                  <p:childTnLst>
+                                    <p:set>
+                                      <p:cBhvr>
+                                        <p:cTn id="6" dur="1" fill="hold">
+                                          <p:stCondLst>
+                                            <p:cond delay="0"/>
+                                          </p:stCondLst>
+                                        </p:cTn>
+                                        <p:tgtEl>
+                                          <p:spTgt spid="2">
+                                            <p:txEl>
+                                              <p:pRg st="0" end="0"/>
+                                            </p:txEl>
+                                          </p:spTgt>
+                                        </p:tgtEl>
+                                        <p:attrNameLst>
+                                          <p:attrName>style.visibility</p:attrName>
+                                        </p:attrNameLst>
+                                      </p:cBhvr>
+                                      <p:to>
+                                        <p:strVal val="visible"/>
+                                      </p:to>
+                                    </p:set>
+                                  </p:childTnLst>
+                                  <p:subTnLst>
+                                    <p:animClr clrSpc="rgb" dir="cw">
+                                      <p:cBhvr override="childStyle">
+                                        <p:cTn dur="1" fill="hold" display="0" masterRel="nextClick" afterEffect="1"/>
+                                        <p:tgtEl>
+                                          <p:spTgt spid="2">
+                                            <p:txEl>
+                                              <p:pRg st="0" end="0"/>
+                                            </p:txEl>
+                                          </p:spTgt>
+                                        </p:tgtEl>
+                                        <p:attrNameLst>
+                                          <p:attrName>ppt_c</p:attrName>
+                                        </p:attrNameLst>
+                                      </p:cBhvr>
+                                      <p:to>
+                                        <a:srgbClr val="424242"/>
+                                      </p:to>
+                                    </p:animClr>
+                                  </p:subTnLst>
+                                </p:cTn>
+                              </p:par>
+                            </p:childTnLst>
+                          </p:cTn>
+                        </p:par>
+                      </p:childTnLst>
+                    </p:cTn>
+                  </p:par>
+                  <p:par>
+                    <p:cTn id="7" fill="hold">
+                      <p:stCondLst>
+                        <p:cond delay="indefinite"/>
+                      </p:stCondLst>
+                      <p:childTnLst>
+                        <p:par>
+                          <p:cTn id="8" fill="hold">
+                            <p:stCondLst>
+                              <p:cond delay="0"/>
+                            </p:stCondLst>
+                            <p:childTnLst>
+                              <p:par>
+                                <p:cTn id="9" presetID="1" presetClass="entr" presetSubtype="0" fill="hold" grpId="0" nodeType="clickEffect">
+                                  <p:stCondLst>
+                                    <p:cond delay="0"/>
+                                  </p:stCondLst>
+                                  <p:childTnLst>
+                                    <p:set>
+                                      <p:cBhvr>
+                                        <p:cTn id="10" dur="1" fill="hold">
+                                          <p:stCondLst>
+                                            <p:cond delay="0"/>
+                                          </p:stCondLst>
+                                        </p:cTn>
+                                        <p:tgtEl>
+                                          <p:spTgt spid="2">
+                                            <p:txEl>
+                                              <p:pRg st="1" end="1"/>
+                                            </p:txEl>
+                                          </p:spTgt>
+                                        </p:tgtEl>
+                                        <p:attrNameLst>
+                                          <p:attrName>style.visibility</p:attrName>
+                                        </p:attrNameLst>
+                                      </p:cBhvr>
+                                      <p:to>
+                                        <p:strVal val="visible"/>
+                                      </p:to>
+                                    </p:set>
+                                  </p:childTnLst>
+                                  <p:subTnLst>
+                                    <p:animClr clrSpc="rgb" dir="cw">
+                                      <p:cBhvr override="childStyle">
+                                        <p:cTn dur="1" fill="hold" display="0" masterRel="nextClick" afterEffect="1"/>
+                                        <p:tgtEl>
+                                          <p:spTgt spid="2">
+                                            <p:txEl>
+                                              <p:pRg st="1" end="1"/>
+                                            </p:txEl>
+                                          </p:spTgt>
+                                        </p:tgtEl>
+                                        <p:attrNameLst>
+                                          <p:attrName>ppt_c</p:attrName>
+                                        </p:attrNameLst>
+                                      </p:cBhvr>
+                                      <p:to>
+                                        <a:srgbClr val="424242"/>
+                                      </p:to>
+                                    </p:animClr>
+                                  </p:subTnLst>
+                                </p:cTn>
+                              </p:par>
+                            </p:childTnLst>
+                          </p:cTn>
+                        </p:par>
+                      </p:childTnLst>
+                    </p:cTn>
+                  </p:par>
+                  <p:par>
+                    <p:cTn id="11" fill="hold">
+                      <p:stCondLst>
+                        <p:cond delay="indefinite"/>
+                      </p:stCondLst>
+                      <p:childTnLst>
+                        <p:par>
+                          <p:cTn id="12" fill="hold">
+                            <p:stCondLst>
+                              <p:cond delay="0"/>
+                            </p:stCondLst>
+                            <p:childTnLst>
+                              <p:par>
+                                <p:cTn id="13" presetID="1" presetClass="entr" presetSubtype="0" fill="hold" grpId="0" nodeType="clickEffect">
+                                  <p:stCondLst>
+                                    <p:cond delay="0"/>
+                                  </p:stCondLst>
+                                  <p:childTnLst>
+                                    <p:set>
+                                      <p:cBhvr>
+                                        <p:cTn id="14" dur="1" fill="hold">
+                                          <p:stCondLst>
+                                            <p:cond delay="0"/>
+                                          </p:stCondLst>
+                                        </p:cTn>
+                                        <p:tgtEl>
+                                          <p:spTgt spid="2">
+                                            <p:txEl>
+                                              <p:pRg st="2" end="2"/>
+                                            </p:txEl>
+                                          </p:spTgt>
+                                        </p:tgtEl>
+                                        <p:attrNameLst>
+                                          <p:attrName>style.visibility</p:attrName>
+                                        </p:attrNameLst>
+                                      </p:cBhvr>
+                                      <p:to>
+                                        <p:strVal val="visible"/>
+                                      </p:to>
+                                    </p:set>
+                                  </p:childTnLst>
+                                </p:cTn>
+                              </p:par>
+                            </p:childTnLst>
+                          </p:cTn>
+                        </p:par>
+                      </p:childTnLst>
+                    </p:cTn>
+                  </p:par>
+                </p:childTnLst>
+              </p:cTn>
+              <p:prevCondLst>
+                <p:cond evt="onPrev" delay="0">
+                  <p:tgtEl>
+                    <p:sldTgt/>
+                  </p:tgtEl>
+                </p:cond>
+              </p:prevCondLst>
+              <p:nextCondLst>
+                <p:cond evt="onNext" delay="0">
+                  <p:tgtEl>
+                    <p:sldTgt/>
+                  </p:tgtEl>
+                </p:cond>
+              </p:nextCondLst>
+            </p:seq>
+          </p:childTnLst>
+        </p:cTn>
+      </p:par>
+    </p:tnLst>
+    <p:bldLst>
+      <p:bldP spid="2" grpId="0" uiExpand="1" build="p"/>
+    </p:bldLst>
+  </p:timing>
+</p:sld>
+</file>
+
+<file path=ppt/slides/slide15.xml><?xml version="1.0" encoding="utf-8"?>
+<p:sld xmlns:a="http://schemas.openxmlformats.org/drawingml/2006/main" xmlns:r="http://schemas.openxmlformats.org/officeDocument/2006/relationships" xmlns:p="http://schemas.openxmlformats.org/presentationml/2006/main">
+  <p:cSld>
+    <p:spTree>
+      <p:nvGrpSpPr>
+        <p:cNvPr id="1" name=""/>
+        <p:cNvGrpSpPr/>
+        <p:nvPr/>
+      </p:nvGrpSpPr>
+      <p:grpSpPr>
+        <a:xfrm>
+          <a:off x="0" y="0"/>
+          <a:ext cx="0" cy="0"/>
+          <a:chOff x="0" y="0"/>
+          <a:chExt cx="0" cy="0"/>
+        </a:xfrm>
+      </p:grpSpPr>
+      <p:cxnSp>
+        <p:nvCxnSpPr>
+          <p:cNvPr id="4" name="Straight Connector 3">
+            <a:extLst>
+              <a:ext uri="{FF2B5EF4-FFF2-40B4-BE49-F238E27FC236}">
+                <a16:creationId xmlns:a16="http://schemas.microsoft.com/office/drawing/2014/main" id="{3C7F1CCD-8D6D-F2D5-A0BF-975718B08EF2}"/>
+              </a:ext>
+            </a:extLst>
+          </p:cNvPr>
+          <p:cNvCxnSpPr/>
+          <p:nvPr/>
+        </p:nvCxnSpPr>
+        <p:spPr>
+          <a:xfrm>
+            <a:off x="4345781" y="1543050"/>
+            <a:ext cx="3500437" cy="0"/>
+          </a:xfrm>
+          <a:prstGeom prst="line">
+            <a:avLst/>
+          </a:prstGeom>
+          <a:ln w="57150">
+            <a:solidFill>
+              <a:schemeClr val="accent2">
+                <a:lumMod val="60000"/>
+                <a:lumOff val="40000"/>
+              </a:schemeClr>
+            </a:solidFill>
+          </a:ln>
+        </p:spPr>
+        <p:style>
+          <a:lnRef idx="1">
+            <a:schemeClr val="accent1"/>
+          </a:lnRef>
+          <a:fillRef idx="0">
+            <a:schemeClr val="accent1"/>
+          </a:fillRef>
+          <a:effectRef idx="0">
+            <a:schemeClr val="accent1"/>
+          </a:effectRef>
+          <a:fontRef idx="minor">
+            <a:schemeClr val="tx1"/>
+          </a:fontRef>
+        </p:style>
+      </p:cxnSp>
+      <p:sp>
+        <p:nvSpPr>
+          <p:cNvPr id="3" name="Rectangle 2">
+            <a:extLst>
+              <a:ext uri="{FF2B5EF4-FFF2-40B4-BE49-F238E27FC236}">
+                <a16:creationId xmlns:a16="http://schemas.microsoft.com/office/drawing/2014/main" id="{0040DC22-ADFF-1A64-F29C-FE5134317423}"/>
+              </a:ext>
+            </a:extLst>
+          </p:cNvPr>
+          <p:cNvSpPr>
+            <a:spLocks noChangeArrowheads="1"/>
+          </p:cNvSpPr>
+          <p:nvPr/>
+        </p:nvSpPr>
+        <p:spPr bwMode="auto">
+          <a:xfrm>
+            <a:off x="3374578" y="2114548"/>
+            <a:ext cx="16501067" cy="45719"/>
+          </a:xfrm>
+          <a:prstGeom prst="rect">
+            <a:avLst/>
+          </a:prstGeom>
+          <a:noFill/>
+          <a:ln>
+            <a:noFill/>
+          </a:ln>
+          <a:effectLst/>
+          <a:extLst>
+            <a:ext uri="{909E8E84-426E-40DD-AFC4-6F175D3DCCD1}">
+              <a14:hiddenFill xmlns:a14="http://schemas.microsoft.com/office/drawing/2010/main">
+                <a:solidFill>
+                  <a:schemeClr val="accent1"/>
+                </a:solidFill>
+              </a14:hiddenFill>
+            </a:ext>
+            <a:ext uri="{91240B29-F687-4F45-9708-019B960494DF}">
+              <a14:hiddenLine xmlns:a14="http://schemas.microsoft.com/office/drawing/2010/main" w="9525">
+                <a:solidFill>
+                  <a:schemeClr val="tx1"/>
+                </a:solidFill>
+                <a:miter lim="800000"/>
+                <a:headEnd/>
+                <a:tailEnd/>
+              </a14:hiddenLine>
+            </a:ext>
+            <a:ext uri="{AF507438-7753-43E0-B8FC-AC1667EBCBE1}">
+              <a14:hiddenEffects xmlns:a14="http://schemas.microsoft.com/office/drawing/2010/main">
+                <a:effectLst>
+                  <a:outerShdw dist="35921" dir="2700000" algn="ctr" rotWithShape="0">
+                    <a:schemeClr val="bg2"/>
+                  </a:outerShdw>
+                </a:effectLst>
+              </a14:hiddenEffects>
+            </a:ext>
+          </a:extLst>
+        </p:spPr>
+        <p:txBody>
+          <a:bodyPr vert="horz" wrap="square" lIns="91440" tIns="45720" rIns="91440" bIns="45720" numCol="1" anchor="ctr" anchorCtr="0" compatLnSpc="1">
+            <a:prstTxWarp prst="textNoShape">
+              <a:avLst/>
+            </a:prstTxWarp>
+            <a:spAutoFit/>
+          </a:bodyPr>
+          <a:lstStyle/>
+          <a:p>
+            <a:endParaRPr lang="en-US"/>
+          </a:p>
+        </p:txBody>
+      </p:sp>
+      <p:sp>
+        <p:nvSpPr>
+          <p:cNvPr id="9" name="Title 1">
+            <a:extLst>
+              <a:ext uri="{FF2B5EF4-FFF2-40B4-BE49-F238E27FC236}">
+                <a16:creationId xmlns:a16="http://schemas.microsoft.com/office/drawing/2014/main" id="{8431047B-4F1F-7D79-5E9C-85D7B8782B4B}"/>
+              </a:ext>
+            </a:extLst>
+          </p:cNvPr>
+          <p:cNvSpPr txBox="1">
+            <a:spLocks/>
+          </p:cNvSpPr>
+          <p:nvPr/>
+        </p:nvSpPr>
+        <p:spPr>
+          <a:xfrm>
+            <a:off x="838200" y="365125"/>
+            <a:ext cx="10515600" cy="1788725"/>
+          </a:xfrm>
+          <a:prstGeom prst="rect">
+            <a:avLst/>
+          </a:prstGeom>
+        </p:spPr>
+        <p:txBody>
+          <a:bodyPr vert="horz" lIns="91440" tIns="45720" rIns="91440" bIns="45720" rtlCol="0" anchor="ctr">
+            <a:normAutofit/>
+          </a:bodyPr>
+          <a:lstStyle>
+            <a:lvl1pPr algn="l" defTabSz="914400" rtl="0" eaLnBrk="1" latinLnBrk="0" hangingPunct="1">
+              <a:lnSpc>
+                <a:spcPct val="90000"/>
+              </a:lnSpc>
+              <a:spcBef>
+                <a:spcPct val="0"/>
+              </a:spcBef>
+              <a:buNone/>
+              <a:defRPr sz="4400" kern="1200">
+                <a:solidFill>
+                  <a:schemeClr val="tx1"/>
+                </a:solidFill>
+                <a:latin typeface="+mj-lt"/>
+                <a:ea typeface="+mj-ea"/>
+                <a:cs typeface="+mj-cs"/>
+              </a:defRPr>
+            </a:lvl1pPr>
+          </a:lstStyle>
+          <a:p>
+            <a:pPr algn="ctr">
+              <a:lnSpc>
+                <a:spcPct val="150000"/>
+              </a:lnSpc>
+            </a:pPr>
+            <a:r>
+              <a:rPr lang="en-US" b="1" dirty="0"/>
+              <a:t>Future Research</a:t>
+            </a:r>
+            <a:br>
+              <a:rPr lang="en-US" b="1" dirty="0"/>
+            </a:br>
+            <a:endParaRPr lang="en-US" sz="2400" b="1" dirty="0"/>
+          </a:p>
+        </p:txBody>
+      </p:sp>
+      <p:sp>
+        <p:nvSpPr>
+          <p:cNvPr id="2" name="Content Placeholder 2">
+            <a:extLst>
+              <a:ext uri="{FF2B5EF4-FFF2-40B4-BE49-F238E27FC236}">
+                <a16:creationId xmlns:a16="http://schemas.microsoft.com/office/drawing/2014/main" id="{F33DBD06-CF6C-120B-7CC9-E5C04E1F0BF2}"/>
+              </a:ext>
+            </a:extLst>
+          </p:cNvPr>
+          <p:cNvSpPr>
+            <a:spLocks noGrp="1"/>
+          </p:cNvSpPr>
+          <p:nvPr>
+            <p:ph idx="1"/>
+          </p:nvPr>
+        </p:nvSpPr>
+        <p:spPr>
+          <a:xfrm>
+            <a:off x="838200" y="2185987"/>
+            <a:ext cx="10515600" cy="4306888"/>
+          </a:xfrm>
+        </p:spPr>
+        <p:txBody>
+          <a:bodyPr>
+            <a:normAutofit/>
+          </a:bodyPr>
+          <a:lstStyle/>
+          <a:p>
+            <a:pPr>
+              <a:lnSpc>
+                <a:spcPct val="150000"/>
+              </a:lnSpc>
+              <a:buFont typeface="Wingdings" pitchFamily="2" charset="2"/>
+              <a:buChar char="v"/>
+            </a:pPr>
+            <a:r>
+              <a:rPr lang="en-US" sz="2800" kern="0" dirty="0">
+                <a:effectLst/>
+                <a:latin typeface="Calibri" panose="020F0502020204030204" pitchFamily="34" charset="0"/>
+                <a:ea typeface="Times New Roman" panose="02020603050405020304" pitchFamily="18" charset="0"/>
+              </a:rPr>
+              <a:t> </a:t>
+            </a:r>
+            <a:r>
+              <a:rPr lang="en-US" kern="0" dirty="0">
+                <a:latin typeface="Calibri" panose="020F0502020204030204" pitchFamily="34" charset="0"/>
+                <a:ea typeface="Times New Roman" panose="02020603050405020304" pitchFamily="18" charset="0"/>
+              </a:rPr>
+              <a:t>Look at other countries/areas to see if pattern is repeated</a:t>
+            </a:r>
+          </a:p>
+          <a:p>
+            <a:pPr>
+              <a:lnSpc>
+                <a:spcPct val="150000"/>
+              </a:lnSpc>
+              <a:buFont typeface="Wingdings" pitchFamily="2" charset="2"/>
+              <a:buChar char="v"/>
+            </a:pPr>
+            <a:r>
+              <a:rPr lang="en-US" kern="0" dirty="0">
+                <a:latin typeface="Calibri" panose="020F0502020204030204" pitchFamily="34" charset="0"/>
+                <a:ea typeface="Times New Roman" panose="02020603050405020304" pitchFamily="18" charset="0"/>
+              </a:rPr>
+              <a:t> Explore the weather type feature by finding more information on them</a:t>
+            </a:r>
+          </a:p>
+          <a:p>
+            <a:pPr>
+              <a:lnSpc>
+                <a:spcPct val="150000"/>
+              </a:lnSpc>
+              <a:buFont typeface="Wingdings" pitchFamily="2" charset="2"/>
+              <a:buChar char="v"/>
+            </a:pPr>
+            <a:r>
+              <a:rPr lang="en-US" kern="0" dirty="0">
+                <a:latin typeface="Calibri" panose="020F0502020204030204" pitchFamily="34" charset="0"/>
+                <a:ea typeface="Times New Roman" panose="02020603050405020304" pitchFamily="18" charset="0"/>
+              </a:rPr>
+              <a:t> Explore a SARIMA model given the strong seasonality in the data</a:t>
+            </a:r>
+            <a:endParaRPr lang="en-US" b="0" i="0" u="none" strike="noStrike" dirty="0">
+              <a:effectLst/>
+            </a:endParaRPr>
+          </a:p>
+        </p:txBody>
+      </p:sp>
+    </p:spTree>
+    <p:extLst>
+      <p:ext uri="{BB962C8B-B14F-4D97-AF65-F5344CB8AC3E}">
+        <p14:creationId xmlns:p14="http://schemas.microsoft.com/office/powerpoint/2010/main" val="3322923706"/>
+      </p:ext>
+    </p:extLst>
+  </p:cSld>
+  <p:clrMapOvr>
+    <a:masterClrMapping/>
+  </p:clrMapOvr>
+  <p:timing>
+    <p:tnLst>
+      <p:par>
+        <p:cTn id="1" dur="indefinite" restart="never" nodeType="tmRoot">
+          <p:childTnLst>
+            <p:seq concurrent="1" nextAc="seek">
+              <p:cTn id="2" dur="indefinite" nodeType="mainSeq">
+                <p:childTnLst>
+                  <p:par>
+                    <p:cTn id="3" fill="hold">
+                      <p:stCondLst>
+                        <p:cond delay="indefinite"/>
+                      </p:stCondLst>
+                      <p:childTnLst>
+                        <p:par>
+                          <p:cTn id="4" fill="hold">
+                            <p:stCondLst>
+                              <p:cond delay="0"/>
+                            </p:stCondLst>
+                            <p:childTnLst>
+                              <p:par>
+                                <p:cTn id="5" presetID="1" presetClass="entr" presetSubtype="0" fill="hold" grpId="0" nodeType="clickEffect">
+                                  <p:stCondLst>
+                                    <p:cond delay="0"/>
+                                  </p:stCondLst>
+                                  <p:childTnLst>
+                                    <p:set>
+                                      <p:cBhvr>
+                                        <p:cTn id="6" dur="1" fill="hold">
+                                          <p:stCondLst>
+                                            <p:cond delay="0"/>
+                                          </p:stCondLst>
+                                        </p:cTn>
+                                        <p:tgtEl>
+                                          <p:spTgt spid="2">
+                                            <p:txEl>
+                                              <p:pRg st="0" end="0"/>
+                                            </p:txEl>
+                                          </p:spTgt>
+                                        </p:tgtEl>
+                                        <p:attrNameLst>
+                                          <p:attrName>style.visibility</p:attrName>
+                                        </p:attrNameLst>
+                                      </p:cBhvr>
+                                      <p:to>
+                                        <p:strVal val="visible"/>
+                                      </p:to>
+                                    </p:set>
+                                  </p:childTnLst>
+                                  <p:subTnLst>
+                                    <p:animClr clrSpc="rgb" dir="cw">
+                                      <p:cBhvr override="childStyle">
+                                        <p:cTn dur="1" fill="hold" display="0" masterRel="nextClick" afterEffect="1"/>
+                                        <p:tgtEl>
+                                          <p:spTgt spid="2">
+                                            <p:txEl>
+                                              <p:pRg st="0" end="0"/>
+                                            </p:txEl>
+                                          </p:spTgt>
+                                        </p:tgtEl>
+                                        <p:attrNameLst>
+                                          <p:attrName>ppt_c</p:attrName>
+                                        </p:attrNameLst>
+                                      </p:cBhvr>
+                                      <p:to>
+                                        <a:srgbClr val="424242"/>
+                                      </p:to>
+                                    </p:animClr>
+                                  </p:subTnLst>
+                                </p:cTn>
+                              </p:par>
+                            </p:childTnLst>
+                          </p:cTn>
+                        </p:par>
+                      </p:childTnLst>
+                    </p:cTn>
+                  </p:par>
+                  <p:par>
+                    <p:cTn id="7" fill="hold">
+                      <p:stCondLst>
+                        <p:cond delay="indefinite"/>
+                      </p:stCondLst>
+                      <p:childTnLst>
+                        <p:par>
+                          <p:cTn id="8" fill="hold">
+                            <p:stCondLst>
+                              <p:cond delay="0"/>
+                            </p:stCondLst>
+                            <p:childTnLst>
+                              <p:par>
+                                <p:cTn id="9" presetID="1" presetClass="entr" presetSubtype="0" fill="hold" grpId="0" nodeType="clickEffect">
+                                  <p:stCondLst>
+                                    <p:cond delay="0"/>
+                                  </p:stCondLst>
+                                  <p:childTnLst>
+                                    <p:set>
+                                      <p:cBhvr>
+                                        <p:cTn id="10" dur="1" fill="hold">
+                                          <p:stCondLst>
+                                            <p:cond delay="0"/>
+                                          </p:stCondLst>
+                                        </p:cTn>
+                                        <p:tgtEl>
+                                          <p:spTgt spid="2">
+                                            <p:txEl>
+                                              <p:pRg st="1" end="1"/>
+                                            </p:txEl>
+                                          </p:spTgt>
+                                        </p:tgtEl>
+                                        <p:attrNameLst>
+                                          <p:attrName>style.visibility</p:attrName>
+                                        </p:attrNameLst>
+                                      </p:cBhvr>
+                                      <p:to>
+                                        <p:strVal val="visible"/>
+                                      </p:to>
+                                    </p:set>
+                                  </p:childTnLst>
+                                  <p:subTnLst>
+                                    <p:animClr clrSpc="rgb" dir="cw">
+                                      <p:cBhvr override="childStyle">
+                                        <p:cTn dur="1" fill="hold" display="0" masterRel="nextClick" afterEffect="1"/>
+                                        <p:tgtEl>
+                                          <p:spTgt spid="2">
+                                            <p:txEl>
+                                              <p:pRg st="1" end="1"/>
+                                            </p:txEl>
+                                          </p:spTgt>
+                                        </p:tgtEl>
+                                        <p:attrNameLst>
+                                          <p:attrName>ppt_c</p:attrName>
+                                        </p:attrNameLst>
+                                      </p:cBhvr>
+                                      <p:to>
+                                        <a:srgbClr val="424242"/>
+                                      </p:to>
+                                    </p:animClr>
+                                  </p:subTnLst>
+                                </p:cTn>
+                              </p:par>
+                            </p:childTnLst>
+                          </p:cTn>
+                        </p:par>
+                      </p:childTnLst>
+                    </p:cTn>
+                  </p:par>
+                  <p:par>
+                    <p:cTn id="11" fill="hold">
+                      <p:stCondLst>
+                        <p:cond delay="indefinite"/>
+                      </p:stCondLst>
+                      <p:childTnLst>
+                        <p:par>
+                          <p:cTn id="12" fill="hold">
+                            <p:stCondLst>
+                              <p:cond delay="0"/>
+                            </p:stCondLst>
+                            <p:childTnLst>
+                              <p:par>
+                                <p:cTn id="13" presetID="1" presetClass="entr" presetSubtype="0" fill="hold" grpId="0" nodeType="clickEffect">
+                                  <p:stCondLst>
+                                    <p:cond delay="0"/>
+                                  </p:stCondLst>
+                                  <p:childTnLst>
+                                    <p:set>
+                                      <p:cBhvr>
+                                        <p:cTn id="14" dur="1" fill="hold">
+                                          <p:stCondLst>
+                                            <p:cond delay="0"/>
+                                          </p:stCondLst>
+                                        </p:cTn>
+                                        <p:tgtEl>
+                                          <p:spTgt spid="2">
+                                            <p:txEl>
+                                              <p:pRg st="2" end="2"/>
+                                            </p:txEl>
+                                          </p:spTgt>
+                                        </p:tgtEl>
+                                        <p:attrNameLst>
+                                          <p:attrName>style.visibility</p:attrName>
+                                        </p:attrNameLst>
+                                      </p:cBhvr>
+                                      <p:to>
+                                        <p:strVal val="visible"/>
+                                      </p:to>
+                                    </p:set>
+                                  </p:childTnLst>
+                                </p:cTn>
+                              </p:par>
+                            </p:childTnLst>
+                          </p:cTn>
+                        </p:par>
+                      </p:childTnLst>
+                    </p:cTn>
+                  </p:par>
+                </p:childTnLst>
+              </p:cTn>
+              <p:prevCondLst>
+                <p:cond evt="onPrev" delay="0">
+                  <p:tgtEl>
+                    <p:sldTgt/>
+                  </p:tgtEl>
+                </p:cond>
+              </p:prevCondLst>
+              <p:nextCondLst>
+                <p:cond evt="onNext" delay="0">
+                  <p:tgtEl>
+                    <p:sldTgt/>
+                  </p:tgtEl>
+                </p:cond>
+              </p:nextCondLst>
+            </p:seq>
+          </p:childTnLst>
+        </p:cTn>
+      </p:par>
+    </p:tnLst>
+    <p:bldLst>
+      <p:bldP spid="2" grpId="0" uiExpand="1" build="p"/>
+    </p:bldLst>
+  </p:timing>
+</p:sld>
+</file>
+
+<file path=ppt/slides/slide16.xml><?xml version="1.0" encoding="utf-8"?>
+<p:sld xmlns:a="http://schemas.openxmlformats.org/drawingml/2006/main" xmlns:r="http://schemas.openxmlformats.org/officeDocument/2006/relationships" xmlns:p="http://schemas.openxmlformats.org/presentationml/2006/main">
+  <p:cSld>
+    <p:spTree>
+      <p:nvGrpSpPr>
+        <p:cNvPr id="1" name=""/>
+        <p:cNvGrpSpPr/>
+        <p:nvPr/>
+      </p:nvGrpSpPr>
+      <p:grpSpPr>
+        <a:xfrm>
+          <a:off x="0" y="0"/>
+          <a:ext cx="0" cy="0"/>
+          <a:chOff x="0" y="0"/>
+          <a:chExt cx="0" cy="0"/>
+        </a:xfrm>
+      </p:grpSpPr>
+      <p:cxnSp>
+        <p:nvCxnSpPr>
+          <p:cNvPr id="4" name="Straight Connector 3">
+            <a:extLst>
+              <a:ext uri="{FF2B5EF4-FFF2-40B4-BE49-F238E27FC236}">
+                <a16:creationId xmlns:a16="http://schemas.microsoft.com/office/drawing/2014/main" id="{3C7F1CCD-8D6D-F2D5-A0BF-975718B08EF2}"/>
+              </a:ext>
+            </a:extLst>
+          </p:cNvPr>
+          <p:cNvCxnSpPr/>
+          <p:nvPr/>
+        </p:nvCxnSpPr>
+        <p:spPr>
+          <a:xfrm>
+            <a:off x="4345781" y="3712562"/>
+            <a:ext cx="3500437" cy="0"/>
+          </a:xfrm>
+          <a:prstGeom prst="line">
+            <a:avLst/>
+          </a:prstGeom>
+          <a:ln w="57150">
+            <a:solidFill>
+              <a:schemeClr val="accent2">
+                <a:lumMod val="60000"/>
+                <a:lumOff val="40000"/>
+              </a:schemeClr>
+            </a:solidFill>
+          </a:ln>
+        </p:spPr>
+        <p:style>
+          <a:lnRef idx="1">
+            <a:schemeClr val="accent1"/>
+          </a:lnRef>
+          <a:fillRef idx="0">
+            <a:schemeClr val="accent1"/>
+          </a:fillRef>
+          <a:effectRef idx="0">
+            <a:schemeClr val="accent1"/>
+          </a:effectRef>
+          <a:fontRef idx="minor">
+            <a:schemeClr val="tx1"/>
+          </a:fontRef>
+        </p:style>
+      </p:cxnSp>
+      <p:sp>
+        <p:nvSpPr>
+          <p:cNvPr id="3" name="Rectangle 2">
+            <a:extLst>
+              <a:ext uri="{FF2B5EF4-FFF2-40B4-BE49-F238E27FC236}">
+                <a16:creationId xmlns:a16="http://schemas.microsoft.com/office/drawing/2014/main" id="{0040DC22-ADFF-1A64-F29C-FE5134317423}"/>
+              </a:ext>
+            </a:extLst>
+          </p:cNvPr>
+          <p:cNvSpPr>
+            <a:spLocks noChangeArrowheads="1"/>
+          </p:cNvSpPr>
+          <p:nvPr/>
+        </p:nvSpPr>
+        <p:spPr bwMode="auto">
+          <a:xfrm>
+            <a:off x="3374578" y="2114548"/>
+            <a:ext cx="16501067" cy="45719"/>
+          </a:xfrm>
+          <a:prstGeom prst="rect">
+            <a:avLst/>
+          </a:prstGeom>
+          <a:noFill/>
+          <a:ln>
+            <a:noFill/>
+          </a:ln>
+          <a:effectLst/>
+          <a:extLst>
+            <a:ext uri="{909E8E84-426E-40DD-AFC4-6F175D3DCCD1}">
+              <a14:hiddenFill xmlns:a14="http://schemas.microsoft.com/office/drawing/2010/main">
+                <a:solidFill>
+                  <a:schemeClr val="accent1"/>
+                </a:solidFill>
+              </a14:hiddenFill>
+            </a:ext>
+            <a:ext uri="{91240B29-F687-4F45-9708-019B960494DF}">
+              <a14:hiddenLine xmlns:a14="http://schemas.microsoft.com/office/drawing/2010/main" w="9525">
+                <a:solidFill>
+                  <a:schemeClr val="tx1"/>
+                </a:solidFill>
+                <a:miter lim="800000"/>
+                <a:headEnd/>
+                <a:tailEnd/>
+              </a14:hiddenLine>
+            </a:ext>
+            <a:ext uri="{AF507438-7753-43E0-B8FC-AC1667EBCBE1}">
+              <a14:hiddenEffects xmlns:a14="http://schemas.microsoft.com/office/drawing/2010/main">
+                <a:effectLst>
+                  <a:outerShdw dist="35921" dir="2700000" algn="ctr" rotWithShape="0">
+                    <a:schemeClr val="bg2"/>
+                  </a:outerShdw>
+                </a:effectLst>
+              </a14:hiddenEffects>
+            </a:ext>
+          </a:extLst>
+        </p:spPr>
+        <p:txBody>
+          <a:bodyPr vert="horz" wrap="square" lIns="91440" tIns="45720" rIns="91440" bIns="45720" numCol="1" anchor="ctr" anchorCtr="0" compatLnSpc="1">
+            <a:prstTxWarp prst="textNoShape">
+              <a:avLst/>
+            </a:prstTxWarp>
+            <a:spAutoFit/>
+          </a:bodyPr>
+          <a:lstStyle/>
+          <a:p>
+            <a:endParaRPr lang="en-US"/>
+          </a:p>
+        </p:txBody>
+      </p:sp>
+      <p:sp>
+        <p:nvSpPr>
+          <p:cNvPr id="9" name="Title 1">
+            <a:extLst>
+              <a:ext uri="{FF2B5EF4-FFF2-40B4-BE49-F238E27FC236}">
+                <a16:creationId xmlns:a16="http://schemas.microsoft.com/office/drawing/2014/main" id="{8431047B-4F1F-7D79-5E9C-85D7B8782B4B}"/>
+              </a:ext>
+            </a:extLst>
+          </p:cNvPr>
+          <p:cNvSpPr txBox="1">
+            <a:spLocks/>
+          </p:cNvSpPr>
+          <p:nvPr/>
+        </p:nvSpPr>
+        <p:spPr>
+          <a:xfrm>
+            <a:off x="838200" y="2534637"/>
+            <a:ext cx="10515600" cy="1788725"/>
+          </a:xfrm>
+          <a:prstGeom prst="rect">
+            <a:avLst/>
+          </a:prstGeom>
+        </p:spPr>
+        <p:txBody>
+          <a:bodyPr vert="horz" lIns="91440" tIns="45720" rIns="91440" bIns="45720" rtlCol="0" anchor="ctr">
+            <a:noAutofit/>
+          </a:bodyPr>
+          <a:lstStyle>
+            <a:lvl1pPr algn="l" defTabSz="914400" rtl="0" eaLnBrk="1" latinLnBrk="0" hangingPunct="1">
+              <a:lnSpc>
+                <a:spcPct val="90000"/>
+              </a:lnSpc>
+              <a:spcBef>
+                <a:spcPct val="0"/>
+              </a:spcBef>
+              <a:buNone/>
+              <a:defRPr sz="4400" kern="1200">
+                <a:solidFill>
+                  <a:schemeClr val="tx1"/>
+                </a:solidFill>
+                <a:latin typeface="+mj-lt"/>
+                <a:ea typeface="+mj-ea"/>
+                <a:cs typeface="+mj-cs"/>
+              </a:defRPr>
+            </a:lvl1pPr>
+          </a:lstStyle>
+          <a:p>
+            <a:pPr algn="ctr">
+              <a:lnSpc>
+                <a:spcPct val="150000"/>
+              </a:lnSpc>
+            </a:pPr>
+            <a:r>
+              <a:rPr lang="en-US" sz="5400" b="1" dirty="0"/>
+              <a:t>Questions ?</a:t>
+            </a:r>
+            <a:br>
+              <a:rPr lang="en-US" sz="5400" b="1" dirty="0"/>
+            </a:br>
+            <a:endParaRPr lang="en-US" sz="5400" b="1" dirty="0"/>
+          </a:p>
+        </p:txBody>
+      </p:sp>
+    </p:spTree>
+    <p:extLst>
+      <p:ext uri="{BB962C8B-B14F-4D97-AF65-F5344CB8AC3E}">
+        <p14:creationId xmlns:p14="http://schemas.microsoft.com/office/powerpoint/2010/main" val="3774674601"/>
+      </p:ext>
+    </p:extLst>
+  </p:cSld>
+  <p:clrMapOvr>
+    <a:masterClrMapping/>
+  </p:clrMapOvr>
+</p:sld>
+</file>
+
+<file path=ppt/slides/slide2.xml><?xml version="1.0" encoding="utf-8"?>
+<p:sld xmlns:a="http://schemas.openxmlformats.org/drawingml/2006/main" xmlns:r="http://schemas.openxmlformats.org/officeDocument/2006/relationships" xmlns:p="http://schemas.openxmlformats.org/presentationml/2006/main">
+  <p:cSld>
+    <p:spTree>
+      <p:nvGrpSpPr>
+        <p:cNvPr id="1" name=""/>
+        <p:cNvGrpSpPr/>
+        <p:nvPr/>
+      </p:nvGrpSpPr>
+      <p:grpSpPr>
+        <a:xfrm>
+          <a:off x="0" y="0"/>
+          <a:ext cx="0" cy="0"/>
+          <a:chOff x="0" y="0"/>
+          <a:chExt cx="0" cy="0"/>
+        </a:xfrm>
+      </p:grpSpPr>
+      <p:sp>
+        <p:nvSpPr>
+          <p:cNvPr id="2" name="Title 1">
+            <a:extLst>
+              <a:ext uri="{FF2B5EF4-FFF2-40B4-BE49-F238E27FC236}">
+                <a16:creationId xmlns:a16="http://schemas.microsoft.com/office/drawing/2014/main" id="{2214590D-C8D0-CFA2-8471-BC8275D5C9C0}"/>
+              </a:ext>
+            </a:extLst>
+          </p:cNvPr>
+          <p:cNvSpPr>
+            <a:spLocks noGrp="1"/>
+          </p:cNvSpPr>
+          <p:nvPr>
+            <p:ph type="title"/>
+          </p:nvPr>
+        </p:nvSpPr>
+        <p:spPr/>
+        <p:txBody>
+          <a:bodyPr/>
+          <a:lstStyle/>
+          <a:p>
+            <a:pPr algn="ctr"/>
+            <a:r>
+              <a:rPr lang="en-US" b="1" dirty="0"/>
+              <a:t>Problem</a:t>
+            </a:r>
+          </a:p>
+        </p:txBody>
+      </p:sp>
+      <p:sp>
+        <p:nvSpPr>
+          <p:cNvPr id="3" name="Content Placeholder 2">
+            <a:extLst>
+              <a:ext uri="{FF2B5EF4-FFF2-40B4-BE49-F238E27FC236}">
+                <a16:creationId xmlns:a16="http://schemas.microsoft.com/office/drawing/2014/main" id="{24A1C275-42B1-EA3C-BD95-5856FD9BF163}"/>
+              </a:ext>
+            </a:extLst>
+          </p:cNvPr>
+          <p:cNvSpPr>
+            <a:spLocks noGrp="1"/>
+          </p:cNvSpPr>
+          <p:nvPr>
+            <p:ph idx="1"/>
+          </p:nvPr>
+        </p:nvSpPr>
+        <p:spPr>
+          <a:xfrm>
+            <a:off x="838200" y="2074128"/>
+            <a:ext cx="10515600" cy="1937286"/>
+          </a:xfrm>
+        </p:spPr>
+        <p:txBody>
+          <a:bodyPr>
+            <a:normAutofit/>
+          </a:bodyPr>
+          <a:lstStyle/>
+          <a:p>
+            <a:pPr marL="0" indent="0" algn="ctr">
+              <a:lnSpc>
+                <a:spcPct val="150000"/>
+              </a:lnSpc>
+              <a:buNone/>
+            </a:pPr>
+            <a:r>
+              <a:rPr lang="en-US" sz="3700" kern="0" dirty="0">
+                <a:effectLst/>
+                <a:latin typeface="Calibri" panose="020F0502020204030204" pitchFamily="34" charset="0"/>
+                <a:ea typeface="Times New Roman" panose="02020603050405020304" pitchFamily="18" charset="0"/>
+              </a:rPr>
+              <a:t>How does the changing weather conditions affect energy consumption? </a:t>
+            </a:r>
+            <a:endParaRPr lang="en-US" sz="3700" dirty="0"/>
+          </a:p>
+        </p:txBody>
+      </p:sp>
+      <p:cxnSp>
+        <p:nvCxnSpPr>
+          <p:cNvPr id="4" name="Straight Connector 3">
+            <a:extLst>
+              <a:ext uri="{FF2B5EF4-FFF2-40B4-BE49-F238E27FC236}">
+                <a16:creationId xmlns:a16="http://schemas.microsoft.com/office/drawing/2014/main" id="{79A3C1E3-AEC1-ECD4-C6DB-A8DBF89459F4}"/>
+              </a:ext>
+            </a:extLst>
+          </p:cNvPr>
+          <p:cNvCxnSpPr/>
+          <p:nvPr/>
+        </p:nvCxnSpPr>
+        <p:spPr>
+          <a:xfrm>
+            <a:off x="4345781" y="1543050"/>
+            <a:ext cx="3500437" cy="0"/>
+          </a:xfrm>
+          <a:prstGeom prst="line">
+            <a:avLst/>
+          </a:prstGeom>
+          <a:ln w="57150">
+            <a:solidFill>
+              <a:schemeClr val="accent2">
+                <a:lumMod val="60000"/>
+                <a:lumOff val="40000"/>
+              </a:schemeClr>
+            </a:solidFill>
+          </a:ln>
+        </p:spPr>
+        <p:style>
+          <a:lnRef idx="1">
+            <a:schemeClr val="accent1"/>
+          </a:lnRef>
+          <a:fillRef idx="0">
+            <a:schemeClr val="accent1"/>
+          </a:fillRef>
+          <a:effectRef idx="0">
+            <a:schemeClr val="accent1"/>
+          </a:effectRef>
+          <a:fontRef idx="minor">
+            <a:schemeClr val="tx1"/>
+          </a:fontRef>
+        </p:style>
+      </p:cxnSp>
+      <p:sp>
+        <p:nvSpPr>
+          <p:cNvPr id="5" name="Content Placeholder 2">
+            <a:extLst>
+              <a:ext uri="{FF2B5EF4-FFF2-40B4-BE49-F238E27FC236}">
+                <a16:creationId xmlns:a16="http://schemas.microsoft.com/office/drawing/2014/main" id="{248A9A75-E35C-7FA7-B345-8A753D0EC2FB}"/>
+              </a:ext>
+            </a:extLst>
+          </p:cNvPr>
+          <p:cNvSpPr txBox="1">
+            <a:spLocks/>
+          </p:cNvSpPr>
+          <p:nvPr/>
+        </p:nvSpPr>
+        <p:spPr>
+          <a:xfrm>
+            <a:off x="838199" y="4432518"/>
+            <a:ext cx="10515600" cy="1937285"/>
+          </a:xfrm>
+          <a:prstGeom prst="rect">
+            <a:avLst/>
+          </a:prstGeom>
+        </p:spPr>
+        <p:txBody>
+          <a:bodyPr vert="horz" lIns="91440" tIns="45720" rIns="91440" bIns="45720" rtlCol="0">
+            <a:normAutofit/>
+          </a:bodyPr>
+          <a:lstStyle>
+            <a:lvl1pPr marL="228600" indent="-228600" algn="l" defTabSz="914400" rtl="0" eaLnBrk="1" latinLnBrk="0" hangingPunct="1">
+              <a:lnSpc>
+                <a:spcPct val="90000"/>
+              </a:lnSpc>
+              <a:spcBef>
+                <a:spcPts val="1000"/>
+              </a:spcBef>
+              <a:buFont typeface="Arial" panose="020B0604020202020204" pitchFamily="34" charset="0"/>
+              <a:buChar char="•"/>
+              <a:defRPr sz="2800" kern="1200">
+                <a:solidFill>
+                  <a:schemeClr val="tx1"/>
+                </a:solidFill>
+                <a:latin typeface="+mn-lt"/>
+                <a:ea typeface="+mn-ea"/>
+                <a:cs typeface="+mn-cs"/>
+              </a:defRPr>
+            </a:lvl1pPr>
+            <a:lvl2pPr marL="685800" indent="-228600" algn="l" defTabSz="914400" rtl="0" eaLnBrk="1" latinLnBrk="0" hangingPunct="1">
+              <a:lnSpc>
+                <a:spcPct val="90000"/>
+              </a:lnSpc>
+              <a:spcBef>
+                <a:spcPts val="500"/>
+              </a:spcBef>
+              <a:buFont typeface="Arial" panose="020B0604020202020204" pitchFamily="34" charset="0"/>
+              <a:buChar char="•"/>
+              <a:defRPr sz="2400" kern="1200">
+                <a:solidFill>
+                  <a:schemeClr val="tx1"/>
+                </a:solidFill>
+                <a:latin typeface="+mn-lt"/>
+                <a:ea typeface="+mn-ea"/>
+                <a:cs typeface="+mn-cs"/>
+              </a:defRPr>
+            </a:lvl2pPr>
+            <a:lvl3pPr marL="1143000" indent="-228600" algn="l" defTabSz="914400" rtl="0" eaLnBrk="1" latinLnBrk="0" hangingPunct="1">
+              <a:lnSpc>
+                <a:spcPct val="90000"/>
+              </a:lnSpc>
+              <a:spcBef>
+                <a:spcPts val="500"/>
+              </a:spcBef>
+              <a:buFont typeface="Arial" panose="020B0604020202020204" pitchFamily="34" charset="0"/>
+              <a:buChar char="•"/>
+              <a:defRPr sz="2000" kern="1200">
+                <a:solidFill>
+                  <a:schemeClr val="tx1"/>
+                </a:solidFill>
+                <a:latin typeface="+mn-lt"/>
+                <a:ea typeface="+mn-ea"/>
+                <a:cs typeface="+mn-cs"/>
+              </a:defRPr>
+            </a:lvl3pPr>
+            <a:lvl4pPr marL="1600200" indent="-228600" algn="l" defTabSz="914400" rtl="0" eaLnBrk="1" latinLnBrk="0" hangingPunct="1">
+              <a:lnSpc>
+                <a:spcPct val="90000"/>
+              </a:lnSpc>
+              <a:spcBef>
+                <a:spcPts val="500"/>
+              </a:spcBef>
+              <a:buFont typeface="Arial" panose="020B0604020202020204" pitchFamily="34" charset="0"/>
+              <a:buChar char="•"/>
+              <a:defRPr sz="1800" kern="1200">
+                <a:solidFill>
+                  <a:schemeClr val="tx1"/>
+                </a:solidFill>
+                <a:latin typeface="+mn-lt"/>
+                <a:ea typeface="+mn-ea"/>
+                <a:cs typeface="+mn-cs"/>
+              </a:defRPr>
+            </a:lvl4pPr>
+            <a:lvl5pPr marL="2057400" indent="-228600" algn="l" defTabSz="914400" rtl="0" eaLnBrk="1" latinLnBrk="0" hangingPunct="1">
+              <a:lnSpc>
+                <a:spcPct val="90000"/>
+              </a:lnSpc>
+              <a:spcBef>
+                <a:spcPts val="500"/>
+              </a:spcBef>
+              <a:buFont typeface="Arial" panose="020B0604020202020204" pitchFamily="34" charset="0"/>
+              <a:buChar char="•"/>
+              <a:defRPr sz="1800" kern="1200">
+                <a:solidFill>
+                  <a:schemeClr val="tx1"/>
+                </a:solidFill>
+                <a:latin typeface="+mn-lt"/>
+                <a:ea typeface="+mn-ea"/>
+                <a:cs typeface="+mn-cs"/>
+              </a:defRPr>
+            </a:lvl5pPr>
+            <a:lvl6pPr marL="2514600" indent="-228600" algn="l" defTabSz="914400" rtl="0" eaLnBrk="1" latinLnBrk="0" hangingPunct="1">
+              <a:lnSpc>
+                <a:spcPct val="90000"/>
+              </a:lnSpc>
+              <a:spcBef>
+                <a:spcPts val="500"/>
+              </a:spcBef>
+              <a:buFont typeface="Arial" panose="020B0604020202020204" pitchFamily="34" charset="0"/>
+              <a:buChar char="•"/>
+              <a:defRPr sz="1800" kern="1200">
+                <a:solidFill>
+                  <a:schemeClr val="tx1"/>
+                </a:solidFill>
+                <a:latin typeface="+mn-lt"/>
+                <a:ea typeface="+mn-ea"/>
+                <a:cs typeface="+mn-cs"/>
+              </a:defRPr>
+            </a:lvl6pPr>
+            <a:lvl7pPr marL="2971800" indent="-228600" algn="l" defTabSz="914400" rtl="0" eaLnBrk="1" latinLnBrk="0" hangingPunct="1">
+              <a:lnSpc>
+                <a:spcPct val="90000"/>
+              </a:lnSpc>
+              <a:spcBef>
+                <a:spcPts val="500"/>
+              </a:spcBef>
+              <a:buFont typeface="Arial" panose="020B0604020202020204" pitchFamily="34" charset="0"/>
+              <a:buChar char="•"/>
+              <a:defRPr sz="1800" kern="1200">
+                <a:solidFill>
+                  <a:schemeClr val="tx1"/>
+                </a:solidFill>
+                <a:latin typeface="+mn-lt"/>
+                <a:ea typeface="+mn-ea"/>
+                <a:cs typeface="+mn-cs"/>
+              </a:defRPr>
+            </a:lvl7pPr>
+            <a:lvl8pPr marL="3429000" indent="-228600" algn="l" defTabSz="914400" rtl="0" eaLnBrk="1" latinLnBrk="0" hangingPunct="1">
+              <a:lnSpc>
+                <a:spcPct val="90000"/>
+              </a:lnSpc>
+              <a:spcBef>
+                <a:spcPts val="500"/>
+              </a:spcBef>
+              <a:buFont typeface="Arial" panose="020B0604020202020204" pitchFamily="34" charset="0"/>
+              <a:buChar char="•"/>
+              <a:defRPr sz="1800" kern="1200">
+                <a:solidFill>
+                  <a:schemeClr val="tx1"/>
+                </a:solidFill>
+                <a:latin typeface="+mn-lt"/>
+                <a:ea typeface="+mn-ea"/>
+                <a:cs typeface="+mn-cs"/>
+              </a:defRPr>
+            </a:lvl8pPr>
+            <a:lvl9pPr marL="3886200" indent="-228600" algn="l" defTabSz="914400" rtl="0" eaLnBrk="1" latinLnBrk="0" hangingPunct="1">
+              <a:lnSpc>
+                <a:spcPct val="90000"/>
+              </a:lnSpc>
+              <a:spcBef>
+                <a:spcPts val="500"/>
+              </a:spcBef>
+              <a:buFont typeface="Arial" panose="020B0604020202020204" pitchFamily="34" charset="0"/>
+              <a:buChar char="•"/>
+              <a:defRPr sz="1800" kern="1200">
+                <a:solidFill>
+                  <a:schemeClr val="tx1"/>
+                </a:solidFill>
+                <a:latin typeface="+mn-lt"/>
+                <a:ea typeface="+mn-ea"/>
+                <a:cs typeface="+mn-cs"/>
+              </a:defRPr>
+            </a:lvl9pPr>
+          </a:lstStyle>
+          <a:p>
+            <a:pPr marL="0" indent="0" algn="ctr">
+              <a:lnSpc>
+                <a:spcPct val="150000"/>
+              </a:lnSpc>
+              <a:buFont typeface="Arial" panose="020B0604020202020204" pitchFamily="34" charset="0"/>
+              <a:buNone/>
+            </a:pPr>
+            <a:r>
+              <a:rPr lang="en-US" sz="3700" dirty="0">
+                <a:latin typeface="Calibri" panose="020F0502020204030204" pitchFamily="34" charset="0"/>
+                <a:ea typeface="Times New Roman" panose="02020603050405020304" pitchFamily="18" charset="0"/>
+              </a:rPr>
+              <a:t>Could weather patterns help us predict the renewable energy demand? </a:t>
+            </a:r>
+            <a:endParaRPr lang="en-US" sz="3700" dirty="0">
+              <a:latin typeface="Times New Roman" panose="02020603050405020304" pitchFamily="18" charset="0"/>
+              <a:ea typeface="Times New Roman" panose="02020603050405020304" pitchFamily="18" charset="0"/>
+            </a:endParaRPr>
+          </a:p>
+        </p:txBody>
+      </p:sp>
+    </p:spTree>
+    <p:extLst>
+      <p:ext uri="{BB962C8B-B14F-4D97-AF65-F5344CB8AC3E}">
+        <p14:creationId xmlns:p14="http://schemas.microsoft.com/office/powerpoint/2010/main" val="3152513031"/>
+      </p:ext>
+    </p:extLst>
+  </p:cSld>
+  <p:clrMapOvr>
+    <a:masterClrMapping/>
+  </p:clrMapOvr>
+  <p:timing>
+    <p:tnLst>
+      <p:par>
+        <p:cTn id="1" dur="indefinite" restart="never" nodeType="tmRoot">
+          <p:childTnLst>
+            <p:seq concurrent="1" nextAc="seek">
+              <p:cTn id="2" dur="indefinite" nodeType="mainSeq">
+                <p:childTnLst>
+                  <p:par>
+                    <p:cTn id="3" fill="hold">
+                      <p:stCondLst>
+                        <p:cond delay="indefinite"/>
+                      </p:stCondLst>
+                      <p:childTnLst>
+                        <p:par>
+                          <p:cTn id="4" fill="hold">
+                            <p:stCondLst>
+                              <p:cond delay="0"/>
+                            </p:stCondLst>
+                            <p:childTnLst>
+                              <p:par>
+                                <p:cTn id="5" presetID="1" presetClass="entr" presetSubtype="0" fill="hold" grpId="0" nodeType="clickEffect">
+                                  <p:stCondLst>
+                                    <p:cond delay="0"/>
+                                  </p:stCondLst>
+                                  <p:childTnLst>
+                                    <p:set>
+                                      <p:cBhvr>
+                                        <p:cTn id="6" dur="1" fill="hold">
+                                          <p:stCondLst>
+                                            <p:cond delay="0"/>
+                                          </p:stCondLst>
+                                        </p:cTn>
+                                        <p:tgtEl>
+                                          <p:spTgt spid="3">
+                                            <p:txEl>
+                                              <p:pRg st="0" end="0"/>
+                                            </p:txEl>
+                                          </p:spTgt>
+                                        </p:tgtEl>
+                                        <p:attrNameLst>
+                                          <p:attrName>style.visibility</p:attrName>
+                                        </p:attrNameLst>
+                                      </p:cBhvr>
+                                      <p:to>
+                                        <p:strVal val="visible"/>
+                                      </p:to>
+                                    </p:set>
+                                  </p:childTnLst>
+                                  <p:subTnLst>
+                                    <p:animClr clrSpc="rgb" dir="cw">
+                                      <p:cBhvr override="childStyle">
+                                        <p:cTn dur="1" fill="hold" display="0" masterRel="nextClick" afterEffect="1"/>
+                                        <p:tgtEl>
+                                          <p:spTgt spid="3">
+                                            <p:txEl>
+                                              <p:pRg st="0" end="0"/>
+                                            </p:txEl>
+                                          </p:spTgt>
+                                        </p:tgtEl>
+                                        <p:attrNameLst>
+                                          <p:attrName>ppt_c</p:attrName>
+                                        </p:attrNameLst>
+                                      </p:cBhvr>
+                                      <p:to>
+                                        <a:srgbClr val="424242"/>
+                                      </p:to>
+                                    </p:animClr>
+                                  </p:subTnLst>
+                                </p:cTn>
+                              </p:par>
+                            </p:childTnLst>
+                          </p:cTn>
+                        </p:par>
+                      </p:childTnLst>
+                    </p:cTn>
+                  </p:par>
+                  <p:par>
+                    <p:cTn id="7" fill="hold">
+                      <p:stCondLst>
+                        <p:cond delay="indefinite"/>
+                      </p:stCondLst>
+                      <p:childTnLst>
+                        <p:par>
+                          <p:cTn id="8" fill="hold">
+                            <p:stCondLst>
+                              <p:cond delay="0"/>
+                            </p:stCondLst>
+                            <p:childTnLst>
+                              <p:par>
+                                <p:cTn id="9" presetID="1" presetClass="entr" presetSubtype="0" fill="hold" grpId="0" nodeType="clickEffect">
+                                  <p:stCondLst>
+                                    <p:cond delay="0"/>
+                                  </p:stCondLst>
+                                  <p:childTnLst>
+                                    <p:set>
+                                      <p:cBhvr>
+                                        <p:cTn id="10" dur="1" fill="hold">
+                                          <p:stCondLst>
+                                            <p:cond delay="0"/>
+                                          </p:stCondLst>
+                                        </p:cTn>
+                                        <p:tgtEl>
+                                          <p:spTgt spid="5"/>
+                                        </p:tgtEl>
+                                        <p:attrNameLst>
+                                          <p:attrName>style.visibility</p:attrName>
+                                        </p:attrNameLst>
+                                      </p:cBhvr>
+                                      <p:to>
+                                        <p:strVal val="visible"/>
+                                      </p:to>
+                                    </p:set>
+                                  </p:childTnLst>
+                                </p:cTn>
+                              </p:par>
+                            </p:childTnLst>
+                          </p:cTn>
+                        </p:par>
+                      </p:childTnLst>
+                    </p:cTn>
+                  </p:par>
+                </p:childTnLst>
+              </p:cTn>
+              <p:prevCondLst>
+                <p:cond evt="onPrev" delay="0">
+                  <p:tgtEl>
+                    <p:sldTgt/>
+                  </p:tgtEl>
+                </p:cond>
+              </p:prevCondLst>
+              <p:nextCondLst>
+                <p:cond evt="onNext" delay="0">
+                  <p:tgtEl>
+                    <p:sldTgt/>
+                  </p:tgtEl>
+                </p:cond>
+              </p:nextCondLst>
+            </p:seq>
+          </p:childTnLst>
+        </p:cTn>
+      </p:par>
+    </p:tnLst>
+    <p:bldLst>
+      <p:bldP spid="3" grpId="0" build="p"/>
+      <p:bldP spid="5" grpId="0"/>
+    </p:bldLst>
+  </p:timing>
+</p:sld>
+</file>
+
+<file path=ppt/slides/slide3.xml><?xml version="1.0" encoding="utf-8"?>
+<p:sld xmlns:a="http://schemas.openxmlformats.org/drawingml/2006/main" xmlns:r="http://schemas.openxmlformats.org/officeDocument/2006/relationships" xmlns:p="http://schemas.openxmlformats.org/presentationml/2006/main">
+  <p:cSld>
+    <p:spTree>
+      <p:nvGrpSpPr>
+        <p:cNvPr id="1" name=""/>
+        <p:cNvGrpSpPr/>
+        <p:nvPr/>
+      </p:nvGrpSpPr>
+      <p:grpSpPr>
+        <a:xfrm>
+          <a:off x="0" y="0"/>
+          <a:ext cx="0" cy="0"/>
+          <a:chOff x="0" y="0"/>
+          <a:chExt cx="0" cy="0"/>
+        </a:xfrm>
+      </p:grpSpPr>
+      <p:sp>
+        <p:nvSpPr>
+          <p:cNvPr id="2" name="Title 1">
+            <a:extLst>
+              <a:ext uri="{FF2B5EF4-FFF2-40B4-BE49-F238E27FC236}">
+                <a16:creationId xmlns:a16="http://schemas.microsoft.com/office/drawing/2014/main" id="{2214590D-C8D0-CFA2-8471-BC8275D5C9C0}"/>
+              </a:ext>
+            </a:extLst>
+          </p:cNvPr>
+          <p:cNvSpPr>
+            <a:spLocks noGrp="1"/>
+          </p:cNvSpPr>
+          <p:nvPr>
+            <p:ph type="title"/>
+          </p:nvPr>
+        </p:nvSpPr>
+        <p:spPr/>
+        <p:txBody>
+          <a:bodyPr/>
+          <a:lstStyle/>
+          <a:p>
+            <a:pPr algn="ctr"/>
+            <a:r>
+              <a:rPr lang="en-US" b="1" dirty="0"/>
+              <a:t>Solution</a:t>
+            </a:r>
+          </a:p>
+        </p:txBody>
+      </p:sp>
+      <p:sp>
+        <p:nvSpPr>
+          <p:cNvPr id="3" name="Content Placeholder 2">
+            <a:extLst>
+              <a:ext uri="{FF2B5EF4-FFF2-40B4-BE49-F238E27FC236}">
+                <a16:creationId xmlns:a16="http://schemas.microsoft.com/office/drawing/2014/main" id="{24A1C275-42B1-EA3C-BD95-5856FD9BF163}"/>
+              </a:ext>
+            </a:extLst>
+          </p:cNvPr>
+          <p:cNvSpPr>
+            <a:spLocks noGrp="1"/>
+          </p:cNvSpPr>
+          <p:nvPr>
+            <p:ph idx="1"/>
+          </p:nvPr>
+        </p:nvSpPr>
+        <p:spPr>
+          <a:xfrm>
+            <a:off x="838200" y="2141383"/>
+            <a:ext cx="10515600" cy="3990975"/>
+          </a:xfrm>
+        </p:spPr>
+        <p:txBody>
+          <a:bodyPr>
+            <a:normAutofit/>
+          </a:bodyPr>
+          <a:lstStyle/>
+          <a:p>
+            <a:pPr marL="0" indent="0" algn="ctr">
+              <a:lnSpc>
+                <a:spcPct val="150000"/>
+              </a:lnSpc>
+              <a:buNone/>
+            </a:pPr>
+            <a:r>
+              <a:rPr lang="en-US" sz="4000" kern="0" dirty="0">
+                <a:effectLst/>
+                <a:latin typeface="Calibri" panose="020F0502020204030204" pitchFamily="34" charset="0"/>
+                <a:ea typeface="Times New Roman" panose="02020603050405020304" pitchFamily="18" charset="0"/>
+              </a:rPr>
+              <a:t>Sun irradiation (GHI) helps us predict the energy consumption and is a key indicator for renewable energy possibilities</a:t>
+            </a:r>
+            <a:endParaRPr lang="en-US" sz="4000" dirty="0">
+              <a:effectLst/>
+              <a:latin typeface="Times New Roman" panose="02020603050405020304" pitchFamily="18" charset="0"/>
+              <a:ea typeface="Times New Roman" panose="02020603050405020304" pitchFamily="18" charset="0"/>
+            </a:endParaRPr>
+          </a:p>
+          <a:p>
+            <a:pPr marL="0" indent="0" algn="ctr">
+              <a:buNone/>
+            </a:pPr>
+            <a:endParaRPr lang="en-US" sz="4000" dirty="0"/>
+          </a:p>
+        </p:txBody>
+      </p:sp>
+      <p:cxnSp>
+        <p:nvCxnSpPr>
+          <p:cNvPr id="4" name="Straight Connector 3">
+            <a:extLst>
+              <a:ext uri="{FF2B5EF4-FFF2-40B4-BE49-F238E27FC236}">
+                <a16:creationId xmlns:a16="http://schemas.microsoft.com/office/drawing/2014/main" id="{3C7F1CCD-8D6D-F2D5-A0BF-975718B08EF2}"/>
+              </a:ext>
+            </a:extLst>
+          </p:cNvPr>
+          <p:cNvCxnSpPr/>
+          <p:nvPr/>
+        </p:nvCxnSpPr>
+        <p:spPr>
+          <a:xfrm>
+            <a:off x="4345781" y="1543050"/>
+            <a:ext cx="3500437" cy="0"/>
+          </a:xfrm>
+          <a:prstGeom prst="line">
+            <a:avLst/>
+          </a:prstGeom>
+          <a:ln w="57150">
+            <a:solidFill>
+              <a:schemeClr val="accent2">
+                <a:lumMod val="60000"/>
+                <a:lumOff val="40000"/>
+              </a:schemeClr>
+            </a:solidFill>
+          </a:ln>
+        </p:spPr>
+        <p:style>
+          <a:lnRef idx="1">
+            <a:schemeClr val="accent1"/>
+          </a:lnRef>
+          <a:fillRef idx="0">
+            <a:schemeClr val="accent1"/>
+          </a:fillRef>
+          <a:effectRef idx="0">
+            <a:schemeClr val="accent1"/>
+          </a:effectRef>
+          <a:fontRef idx="minor">
+            <a:schemeClr val="tx1"/>
+          </a:fontRef>
+        </p:style>
+      </p:cxnSp>
+    </p:spTree>
+    <p:extLst>
+      <p:ext uri="{BB962C8B-B14F-4D97-AF65-F5344CB8AC3E}">
+        <p14:creationId xmlns:p14="http://schemas.microsoft.com/office/powerpoint/2010/main" val="2143565673"/>
+      </p:ext>
+    </p:extLst>
+  </p:cSld>
+  <p:clrMapOvr>
+    <a:masterClrMapping/>
+  </p:clrMapOvr>
+  <p:timing>
+    <p:tnLst>
+      <p:par>
+        <p:cTn id="1" dur="indefinite" restart="never" nodeType="tmRoot">
+          <p:childTnLst>
+            <p:seq concurrent="1" nextAc="seek">
+              <p:cTn id="2" dur="indefinite" nodeType="mainSeq">
+                <p:childTnLst>
+                  <p:par>
+                    <p:cTn id="3" fill="hold">
+                      <p:stCondLst>
+                        <p:cond delay="indefinite"/>
+                      </p:stCondLst>
+                      <p:childTnLst>
+                        <p:par>
+                          <p:cTn id="4" fill="hold">
+                            <p:stCondLst>
+                              <p:cond delay="0"/>
+                            </p:stCondLst>
+                            <p:childTnLst>
+                              <p:par>
+                                <p:cTn id="5" presetID="1" presetClass="entr" presetSubtype="0" fill="hold" grpId="0" nodeType="clickEffect">
+                                  <p:stCondLst>
+                                    <p:cond delay="0"/>
+                                  </p:stCondLst>
+                                  <p:childTnLst>
+                                    <p:set>
+                                      <p:cBhvr>
+                                        <p:cTn id="6" dur="1" fill="hold">
+                                          <p:stCondLst>
+                                            <p:cond delay="0"/>
+                                          </p:stCondLst>
+                                        </p:cTn>
+                                        <p:tgtEl>
+                                          <p:spTgt spid="3">
+                                            <p:txEl>
+                                              <p:pRg st="0" end="0"/>
+                                            </p:txEl>
+                                          </p:spTgt>
+                                        </p:tgtEl>
+                                        <p:attrNameLst>
+                                          <p:attrName>style.visibility</p:attrName>
+                                        </p:attrNameLst>
+                                      </p:cBhvr>
+                                      <p:to>
+                                        <p:strVal val="visible"/>
+                                      </p:to>
+                                    </p:set>
+                                  </p:childTnLst>
+                                </p:cTn>
+                              </p:par>
+                            </p:childTnLst>
+                          </p:cTn>
+                        </p:par>
+                      </p:childTnLst>
+                    </p:cTn>
+                  </p:par>
+                </p:childTnLst>
+              </p:cTn>
+              <p:prevCondLst>
+                <p:cond evt="onPrev" delay="0">
+                  <p:tgtEl>
+                    <p:sldTgt/>
+                  </p:tgtEl>
+                </p:cond>
+              </p:prevCondLst>
+              <p:nextCondLst>
+                <p:cond evt="onNext" delay="0">
+                  <p:tgtEl>
+                    <p:sldTgt/>
+                  </p:tgtEl>
+                </p:cond>
+              </p:nextCondLst>
+            </p:seq>
+          </p:childTnLst>
+        </p:cTn>
+      </p:par>
+    </p:tnLst>
+    <p:bldLst>
+      <p:bldP spid="3" grpId="0" build="p"/>
+    </p:bldLst>
+  </p:timing>
+</p:sld>
+</file>
+
+<file path=ppt/slides/slide4.xml><?xml version="1.0" encoding="utf-8"?>
+<p:sld xmlns:a="http://schemas.openxmlformats.org/drawingml/2006/main" xmlns:r="http://schemas.openxmlformats.org/officeDocument/2006/relationships" xmlns:p="http://schemas.openxmlformats.org/presentationml/2006/main">
+  <p:cSld>
+    <p:spTree>
+      <p:nvGrpSpPr>
+        <p:cNvPr id="1" name=""/>
+        <p:cNvGrpSpPr/>
+        <p:nvPr/>
+      </p:nvGrpSpPr>
+      <p:grpSpPr>
+        <a:xfrm>
+          <a:off x="0" y="0"/>
+          <a:ext cx="0" cy="0"/>
+          <a:chOff x="0" y="0"/>
+          <a:chExt cx="0" cy="0"/>
+        </a:xfrm>
+      </p:grpSpPr>
+      <p:sp>
+        <p:nvSpPr>
+          <p:cNvPr id="2" name="Title 1">
+            <a:extLst>
+              <a:ext uri="{FF2B5EF4-FFF2-40B4-BE49-F238E27FC236}">
+                <a16:creationId xmlns:a16="http://schemas.microsoft.com/office/drawing/2014/main" id="{2214590D-C8D0-CFA2-8471-BC8275D5C9C0}"/>
+              </a:ext>
+            </a:extLst>
+          </p:cNvPr>
+          <p:cNvSpPr>
+            <a:spLocks noGrp="1"/>
+          </p:cNvSpPr>
+          <p:nvPr>
+            <p:ph type="title"/>
+          </p:nvPr>
+        </p:nvSpPr>
+        <p:spPr/>
+        <p:txBody>
+          <a:bodyPr/>
+          <a:lstStyle/>
+          <a:p>
+            <a:pPr algn="ctr"/>
+            <a:r>
+              <a:rPr lang="en-US" b="1" dirty="0"/>
+              <a:t>Data Source</a:t>
+            </a:r>
+          </a:p>
+        </p:txBody>
+      </p:sp>
+      <p:sp>
+        <p:nvSpPr>
+          <p:cNvPr id="3" name="Content Placeholder 2">
+            <a:extLst>
+              <a:ext uri="{FF2B5EF4-FFF2-40B4-BE49-F238E27FC236}">
+                <a16:creationId xmlns:a16="http://schemas.microsoft.com/office/drawing/2014/main" id="{24A1C275-42B1-EA3C-BD95-5856FD9BF163}"/>
+              </a:ext>
+            </a:extLst>
+          </p:cNvPr>
+          <p:cNvSpPr>
+            <a:spLocks noGrp="1"/>
+          </p:cNvSpPr>
+          <p:nvPr>
+            <p:ph idx="1"/>
+          </p:nvPr>
+        </p:nvSpPr>
+        <p:spPr>
+          <a:xfrm>
+            <a:off x="838200" y="2185987"/>
+            <a:ext cx="10515600" cy="913674"/>
+          </a:xfrm>
+        </p:spPr>
+        <p:txBody>
+          <a:bodyPr>
+            <a:normAutofit/>
+          </a:bodyPr>
+          <a:lstStyle/>
+          <a:p>
+            <a:pPr marL="0" indent="0">
+              <a:lnSpc>
+                <a:spcPct val="150000"/>
+              </a:lnSpc>
+              <a:buNone/>
+            </a:pPr>
+            <a:r>
+              <a:rPr lang="en-US" sz="2800" kern="0" dirty="0">
+                <a:effectLst/>
+                <a:latin typeface="Calibri" panose="020F0502020204030204" pitchFamily="34" charset="0"/>
+                <a:ea typeface="Times New Roman" panose="02020603050405020304" pitchFamily="18" charset="0"/>
+              </a:rPr>
+              <a:t>Country:   Poland</a:t>
+            </a:r>
+            <a:endParaRPr lang="en-US" b="0" i="0" u="none" strike="noStrike" dirty="0">
+              <a:effectLst/>
+            </a:endParaRPr>
+          </a:p>
+        </p:txBody>
+      </p:sp>
+      <p:cxnSp>
+        <p:nvCxnSpPr>
+          <p:cNvPr id="4" name="Straight Connector 3">
+            <a:extLst>
+              <a:ext uri="{FF2B5EF4-FFF2-40B4-BE49-F238E27FC236}">
+                <a16:creationId xmlns:a16="http://schemas.microsoft.com/office/drawing/2014/main" id="{3C7F1CCD-8D6D-F2D5-A0BF-975718B08EF2}"/>
+              </a:ext>
+            </a:extLst>
+          </p:cNvPr>
+          <p:cNvCxnSpPr/>
+          <p:nvPr/>
+        </p:nvCxnSpPr>
+        <p:spPr>
+          <a:xfrm>
+            <a:off x="4345781" y="1543050"/>
+            <a:ext cx="3500437" cy="0"/>
+          </a:xfrm>
+          <a:prstGeom prst="line">
+            <a:avLst/>
+          </a:prstGeom>
+          <a:ln w="57150">
+            <a:solidFill>
+              <a:schemeClr val="accent2">
+                <a:lumMod val="60000"/>
+                <a:lumOff val="40000"/>
+              </a:schemeClr>
+            </a:solidFill>
+          </a:ln>
+        </p:spPr>
+        <p:style>
+          <a:lnRef idx="1">
+            <a:schemeClr val="accent1"/>
+          </a:lnRef>
+          <a:fillRef idx="0">
+            <a:schemeClr val="accent1"/>
+          </a:fillRef>
+          <a:effectRef idx="0">
+            <a:schemeClr val="accent1"/>
+          </a:effectRef>
+          <a:fontRef idx="minor">
+            <a:schemeClr val="tx1"/>
+          </a:fontRef>
+        </p:style>
+      </p:cxnSp>
+      <p:sp>
+        <p:nvSpPr>
+          <p:cNvPr id="5" name="Content Placeholder 2">
+            <a:extLst>
+              <a:ext uri="{FF2B5EF4-FFF2-40B4-BE49-F238E27FC236}">
+                <a16:creationId xmlns:a16="http://schemas.microsoft.com/office/drawing/2014/main" id="{122DC8F5-04E7-CEB0-551B-9F70D3C055B5}"/>
+              </a:ext>
+            </a:extLst>
+          </p:cNvPr>
+          <p:cNvSpPr txBox="1">
+            <a:spLocks/>
+          </p:cNvSpPr>
+          <p:nvPr/>
+        </p:nvSpPr>
+        <p:spPr>
+          <a:xfrm>
+            <a:off x="838200" y="2991173"/>
+            <a:ext cx="10515600" cy="767167"/>
+          </a:xfrm>
+          <a:prstGeom prst="rect">
+            <a:avLst/>
+          </a:prstGeom>
+        </p:spPr>
+        <p:txBody>
+          <a:bodyPr vert="horz" lIns="91440" tIns="45720" rIns="91440" bIns="45720" rtlCol="0">
+            <a:normAutofit/>
+          </a:bodyPr>
+          <a:lstStyle>
+            <a:lvl1pPr marL="228600" indent="-228600" algn="l" defTabSz="914400" rtl="0" eaLnBrk="1" latinLnBrk="0" hangingPunct="1">
+              <a:lnSpc>
+                <a:spcPct val="90000"/>
+              </a:lnSpc>
+              <a:spcBef>
+                <a:spcPts val="1000"/>
+              </a:spcBef>
+              <a:buFont typeface="Arial" panose="020B0604020202020204" pitchFamily="34" charset="0"/>
+              <a:buChar char="•"/>
+              <a:defRPr sz="2800" kern="1200">
+                <a:solidFill>
+                  <a:schemeClr val="tx1"/>
+                </a:solidFill>
+                <a:latin typeface="+mn-lt"/>
+                <a:ea typeface="+mn-ea"/>
+                <a:cs typeface="+mn-cs"/>
+              </a:defRPr>
+            </a:lvl1pPr>
+            <a:lvl2pPr marL="685800" indent="-228600" algn="l" defTabSz="914400" rtl="0" eaLnBrk="1" latinLnBrk="0" hangingPunct="1">
+              <a:lnSpc>
+                <a:spcPct val="90000"/>
+              </a:lnSpc>
+              <a:spcBef>
+                <a:spcPts val="500"/>
+              </a:spcBef>
+              <a:buFont typeface="Arial" panose="020B0604020202020204" pitchFamily="34" charset="0"/>
+              <a:buChar char="•"/>
+              <a:defRPr sz="2400" kern="1200">
+                <a:solidFill>
+                  <a:schemeClr val="tx1"/>
+                </a:solidFill>
+                <a:latin typeface="+mn-lt"/>
+                <a:ea typeface="+mn-ea"/>
+                <a:cs typeface="+mn-cs"/>
+              </a:defRPr>
+            </a:lvl2pPr>
+            <a:lvl3pPr marL="1143000" indent="-228600" algn="l" defTabSz="914400" rtl="0" eaLnBrk="1" latinLnBrk="0" hangingPunct="1">
+              <a:lnSpc>
+                <a:spcPct val="90000"/>
+              </a:lnSpc>
+              <a:spcBef>
+                <a:spcPts val="500"/>
+              </a:spcBef>
+              <a:buFont typeface="Arial" panose="020B0604020202020204" pitchFamily="34" charset="0"/>
+              <a:buChar char="•"/>
+              <a:defRPr sz="2000" kern="1200">
+                <a:solidFill>
+                  <a:schemeClr val="tx1"/>
+                </a:solidFill>
+                <a:latin typeface="+mn-lt"/>
+                <a:ea typeface="+mn-ea"/>
+                <a:cs typeface="+mn-cs"/>
+              </a:defRPr>
+            </a:lvl3pPr>
+            <a:lvl4pPr marL="1600200" indent="-228600" algn="l" defTabSz="914400" rtl="0" eaLnBrk="1" latinLnBrk="0" hangingPunct="1">
+              <a:lnSpc>
+                <a:spcPct val="90000"/>
+              </a:lnSpc>
+              <a:spcBef>
+                <a:spcPts val="500"/>
+              </a:spcBef>
+              <a:buFont typeface="Arial" panose="020B0604020202020204" pitchFamily="34" charset="0"/>
+              <a:buChar char="•"/>
+              <a:defRPr sz="1800" kern="1200">
+                <a:solidFill>
+                  <a:schemeClr val="tx1"/>
+                </a:solidFill>
+                <a:latin typeface="+mn-lt"/>
+                <a:ea typeface="+mn-ea"/>
+                <a:cs typeface="+mn-cs"/>
+              </a:defRPr>
+            </a:lvl4pPr>
+            <a:lvl5pPr marL="2057400" indent="-228600" algn="l" defTabSz="914400" rtl="0" eaLnBrk="1" latinLnBrk="0" hangingPunct="1">
+              <a:lnSpc>
+                <a:spcPct val="90000"/>
+              </a:lnSpc>
+              <a:spcBef>
+                <a:spcPts val="500"/>
+              </a:spcBef>
+              <a:buFont typeface="Arial" panose="020B0604020202020204" pitchFamily="34" charset="0"/>
+              <a:buChar char="•"/>
+              <a:defRPr sz="1800" kern="1200">
+                <a:solidFill>
+                  <a:schemeClr val="tx1"/>
+                </a:solidFill>
+                <a:latin typeface="+mn-lt"/>
+                <a:ea typeface="+mn-ea"/>
+                <a:cs typeface="+mn-cs"/>
+              </a:defRPr>
+            </a:lvl5pPr>
+            <a:lvl6pPr marL="2514600" indent="-228600" algn="l" defTabSz="914400" rtl="0" eaLnBrk="1" latinLnBrk="0" hangingPunct="1">
+              <a:lnSpc>
+                <a:spcPct val="90000"/>
+              </a:lnSpc>
+              <a:spcBef>
+                <a:spcPts val="500"/>
+              </a:spcBef>
+              <a:buFont typeface="Arial" panose="020B0604020202020204" pitchFamily="34" charset="0"/>
+              <a:buChar char="•"/>
+              <a:defRPr sz="1800" kern="1200">
+                <a:solidFill>
+                  <a:schemeClr val="tx1"/>
+                </a:solidFill>
+                <a:latin typeface="+mn-lt"/>
+                <a:ea typeface="+mn-ea"/>
+                <a:cs typeface="+mn-cs"/>
+              </a:defRPr>
+            </a:lvl6pPr>
+            <a:lvl7pPr marL="2971800" indent="-228600" algn="l" defTabSz="914400" rtl="0" eaLnBrk="1" latinLnBrk="0" hangingPunct="1">
+              <a:lnSpc>
+                <a:spcPct val="90000"/>
+              </a:lnSpc>
+              <a:spcBef>
+                <a:spcPts val="500"/>
+              </a:spcBef>
+              <a:buFont typeface="Arial" panose="020B0604020202020204" pitchFamily="34" charset="0"/>
+              <a:buChar char="•"/>
+              <a:defRPr sz="1800" kern="1200">
+                <a:solidFill>
+                  <a:schemeClr val="tx1"/>
+                </a:solidFill>
+                <a:latin typeface="+mn-lt"/>
+                <a:ea typeface="+mn-ea"/>
+                <a:cs typeface="+mn-cs"/>
+              </a:defRPr>
+            </a:lvl7pPr>
+            <a:lvl8pPr marL="3429000" indent="-228600" algn="l" defTabSz="914400" rtl="0" eaLnBrk="1" latinLnBrk="0" hangingPunct="1">
+              <a:lnSpc>
+                <a:spcPct val="90000"/>
+              </a:lnSpc>
+              <a:spcBef>
+                <a:spcPts val="500"/>
+              </a:spcBef>
+              <a:buFont typeface="Arial" panose="020B0604020202020204" pitchFamily="34" charset="0"/>
+              <a:buChar char="•"/>
+              <a:defRPr sz="1800" kern="1200">
+                <a:solidFill>
+                  <a:schemeClr val="tx1"/>
+                </a:solidFill>
+                <a:latin typeface="+mn-lt"/>
+                <a:ea typeface="+mn-ea"/>
+                <a:cs typeface="+mn-cs"/>
+              </a:defRPr>
+            </a:lvl8pPr>
+            <a:lvl9pPr marL="3886200" indent="-228600" algn="l" defTabSz="914400" rtl="0" eaLnBrk="1" latinLnBrk="0" hangingPunct="1">
+              <a:lnSpc>
+                <a:spcPct val="90000"/>
+              </a:lnSpc>
+              <a:spcBef>
+                <a:spcPts val="500"/>
+              </a:spcBef>
+              <a:buFont typeface="Arial" panose="020B0604020202020204" pitchFamily="34" charset="0"/>
+              <a:buChar char="•"/>
+              <a:defRPr sz="1800" kern="1200">
+                <a:solidFill>
+                  <a:schemeClr val="tx1"/>
+                </a:solidFill>
+                <a:latin typeface="+mn-lt"/>
+                <a:ea typeface="+mn-ea"/>
+                <a:cs typeface="+mn-cs"/>
+              </a:defRPr>
+            </a:lvl9pPr>
+          </a:lstStyle>
+          <a:p>
+            <a:pPr marL="0" indent="0">
+              <a:lnSpc>
+                <a:spcPct val="150000"/>
+              </a:lnSpc>
+              <a:buFont typeface="Arial" panose="020B0604020202020204" pitchFamily="34" charset="0"/>
+              <a:buNone/>
+            </a:pPr>
+            <a:r>
+              <a:rPr lang="en-US" kern="0" dirty="0">
+                <a:latin typeface="Calibri" panose="020F0502020204030204" pitchFamily="34" charset="0"/>
+                <a:ea typeface="Times New Roman" panose="02020603050405020304" pitchFamily="18" charset="0"/>
+              </a:rPr>
+              <a:t>Collection Methodology:   </a:t>
+            </a:r>
+            <a:r>
+              <a:rPr lang="en-US" dirty="0" err="1"/>
+              <a:t>OpenWeatherMap</a:t>
+            </a:r>
+            <a:r>
+              <a:rPr lang="en-US" dirty="0"/>
+              <a:t> API</a:t>
+            </a:r>
+          </a:p>
+        </p:txBody>
+      </p:sp>
+      <p:sp>
+        <p:nvSpPr>
+          <p:cNvPr id="6" name="Content Placeholder 2">
+            <a:extLst>
+              <a:ext uri="{FF2B5EF4-FFF2-40B4-BE49-F238E27FC236}">
+                <a16:creationId xmlns:a16="http://schemas.microsoft.com/office/drawing/2014/main" id="{6E840BAB-D553-A2F4-8C28-455F066E5C8F}"/>
+              </a:ext>
+            </a:extLst>
+          </p:cNvPr>
+          <p:cNvSpPr txBox="1">
+            <a:spLocks/>
+          </p:cNvSpPr>
+          <p:nvPr/>
+        </p:nvSpPr>
+        <p:spPr>
+          <a:xfrm>
+            <a:off x="838200" y="3758340"/>
+            <a:ext cx="10515600" cy="805186"/>
+          </a:xfrm>
+          <a:prstGeom prst="rect">
+            <a:avLst/>
+          </a:prstGeom>
+        </p:spPr>
+        <p:txBody>
+          <a:bodyPr vert="horz" lIns="91440" tIns="45720" rIns="91440" bIns="45720" rtlCol="0">
+            <a:normAutofit/>
+          </a:bodyPr>
+          <a:lstStyle>
+            <a:lvl1pPr marL="228600" indent="-228600" algn="l" defTabSz="914400" rtl="0" eaLnBrk="1" latinLnBrk="0" hangingPunct="1">
+              <a:lnSpc>
+                <a:spcPct val="90000"/>
+              </a:lnSpc>
+              <a:spcBef>
+                <a:spcPts val="1000"/>
+              </a:spcBef>
+              <a:buFont typeface="Arial" panose="020B0604020202020204" pitchFamily="34" charset="0"/>
+              <a:buChar char="•"/>
+              <a:defRPr sz="2800" kern="1200">
+                <a:solidFill>
+                  <a:schemeClr val="tx1"/>
+                </a:solidFill>
+                <a:latin typeface="+mn-lt"/>
+                <a:ea typeface="+mn-ea"/>
+                <a:cs typeface="+mn-cs"/>
+              </a:defRPr>
+            </a:lvl1pPr>
+            <a:lvl2pPr marL="685800" indent="-228600" algn="l" defTabSz="914400" rtl="0" eaLnBrk="1" latinLnBrk="0" hangingPunct="1">
+              <a:lnSpc>
+                <a:spcPct val="90000"/>
+              </a:lnSpc>
+              <a:spcBef>
+                <a:spcPts val="500"/>
+              </a:spcBef>
+              <a:buFont typeface="Arial" panose="020B0604020202020204" pitchFamily="34" charset="0"/>
+              <a:buChar char="•"/>
+              <a:defRPr sz="2400" kern="1200">
+                <a:solidFill>
+                  <a:schemeClr val="tx1"/>
+                </a:solidFill>
+                <a:latin typeface="+mn-lt"/>
+                <a:ea typeface="+mn-ea"/>
+                <a:cs typeface="+mn-cs"/>
+              </a:defRPr>
+            </a:lvl2pPr>
+            <a:lvl3pPr marL="1143000" indent="-228600" algn="l" defTabSz="914400" rtl="0" eaLnBrk="1" latinLnBrk="0" hangingPunct="1">
+              <a:lnSpc>
+                <a:spcPct val="90000"/>
+              </a:lnSpc>
+              <a:spcBef>
+                <a:spcPts val="500"/>
+              </a:spcBef>
+              <a:buFont typeface="Arial" panose="020B0604020202020204" pitchFamily="34" charset="0"/>
+              <a:buChar char="•"/>
+              <a:defRPr sz="2000" kern="1200">
+                <a:solidFill>
+                  <a:schemeClr val="tx1"/>
+                </a:solidFill>
+                <a:latin typeface="+mn-lt"/>
+                <a:ea typeface="+mn-ea"/>
+                <a:cs typeface="+mn-cs"/>
+              </a:defRPr>
+            </a:lvl3pPr>
+            <a:lvl4pPr marL="1600200" indent="-228600" algn="l" defTabSz="914400" rtl="0" eaLnBrk="1" latinLnBrk="0" hangingPunct="1">
+              <a:lnSpc>
+                <a:spcPct val="90000"/>
+              </a:lnSpc>
+              <a:spcBef>
+                <a:spcPts val="500"/>
+              </a:spcBef>
+              <a:buFont typeface="Arial" panose="020B0604020202020204" pitchFamily="34" charset="0"/>
+              <a:buChar char="•"/>
+              <a:defRPr sz="1800" kern="1200">
+                <a:solidFill>
+                  <a:schemeClr val="tx1"/>
+                </a:solidFill>
+                <a:latin typeface="+mn-lt"/>
+                <a:ea typeface="+mn-ea"/>
+                <a:cs typeface="+mn-cs"/>
+              </a:defRPr>
+            </a:lvl4pPr>
+            <a:lvl5pPr marL="2057400" indent="-228600" algn="l" defTabSz="914400" rtl="0" eaLnBrk="1" latinLnBrk="0" hangingPunct="1">
+              <a:lnSpc>
+                <a:spcPct val="90000"/>
+              </a:lnSpc>
+              <a:spcBef>
+                <a:spcPts val="500"/>
+              </a:spcBef>
+              <a:buFont typeface="Arial" panose="020B0604020202020204" pitchFamily="34" charset="0"/>
+              <a:buChar char="•"/>
+              <a:defRPr sz="1800" kern="1200">
+                <a:solidFill>
+                  <a:schemeClr val="tx1"/>
+                </a:solidFill>
+                <a:latin typeface="+mn-lt"/>
+                <a:ea typeface="+mn-ea"/>
+                <a:cs typeface="+mn-cs"/>
+              </a:defRPr>
+            </a:lvl5pPr>
+            <a:lvl6pPr marL="2514600" indent="-228600" algn="l" defTabSz="914400" rtl="0" eaLnBrk="1" latinLnBrk="0" hangingPunct="1">
+              <a:lnSpc>
+                <a:spcPct val="90000"/>
+              </a:lnSpc>
+              <a:spcBef>
+                <a:spcPts val="500"/>
+              </a:spcBef>
+              <a:buFont typeface="Arial" panose="020B0604020202020204" pitchFamily="34" charset="0"/>
+              <a:buChar char="•"/>
+              <a:defRPr sz="1800" kern="1200">
+                <a:solidFill>
+                  <a:schemeClr val="tx1"/>
+                </a:solidFill>
+                <a:latin typeface="+mn-lt"/>
+                <a:ea typeface="+mn-ea"/>
+                <a:cs typeface="+mn-cs"/>
+              </a:defRPr>
+            </a:lvl6pPr>
+            <a:lvl7pPr marL="2971800" indent="-228600" algn="l" defTabSz="914400" rtl="0" eaLnBrk="1" latinLnBrk="0" hangingPunct="1">
+              <a:lnSpc>
+                <a:spcPct val="90000"/>
+              </a:lnSpc>
+              <a:spcBef>
+                <a:spcPts val="500"/>
+              </a:spcBef>
+              <a:buFont typeface="Arial" panose="020B0604020202020204" pitchFamily="34" charset="0"/>
+              <a:buChar char="•"/>
+              <a:defRPr sz="1800" kern="1200">
+                <a:solidFill>
+                  <a:schemeClr val="tx1"/>
+                </a:solidFill>
+                <a:latin typeface="+mn-lt"/>
+                <a:ea typeface="+mn-ea"/>
+                <a:cs typeface="+mn-cs"/>
+              </a:defRPr>
+            </a:lvl7pPr>
+            <a:lvl8pPr marL="3429000" indent="-228600" algn="l" defTabSz="914400" rtl="0" eaLnBrk="1" latinLnBrk="0" hangingPunct="1">
+              <a:lnSpc>
+                <a:spcPct val="90000"/>
+              </a:lnSpc>
+              <a:spcBef>
+                <a:spcPts val="500"/>
+              </a:spcBef>
+              <a:buFont typeface="Arial" panose="020B0604020202020204" pitchFamily="34" charset="0"/>
+              <a:buChar char="•"/>
+              <a:defRPr sz="1800" kern="1200">
+                <a:solidFill>
+                  <a:schemeClr val="tx1"/>
+                </a:solidFill>
+                <a:latin typeface="+mn-lt"/>
+                <a:ea typeface="+mn-ea"/>
+                <a:cs typeface="+mn-cs"/>
+              </a:defRPr>
+            </a:lvl8pPr>
+            <a:lvl9pPr marL="3886200" indent="-228600" algn="l" defTabSz="914400" rtl="0" eaLnBrk="1" latinLnBrk="0" hangingPunct="1">
+              <a:lnSpc>
+                <a:spcPct val="90000"/>
+              </a:lnSpc>
+              <a:spcBef>
+                <a:spcPts val="500"/>
+              </a:spcBef>
+              <a:buFont typeface="Arial" panose="020B0604020202020204" pitchFamily="34" charset="0"/>
+              <a:buChar char="•"/>
+              <a:defRPr sz="1800" kern="1200">
+                <a:solidFill>
+                  <a:schemeClr val="tx1"/>
+                </a:solidFill>
+                <a:latin typeface="+mn-lt"/>
+                <a:ea typeface="+mn-ea"/>
+                <a:cs typeface="+mn-cs"/>
+              </a:defRPr>
+            </a:lvl9pPr>
+          </a:lstStyle>
+          <a:p>
+            <a:pPr marL="0" indent="0">
+              <a:lnSpc>
+                <a:spcPct val="150000"/>
+              </a:lnSpc>
+              <a:buFont typeface="Arial" panose="020B0604020202020204" pitchFamily="34" charset="0"/>
+              <a:buNone/>
+            </a:pPr>
+            <a:r>
+              <a:rPr lang="en-US" dirty="0"/>
+              <a:t>Source link:  </a:t>
+            </a:r>
+            <a:r>
+              <a:rPr lang="en-US" sz="1600" dirty="0">
+                <a:latin typeface="Helvetica Neue" panose="02000503000000020004" pitchFamily="2" charset="0"/>
+              </a:rPr>
+              <a:t>https://</a:t>
+            </a:r>
+            <a:r>
+              <a:rPr lang="en-US" sz="1600" dirty="0" err="1">
+                <a:latin typeface="Helvetica Neue" panose="02000503000000020004" pitchFamily="2" charset="0"/>
+              </a:rPr>
+              <a:t>www.kaggle.com</a:t>
+            </a:r>
+            <a:r>
+              <a:rPr lang="en-US" sz="1600" dirty="0">
+                <a:latin typeface="Helvetica Neue" panose="02000503000000020004" pitchFamily="2" charset="0"/>
+              </a:rPr>
+              <a:t>/datasets/</a:t>
+            </a:r>
+            <a:r>
+              <a:rPr lang="en-US" sz="1600" dirty="0" err="1">
+                <a:latin typeface="Helvetica Neue" panose="02000503000000020004" pitchFamily="2" charset="0"/>
+              </a:rPr>
+              <a:t>samanemami</a:t>
+            </a:r>
+            <a:r>
+              <a:rPr lang="en-US" sz="1600" dirty="0">
+                <a:latin typeface="Helvetica Neue" panose="02000503000000020004" pitchFamily="2" charset="0"/>
+              </a:rPr>
+              <a:t>/renewable-energy-and-weather-conditions</a:t>
+            </a:r>
+            <a:endParaRPr lang="en-US" sz="1600" dirty="0"/>
+          </a:p>
+          <a:p>
+            <a:pPr marL="0" indent="0">
+              <a:buFont typeface="Arial" panose="020B0604020202020204" pitchFamily="34" charset="0"/>
+              <a:buNone/>
+            </a:pPr>
+            <a:endParaRPr lang="en-US" dirty="0"/>
+          </a:p>
+        </p:txBody>
+      </p:sp>
+    </p:spTree>
+    <p:extLst>
+      <p:ext uri="{BB962C8B-B14F-4D97-AF65-F5344CB8AC3E}">
+        <p14:creationId xmlns:p14="http://schemas.microsoft.com/office/powerpoint/2010/main" val="1470962292"/>
+      </p:ext>
+    </p:extLst>
+  </p:cSld>
+  <p:clrMapOvr>
+    <a:masterClrMapping/>
+  </p:clrMapOvr>
+  <p:timing>
+    <p:tnLst>
+      <p:par>
+        <p:cTn id="1" dur="indefinite" restart="never" nodeType="tmRoot">
+          <p:childTnLst>
+            <p:seq concurrent="1" nextAc="seek">
+              <p:cTn id="2" dur="indefinite" nodeType="mainSeq">
+                <p:childTnLst>
+                  <p:par>
+                    <p:cTn id="3" fill="hold">
+                      <p:stCondLst>
+                        <p:cond delay="indefinite"/>
+                      </p:stCondLst>
+                      <p:childTnLst>
+                        <p:par>
+                          <p:cTn id="4" fill="hold">
+                            <p:stCondLst>
+                              <p:cond delay="0"/>
+                            </p:stCondLst>
+                            <p:childTnLst>
+                              <p:par>
+                                <p:cTn id="5" presetID="1" presetClass="entr" presetSubtype="0" fill="hold" grpId="0" nodeType="clickEffect">
+                                  <p:stCondLst>
+                                    <p:cond delay="0"/>
+                                  </p:stCondLst>
+                                  <p:childTnLst>
+                                    <p:set>
+                                      <p:cBhvr>
+                                        <p:cTn id="6" dur="1" fill="hold">
+                                          <p:stCondLst>
+                                            <p:cond delay="0"/>
+                                          </p:stCondLst>
+                                        </p:cTn>
+                                        <p:tgtEl>
+                                          <p:spTgt spid="3">
+                                            <p:txEl>
+                                              <p:pRg st="0" end="0"/>
+                                            </p:txEl>
+                                          </p:spTgt>
+                                        </p:tgtEl>
+                                        <p:attrNameLst>
+                                          <p:attrName>style.visibility</p:attrName>
+                                        </p:attrNameLst>
+                                      </p:cBhvr>
+                                      <p:to>
+                                        <p:strVal val="visible"/>
+                                      </p:to>
+                                    </p:set>
+                                  </p:childTnLst>
+                                  <p:subTnLst>
+                                    <p:animClr clrSpc="rgb" dir="cw">
+                                      <p:cBhvr override="childStyle">
+                                        <p:cTn dur="1" fill="hold" display="0" masterRel="nextClick" afterEffect="1"/>
+                                        <p:tgtEl>
+                                          <p:spTgt spid="3">
+                                            <p:txEl>
+                                              <p:pRg st="0" end="0"/>
+                                            </p:txEl>
+                                          </p:spTgt>
+                                        </p:tgtEl>
+                                        <p:attrNameLst>
+                                          <p:attrName>ppt_c</p:attrName>
+                                        </p:attrNameLst>
+                                      </p:cBhvr>
+                                      <p:to>
+                                        <a:srgbClr val="424242"/>
+                                      </p:to>
+                                    </p:animClr>
+                                  </p:subTnLst>
+                                </p:cTn>
+                              </p:par>
+                            </p:childTnLst>
+                          </p:cTn>
+                        </p:par>
+                      </p:childTnLst>
+                    </p:cTn>
+                  </p:par>
+                  <p:par>
+                    <p:cTn id="7" fill="hold">
+                      <p:stCondLst>
+                        <p:cond delay="indefinite"/>
+                      </p:stCondLst>
+                      <p:childTnLst>
+                        <p:par>
+                          <p:cTn id="8" fill="hold">
+                            <p:stCondLst>
+                              <p:cond delay="0"/>
+                            </p:stCondLst>
+                            <p:childTnLst>
+                              <p:par>
+                                <p:cTn id="9" presetID="1" presetClass="entr" presetSubtype="0" fill="hold" grpId="0" nodeType="clickEffect">
+                                  <p:stCondLst>
+                                    <p:cond delay="0"/>
+                                  </p:stCondLst>
+                                  <p:childTnLst>
+                                    <p:set>
+                                      <p:cBhvr>
+                                        <p:cTn id="10" dur="1" fill="hold">
+                                          <p:stCondLst>
+                                            <p:cond delay="0"/>
+                                          </p:stCondLst>
+                                        </p:cTn>
+                                        <p:tgtEl>
+                                          <p:spTgt spid="5"/>
+                                        </p:tgtEl>
+                                        <p:attrNameLst>
+                                          <p:attrName>style.visibility</p:attrName>
+                                        </p:attrNameLst>
+                                      </p:cBhvr>
+                                      <p:to>
+                                        <p:strVal val="visible"/>
+                                      </p:to>
+                                    </p:set>
+                                  </p:childTnLst>
+                                  <p:subTnLst>
+                                    <p:animClr clrSpc="rgb" dir="cw">
+                                      <p:cBhvr override="childStyle">
+                                        <p:cTn dur="1" fill="hold" display="0" masterRel="nextClick" afterEffect="1"/>
+                                        <p:tgtEl>
+                                          <p:spTgt spid="5"/>
+                                        </p:tgtEl>
+                                        <p:attrNameLst>
+                                          <p:attrName>ppt_c</p:attrName>
+                                        </p:attrNameLst>
+                                      </p:cBhvr>
+                                      <p:to>
+                                        <a:srgbClr val="424242"/>
+                                      </p:to>
+                                    </p:animClr>
+                                  </p:subTnLst>
+                                </p:cTn>
+                              </p:par>
+                            </p:childTnLst>
+                          </p:cTn>
+                        </p:par>
+                      </p:childTnLst>
+                    </p:cTn>
+                  </p:par>
+                  <p:par>
+                    <p:cTn id="11" fill="hold">
+                      <p:stCondLst>
+                        <p:cond delay="indefinite"/>
+                      </p:stCondLst>
+                      <p:childTnLst>
+                        <p:par>
+                          <p:cTn id="12" fill="hold">
+                            <p:stCondLst>
+                              <p:cond delay="0"/>
+                            </p:stCondLst>
+                            <p:childTnLst>
+                              <p:par>
+                                <p:cTn id="13" presetID="1" presetClass="entr" presetSubtype="0" fill="hold" grpId="0" nodeType="clickEffect">
+                                  <p:stCondLst>
+                                    <p:cond delay="0"/>
+                                  </p:stCondLst>
+                                  <p:childTnLst>
+                                    <p:set>
+                                      <p:cBhvr>
+                                        <p:cTn id="14" dur="1" fill="hold">
+                                          <p:stCondLst>
+                                            <p:cond delay="0"/>
+                                          </p:stCondLst>
+                                        </p:cTn>
+                                        <p:tgtEl>
+                                          <p:spTgt spid="6"/>
+                                        </p:tgtEl>
+                                        <p:attrNameLst>
+                                          <p:attrName>style.visibility</p:attrName>
+                                        </p:attrNameLst>
+                                      </p:cBhvr>
+                                      <p:to>
+                                        <p:strVal val="visible"/>
+                                      </p:to>
+                                    </p:set>
+                                  </p:childTnLst>
+                                </p:cTn>
+                              </p:par>
+                            </p:childTnLst>
+                          </p:cTn>
+                        </p:par>
+                      </p:childTnLst>
+                    </p:cTn>
+                  </p:par>
+                </p:childTnLst>
+              </p:cTn>
+              <p:prevCondLst>
+                <p:cond evt="onPrev" delay="0">
+                  <p:tgtEl>
+                    <p:sldTgt/>
+                  </p:tgtEl>
+                </p:cond>
+              </p:prevCondLst>
+              <p:nextCondLst>
+                <p:cond evt="onNext" delay="0">
+                  <p:tgtEl>
+                    <p:sldTgt/>
+                  </p:tgtEl>
+                </p:cond>
+              </p:nextCondLst>
+            </p:seq>
+          </p:childTnLst>
+        </p:cTn>
+      </p:par>
+    </p:tnLst>
+    <p:bldLst>
+      <p:bldP spid="3" grpId="0" build="p"/>
+      <p:bldP spid="5" grpId="0"/>
+      <p:bldP spid="6" grpId="0"/>
+    </p:bldLst>
+  </p:timing>
+</p:sld>
+</file>
+
+<file path=ppt/slides/slide5.xml><?xml version="1.0" encoding="utf-8"?>
+<p:sld xmlns:a="http://schemas.openxmlformats.org/drawingml/2006/main" xmlns:r="http://schemas.openxmlformats.org/officeDocument/2006/relationships" xmlns:p="http://schemas.openxmlformats.org/presentationml/2006/main">
+  <p:cSld>
+    <p:spTree>
+      <p:nvGrpSpPr>
+        <p:cNvPr id="1" name=""/>
+        <p:cNvGrpSpPr/>
+        <p:nvPr/>
+      </p:nvGrpSpPr>
+      <p:grpSpPr>
+        <a:xfrm>
+          <a:off x="0" y="0"/>
+          <a:ext cx="0" cy="0"/>
+          <a:chOff x="0" y="0"/>
+          <a:chExt cx="0" cy="0"/>
+        </a:xfrm>
+      </p:grpSpPr>
+      <p:sp>
+        <p:nvSpPr>
+          <p:cNvPr id="2" name="Title 1">
+            <a:extLst>
+              <a:ext uri="{FF2B5EF4-FFF2-40B4-BE49-F238E27FC236}">
+                <a16:creationId xmlns:a16="http://schemas.microsoft.com/office/drawing/2014/main" id="{2214590D-C8D0-CFA2-8471-BC8275D5C9C0}"/>
+              </a:ext>
+            </a:extLst>
+          </p:cNvPr>
+          <p:cNvSpPr>
+            <a:spLocks noGrp="1"/>
+          </p:cNvSpPr>
+          <p:nvPr>
+            <p:ph type="title"/>
+          </p:nvPr>
+        </p:nvSpPr>
+        <p:spPr/>
+        <p:txBody>
+          <a:bodyPr/>
+          <a:lstStyle/>
+          <a:p>
+            <a:pPr algn="ctr"/>
+            <a:r>
+              <a:rPr lang="en-US" b="1" dirty="0"/>
+              <a:t>Data Wrangling</a:t>
+            </a:r>
+          </a:p>
+        </p:txBody>
+      </p:sp>
+      <p:sp>
+        <p:nvSpPr>
+          <p:cNvPr id="3" name="Content Placeholder 2">
+            <a:extLst>
+              <a:ext uri="{FF2B5EF4-FFF2-40B4-BE49-F238E27FC236}">
+                <a16:creationId xmlns:a16="http://schemas.microsoft.com/office/drawing/2014/main" id="{24A1C275-42B1-EA3C-BD95-5856FD9BF163}"/>
+              </a:ext>
+            </a:extLst>
+          </p:cNvPr>
+          <p:cNvSpPr>
+            <a:spLocks noGrp="1"/>
+          </p:cNvSpPr>
+          <p:nvPr>
+            <p:ph idx="1"/>
+          </p:nvPr>
+        </p:nvSpPr>
+        <p:spPr>
+          <a:xfrm>
+            <a:off x="838201" y="2141383"/>
+            <a:ext cx="4815468" cy="3990975"/>
+          </a:xfrm>
+        </p:spPr>
+        <p:txBody>
+          <a:bodyPr>
+            <a:normAutofit/>
+          </a:bodyPr>
+          <a:lstStyle/>
+          <a:p>
+            <a:pPr marL="0" indent="0">
+              <a:lnSpc>
+                <a:spcPct val="150000"/>
+              </a:lnSpc>
+              <a:buNone/>
+            </a:pPr>
+            <a:r>
+              <a:rPr lang="en-US" kern="0" dirty="0">
+                <a:solidFill>
+                  <a:schemeClr val="accent2">
+                    <a:lumMod val="60000"/>
+                    <a:lumOff val="40000"/>
+                  </a:schemeClr>
+                </a:solidFill>
+                <a:effectLst/>
+                <a:latin typeface="Calibri" panose="020F0502020204030204" pitchFamily="34" charset="0"/>
+                <a:ea typeface="Times New Roman" panose="02020603050405020304" pitchFamily="18" charset="0"/>
+              </a:rPr>
+              <a:t>Original data set had almost 200,000 rows and 17 columns or features with data collected every 15 minutes for 6 years.</a:t>
+            </a:r>
+            <a:endParaRPr lang="en-US" dirty="0">
+              <a:solidFill>
+                <a:schemeClr val="accent2">
+                  <a:lumMod val="60000"/>
+                  <a:lumOff val="40000"/>
+                </a:schemeClr>
+              </a:solidFill>
+            </a:endParaRPr>
+          </a:p>
+        </p:txBody>
+      </p:sp>
+      <p:cxnSp>
+        <p:nvCxnSpPr>
+          <p:cNvPr id="4" name="Straight Connector 3">
+            <a:extLst>
+              <a:ext uri="{FF2B5EF4-FFF2-40B4-BE49-F238E27FC236}">
+                <a16:creationId xmlns:a16="http://schemas.microsoft.com/office/drawing/2014/main" id="{3C7F1CCD-8D6D-F2D5-A0BF-975718B08EF2}"/>
+              </a:ext>
+            </a:extLst>
+          </p:cNvPr>
+          <p:cNvCxnSpPr/>
+          <p:nvPr/>
+        </p:nvCxnSpPr>
+        <p:spPr>
+          <a:xfrm>
+            <a:off x="4345781" y="1543050"/>
+            <a:ext cx="3500437" cy="0"/>
+          </a:xfrm>
+          <a:prstGeom prst="line">
+            <a:avLst/>
+          </a:prstGeom>
+          <a:ln w="57150">
+            <a:solidFill>
+              <a:schemeClr val="accent2">
+                <a:lumMod val="60000"/>
+                <a:lumOff val="40000"/>
+              </a:schemeClr>
+            </a:solidFill>
+          </a:ln>
+        </p:spPr>
+        <p:style>
+          <a:lnRef idx="1">
+            <a:schemeClr val="accent1"/>
+          </a:lnRef>
+          <a:fillRef idx="0">
+            <a:schemeClr val="accent1"/>
+          </a:fillRef>
+          <a:effectRef idx="0">
+            <a:schemeClr val="accent1"/>
+          </a:effectRef>
+          <a:fontRef idx="minor">
+            <a:schemeClr val="tx1"/>
+          </a:fontRef>
+        </p:style>
+      </p:cxnSp>
+      <p:sp>
+        <p:nvSpPr>
+          <p:cNvPr id="5" name="Content Placeholder 2">
+            <a:extLst>
+              <a:ext uri="{FF2B5EF4-FFF2-40B4-BE49-F238E27FC236}">
+                <a16:creationId xmlns:a16="http://schemas.microsoft.com/office/drawing/2014/main" id="{862AE46F-58A8-3776-92C1-81AE5DA18E72}"/>
+              </a:ext>
+            </a:extLst>
+          </p:cNvPr>
+          <p:cNvSpPr txBox="1">
+            <a:spLocks/>
+          </p:cNvSpPr>
+          <p:nvPr/>
+        </p:nvSpPr>
+        <p:spPr>
+          <a:xfrm>
+            <a:off x="6255834" y="2286000"/>
+            <a:ext cx="5097966" cy="582614"/>
+          </a:xfrm>
+          <a:prstGeom prst="rect">
+            <a:avLst/>
+          </a:prstGeom>
+        </p:spPr>
+        <p:txBody>
+          <a:bodyPr vert="horz" lIns="91440" tIns="45720" rIns="91440" bIns="45720" rtlCol="0">
+            <a:normAutofit/>
+          </a:bodyPr>
+          <a:lstStyle>
+            <a:lvl1pPr marL="228600" indent="-228600" algn="l" defTabSz="914400" rtl="0" eaLnBrk="1" latinLnBrk="0" hangingPunct="1">
+              <a:lnSpc>
+                <a:spcPct val="90000"/>
+              </a:lnSpc>
+              <a:spcBef>
+                <a:spcPts val="1000"/>
+              </a:spcBef>
+              <a:buFont typeface="Arial" panose="020B0604020202020204" pitchFamily="34" charset="0"/>
+              <a:buChar char="•"/>
+              <a:defRPr sz="2800" kern="1200">
+                <a:solidFill>
+                  <a:schemeClr val="tx1"/>
+                </a:solidFill>
+                <a:latin typeface="+mn-lt"/>
+                <a:ea typeface="+mn-ea"/>
+                <a:cs typeface="+mn-cs"/>
+              </a:defRPr>
+            </a:lvl1pPr>
+            <a:lvl2pPr marL="685800" indent="-228600" algn="l" defTabSz="914400" rtl="0" eaLnBrk="1" latinLnBrk="0" hangingPunct="1">
+              <a:lnSpc>
+                <a:spcPct val="90000"/>
+              </a:lnSpc>
+              <a:spcBef>
+                <a:spcPts val="500"/>
+              </a:spcBef>
+              <a:buFont typeface="Arial" panose="020B0604020202020204" pitchFamily="34" charset="0"/>
+              <a:buChar char="•"/>
+              <a:defRPr sz="2400" kern="1200">
+                <a:solidFill>
+                  <a:schemeClr val="tx1"/>
+                </a:solidFill>
+                <a:latin typeface="+mn-lt"/>
+                <a:ea typeface="+mn-ea"/>
+                <a:cs typeface="+mn-cs"/>
+              </a:defRPr>
+            </a:lvl2pPr>
+            <a:lvl3pPr marL="1143000" indent="-228600" algn="l" defTabSz="914400" rtl="0" eaLnBrk="1" latinLnBrk="0" hangingPunct="1">
+              <a:lnSpc>
+                <a:spcPct val="90000"/>
+              </a:lnSpc>
+              <a:spcBef>
+                <a:spcPts val="500"/>
+              </a:spcBef>
+              <a:buFont typeface="Arial" panose="020B0604020202020204" pitchFamily="34" charset="0"/>
+              <a:buChar char="•"/>
+              <a:defRPr sz="2000" kern="1200">
+                <a:solidFill>
+                  <a:schemeClr val="tx1"/>
+                </a:solidFill>
+                <a:latin typeface="+mn-lt"/>
+                <a:ea typeface="+mn-ea"/>
+                <a:cs typeface="+mn-cs"/>
+              </a:defRPr>
+            </a:lvl3pPr>
+            <a:lvl4pPr marL="1600200" indent="-228600" algn="l" defTabSz="914400" rtl="0" eaLnBrk="1" latinLnBrk="0" hangingPunct="1">
+              <a:lnSpc>
+                <a:spcPct val="90000"/>
+              </a:lnSpc>
+              <a:spcBef>
+                <a:spcPts val="500"/>
+              </a:spcBef>
+              <a:buFont typeface="Arial" panose="020B0604020202020204" pitchFamily="34" charset="0"/>
+              <a:buChar char="•"/>
+              <a:defRPr sz="1800" kern="1200">
+                <a:solidFill>
+                  <a:schemeClr val="tx1"/>
+                </a:solidFill>
+                <a:latin typeface="+mn-lt"/>
+                <a:ea typeface="+mn-ea"/>
+                <a:cs typeface="+mn-cs"/>
+              </a:defRPr>
+            </a:lvl4pPr>
+            <a:lvl5pPr marL="2057400" indent="-228600" algn="l" defTabSz="914400" rtl="0" eaLnBrk="1" latinLnBrk="0" hangingPunct="1">
+              <a:lnSpc>
+                <a:spcPct val="90000"/>
+              </a:lnSpc>
+              <a:spcBef>
+                <a:spcPts val="500"/>
+              </a:spcBef>
+              <a:buFont typeface="Arial" panose="020B0604020202020204" pitchFamily="34" charset="0"/>
+              <a:buChar char="•"/>
+              <a:defRPr sz="1800" kern="1200">
+                <a:solidFill>
+                  <a:schemeClr val="tx1"/>
+                </a:solidFill>
+                <a:latin typeface="+mn-lt"/>
+                <a:ea typeface="+mn-ea"/>
+                <a:cs typeface="+mn-cs"/>
+              </a:defRPr>
+            </a:lvl5pPr>
+            <a:lvl6pPr marL="2514600" indent="-228600" algn="l" defTabSz="914400" rtl="0" eaLnBrk="1" latinLnBrk="0" hangingPunct="1">
+              <a:lnSpc>
+                <a:spcPct val="90000"/>
+              </a:lnSpc>
+              <a:spcBef>
+                <a:spcPts val="500"/>
+              </a:spcBef>
+              <a:buFont typeface="Arial" panose="020B0604020202020204" pitchFamily="34" charset="0"/>
+              <a:buChar char="•"/>
+              <a:defRPr sz="1800" kern="1200">
+                <a:solidFill>
+                  <a:schemeClr val="tx1"/>
+                </a:solidFill>
+                <a:latin typeface="+mn-lt"/>
+                <a:ea typeface="+mn-ea"/>
+                <a:cs typeface="+mn-cs"/>
+              </a:defRPr>
+            </a:lvl6pPr>
+            <a:lvl7pPr marL="2971800" indent="-228600" algn="l" defTabSz="914400" rtl="0" eaLnBrk="1" latinLnBrk="0" hangingPunct="1">
+              <a:lnSpc>
+                <a:spcPct val="90000"/>
+              </a:lnSpc>
+              <a:spcBef>
+                <a:spcPts val="500"/>
+              </a:spcBef>
+              <a:buFont typeface="Arial" panose="020B0604020202020204" pitchFamily="34" charset="0"/>
+              <a:buChar char="•"/>
+              <a:defRPr sz="1800" kern="1200">
+                <a:solidFill>
+                  <a:schemeClr val="tx1"/>
+                </a:solidFill>
+                <a:latin typeface="+mn-lt"/>
+                <a:ea typeface="+mn-ea"/>
+                <a:cs typeface="+mn-cs"/>
+              </a:defRPr>
+            </a:lvl7pPr>
+            <a:lvl8pPr marL="3429000" indent="-228600" algn="l" defTabSz="914400" rtl="0" eaLnBrk="1" latinLnBrk="0" hangingPunct="1">
+              <a:lnSpc>
+                <a:spcPct val="90000"/>
+              </a:lnSpc>
+              <a:spcBef>
+                <a:spcPts val="500"/>
+              </a:spcBef>
+              <a:buFont typeface="Arial" panose="020B0604020202020204" pitchFamily="34" charset="0"/>
+              <a:buChar char="•"/>
+              <a:defRPr sz="1800" kern="1200">
+                <a:solidFill>
+                  <a:schemeClr val="tx1"/>
+                </a:solidFill>
+                <a:latin typeface="+mn-lt"/>
+                <a:ea typeface="+mn-ea"/>
+                <a:cs typeface="+mn-cs"/>
+              </a:defRPr>
+            </a:lvl8pPr>
+            <a:lvl9pPr marL="3886200" indent="-228600" algn="l" defTabSz="914400" rtl="0" eaLnBrk="1" latinLnBrk="0" hangingPunct="1">
+              <a:lnSpc>
+                <a:spcPct val="90000"/>
+              </a:lnSpc>
+              <a:spcBef>
+                <a:spcPts val="500"/>
+              </a:spcBef>
+              <a:buFont typeface="Arial" panose="020B0604020202020204" pitchFamily="34" charset="0"/>
+              <a:buChar char="•"/>
+              <a:defRPr sz="1800" kern="1200">
+                <a:solidFill>
+                  <a:schemeClr val="tx1"/>
+                </a:solidFill>
+                <a:latin typeface="+mn-lt"/>
+                <a:ea typeface="+mn-ea"/>
+                <a:cs typeface="+mn-cs"/>
+              </a:defRPr>
+            </a:lvl9pPr>
+          </a:lstStyle>
+          <a:p>
+            <a:pPr>
+              <a:lnSpc>
+                <a:spcPct val="150000"/>
+              </a:lnSpc>
+              <a:buFont typeface="Wingdings" pitchFamily="2" charset="2"/>
+              <a:buChar char="§"/>
+            </a:pPr>
+            <a:r>
+              <a:rPr lang="en-US" sz="1800" kern="0" dirty="0">
+                <a:latin typeface="Calibri" panose="020F0502020204030204" pitchFamily="34" charset="0"/>
+                <a:ea typeface="Times New Roman" panose="02020603050405020304" pitchFamily="18" charset="0"/>
+              </a:rPr>
+              <a:t>No missing data but many zero values</a:t>
+            </a:r>
+            <a:endParaRPr lang="en-US" sz="1800" dirty="0"/>
+          </a:p>
+        </p:txBody>
+      </p:sp>
+      <p:sp>
+        <p:nvSpPr>
+          <p:cNvPr id="6" name="Content Placeholder 2">
+            <a:extLst>
+              <a:ext uri="{FF2B5EF4-FFF2-40B4-BE49-F238E27FC236}">
+                <a16:creationId xmlns:a16="http://schemas.microsoft.com/office/drawing/2014/main" id="{22423D23-578C-1346-118B-9E3309B8D4ED}"/>
+              </a:ext>
+            </a:extLst>
+          </p:cNvPr>
+          <p:cNvSpPr txBox="1">
+            <a:spLocks/>
+          </p:cNvSpPr>
+          <p:nvPr/>
+        </p:nvSpPr>
+        <p:spPr>
+          <a:xfrm>
+            <a:off x="6255833" y="2868614"/>
+            <a:ext cx="5097966" cy="1362424"/>
+          </a:xfrm>
+          <a:prstGeom prst="rect">
+            <a:avLst/>
+          </a:prstGeom>
+        </p:spPr>
+        <p:txBody>
+          <a:bodyPr vert="horz" lIns="91440" tIns="45720" rIns="91440" bIns="45720" rtlCol="0">
+            <a:normAutofit/>
+          </a:bodyPr>
+          <a:lstStyle>
+            <a:lvl1pPr marL="228600" indent="-228600" algn="l" defTabSz="914400" rtl="0" eaLnBrk="1" latinLnBrk="0" hangingPunct="1">
+              <a:lnSpc>
+                <a:spcPct val="90000"/>
+              </a:lnSpc>
+              <a:spcBef>
+                <a:spcPts val="1000"/>
+              </a:spcBef>
+              <a:buFont typeface="Arial" panose="020B0604020202020204" pitchFamily="34" charset="0"/>
+              <a:buChar char="•"/>
+              <a:defRPr sz="2800" kern="1200">
+                <a:solidFill>
+                  <a:schemeClr val="tx1"/>
+                </a:solidFill>
+                <a:latin typeface="+mn-lt"/>
+                <a:ea typeface="+mn-ea"/>
+                <a:cs typeface="+mn-cs"/>
+              </a:defRPr>
+            </a:lvl1pPr>
+            <a:lvl2pPr marL="685800" indent="-228600" algn="l" defTabSz="914400" rtl="0" eaLnBrk="1" latinLnBrk="0" hangingPunct="1">
+              <a:lnSpc>
+                <a:spcPct val="90000"/>
+              </a:lnSpc>
+              <a:spcBef>
+                <a:spcPts val="500"/>
+              </a:spcBef>
+              <a:buFont typeface="Arial" panose="020B0604020202020204" pitchFamily="34" charset="0"/>
+              <a:buChar char="•"/>
+              <a:defRPr sz="2400" kern="1200">
+                <a:solidFill>
+                  <a:schemeClr val="tx1"/>
+                </a:solidFill>
+                <a:latin typeface="+mn-lt"/>
+                <a:ea typeface="+mn-ea"/>
+                <a:cs typeface="+mn-cs"/>
+              </a:defRPr>
+            </a:lvl2pPr>
+            <a:lvl3pPr marL="1143000" indent="-228600" algn="l" defTabSz="914400" rtl="0" eaLnBrk="1" latinLnBrk="0" hangingPunct="1">
+              <a:lnSpc>
+                <a:spcPct val="90000"/>
+              </a:lnSpc>
+              <a:spcBef>
+                <a:spcPts val="500"/>
+              </a:spcBef>
+              <a:buFont typeface="Arial" panose="020B0604020202020204" pitchFamily="34" charset="0"/>
+              <a:buChar char="•"/>
+              <a:defRPr sz="2000" kern="1200">
+                <a:solidFill>
+                  <a:schemeClr val="tx1"/>
+                </a:solidFill>
+                <a:latin typeface="+mn-lt"/>
+                <a:ea typeface="+mn-ea"/>
+                <a:cs typeface="+mn-cs"/>
+              </a:defRPr>
+            </a:lvl3pPr>
+            <a:lvl4pPr marL="1600200" indent="-228600" algn="l" defTabSz="914400" rtl="0" eaLnBrk="1" latinLnBrk="0" hangingPunct="1">
+              <a:lnSpc>
+                <a:spcPct val="90000"/>
+              </a:lnSpc>
+              <a:spcBef>
+                <a:spcPts val="500"/>
+              </a:spcBef>
+              <a:buFont typeface="Arial" panose="020B0604020202020204" pitchFamily="34" charset="0"/>
+              <a:buChar char="•"/>
+              <a:defRPr sz="1800" kern="1200">
+                <a:solidFill>
+                  <a:schemeClr val="tx1"/>
+                </a:solidFill>
+                <a:latin typeface="+mn-lt"/>
+                <a:ea typeface="+mn-ea"/>
+                <a:cs typeface="+mn-cs"/>
+              </a:defRPr>
+            </a:lvl4pPr>
+            <a:lvl5pPr marL="2057400" indent="-228600" algn="l" defTabSz="914400" rtl="0" eaLnBrk="1" latinLnBrk="0" hangingPunct="1">
+              <a:lnSpc>
+                <a:spcPct val="90000"/>
+              </a:lnSpc>
+              <a:spcBef>
+                <a:spcPts val="500"/>
+              </a:spcBef>
+              <a:buFont typeface="Arial" panose="020B0604020202020204" pitchFamily="34" charset="0"/>
+              <a:buChar char="•"/>
+              <a:defRPr sz="1800" kern="1200">
+                <a:solidFill>
+                  <a:schemeClr val="tx1"/>
+                </a:solidFill>
+                <a:latin typeface="+mn-lt"/>
+                <a:ea typeface="+mn-ea"/>
+                <a:cs typeface="+mn-cs"/>
+              </a:defRPr>
+            </a:lvl5pPr>
+            <a:lvl6pPr marL="2514600" indent="-228600" algn="l" defTabSz="914400" rtl="0" eaLnBrk="1" latinLnBrk="0" hangingPunct="1">
+              <a:lnSpc>
+                <a:spcPct val="90000"/>
+              </a:lnSpc>
+              <a:spcBef>
+                <a:spcPts val="500"/>
+              </a:spcBef>
+              <a:buFont typeface="Arial" panose="020B0604020202020204" pitchFamily="34" charset="0"/>
+              <a:buChar char="•"/>
+              <a:defRPr sz="1800" kern="1200">
+                <a:solidFill>
+                  <a:schemeClr val="tx1"/>
+                </a:solidFill>
+                <a:latin typeface="+mn-lt"/>
+                <a:ea typeface="+mn-ea"/>
+                <a:cs typeface="+mn-cs"/>
+              </a:defRPr>
+            </a:lvl6pPr>
+            <a:lvl7pPr marL="2971800" indent="-228600" algn="l" defTabSz="914400" rtl="0" eaLnBrk="1" latinLnBrk="0" hangingPunct="1">
+              <a:lnSpc>
+                <a:spcPct val="90000"/>
+              </a:lnSpc>
+              <a:spcBef>
+                <a:spcPts val="500"/>
+              </a:spcBef>
+              <a:buFont typeface="Arial" panose="020B0604020202020204" pitchFamily="34" charset="0"/>
+              <a:buChar char="•"/>
+              <a:defRPr sz="1800" kern="1200">
+                <a:solidFill>
+                  <a:schemeClr val="tx1"/>
+                </a:solidFill>
+                <a:latin typeface="+mn-lt"/>
+                <a:ea typeface="+mn-ea"/>
+                <a:cs typeface="+mn-cs"/>
+              </a:defRPr>
+            </a:lvl7pPr>
+            <a:lvl8pPr marL="3429000" indent="-228600" algn="l" defTabSz="914400" rtl="0" eaLnBrk="1" latinLnBrk="0" hangingPunct="1">
+              <a:lnSpc>
+                <a:spcPct val="90000"/>
+              </a:lnSpc>
+              <a:spcBef>
+                <a:spcPts val="500"/>
+              </a:spcBef>
+              <a:buFont typeface="Arial" panose="020B0604020202020204" pitchFamily="34" charset="0"/>
+              <a:buChar char="•"/>
+              <a:defRPr sz="1800" kern="1200">
+                <a:solidFill>
+                  <a:schemeClr val="tx1"/>
+                </a:solidFill>
+                <a:latin typeface="+mn-lt"/>
+                <a:ea typeface="+mn-ea"/>
+                <a:cs typeface="+mn-cs"/>
+              </a:defRPr>
+            </a:lvl8pPr>
+            <a:lvl9pPr marL="3886200" indent="-228600" algn="l" defTabSz="914400" rtl="0" eaLnBrk="1" latinLnBrk="0" hangingPunct="1">
+              <a:lnSpc>
+                <a:spcPct val="90000"/>
+              </a:lnSpc>
+              <a:spcBef>
+                <a:spcPts val="500"/>
+              </a:spcBef>
+              <a:buFont typeface="Arial" panose="020B0604020202020204" pitchFamily="34" charset="0"/>
+              <a:buChar char="•"/>
+              <a:defRPr sz="1800" kern="1200">
+                <a:solidFill>
+                  <a:schemeClr val="tx1"/>
+                </a:solidFill>
+                <a:latin typeface="+mn-lt"/>
+                <a:ea typeface="+mn-ea"/>
+                <a:cs typeface="+mn-cs"/>
+              </a:defRPr>
+            </a:lvl9pPr>
+          </a:lstStyle>
+          <a:p>
+            <a:pPr>
+              <a:lnSpc>
+                <a:spcPct val="150000"/>
+              </a:lnSpc>
+              <a:buFont typeface="Wingdings" pitchFamily="2" charset="2"/>
+              <a:buChar char="§"/>
+            </a:pPr>
+            <a:r>
+              <a:rPr lang="en-US" sz="1800" kern="0" dirty="0">
+                <a:latin typeface="Calibri" panose="020F0502020204030204" pitchFamily="34" charset="0"/>
+                <a:ea typeface="Times New Roman" panose="02020603050405020304" pitchFamily="18" charset="0"/>
+              </a:rPr>
+              <a:t>Needed to adjust the data column to be able to make calculation and aggregate the data by day or month if needed</a:t>
+            </a:r>
+            <a:endParaRPr lang="en-US" sz="1800" dirty="0"/>
+          </a:p>
+        </p:txBody>
+      </p:sp>
+      <p:sp>
+        <p:nvSpPr>
+          <p:cNvPr id="7" name="Content Placeholder 2">
+            <a:extLst>
+              <a:ext uri="{FF2B5EF4-FFF2-40B4-BE49-F238E27FC236}">
+                <a16:creationId xmlns:a16="http://schemas.microsoft.com/office/drawing/2014/main" id="{AE6C7F35-72BC-950C-571E-A2189253B816}"/>
+              </a:ext>
+            </a:extLst>
+          </p:cNvPr>
+          <p:cNvSpPr txBox="1">
+            <a:spLocks/>
+          </p:cNvSpPr>
+          <p:nvPr/>
+        </p:nvSpPr>
+        <p:spPr>
+          <a:xfrm>
+            <a:off x="6255833" y="4231037"/>
+            <a:ext cx="5097966" cy="965431"/>
+          </a:xfrm>
+          <a:prstGeom prst="rect">
+            <a:avLst/>
+          </a:prstGeom>
+        </p:spPr>
+        <p:txBody>
+          <a:bodyPr vert="horz" lIns="91440" tIns="45720" rIns="91440" bIns="45720" rtlCol="0">
+            <a:normAutofit/>
+          </a:bodyPr>
+          <a:lstStyle>
+            <a:lvl1pPr marL="228600" indent="-228600" algn="l" defTabSz="914400" rtl="0" eaLnBrk="1" latinLnBrk="0" hangingPunct="1">
+              <a:lnSpc>
+                <a:spcPct val="90000"/>
+              </a:lnSpc>
+              <a:spcBef>
+                <a:spcPts val="1000"/>
+              </a:spcBef>
+              <a:buFont typeface="Arial" panose="020B0604020202020204" pitchFamily="34" charset="0"/>
+              <a:buChar char="•"/>
+              <a:defRPr sz="2800" kern="1200">
+                <a:solidFill>
+                  <a:schemeClr val="tx1"/>
+                </a:solidFill>
+                <a:latin typeface="+mn-lt"/>
+                <a:ea typeface="+mn-ea"/>
+                <a:cs typeface="+mn-cs"/>
+              </a:defRPr>
+            </a:lvl1pPr>
+            <a:lvl2pPr marL="685800" indent="-228600" algn="l" defTabSz="914400" rtl="0" eaLnBrk="1" latinLnBrk="0" hangingPunct="1">
+              <a:lnSpc>
+                <a:spcPct val="90000"/>
+              </a:lnSpc>
+              <a:spcBef>
+                <a:spcPts val="500"/>
+              </a:spcBef>
+              <a:buFont typeface="Arial" panose="020B0604020202020204" pitchFamily="34" charset="0"/>
+              <a:buChar char="•"/>
+              <a:defRPr sz="2400" kern="1200">
+                <a:solidFill>
+                  <a:schemeClr val="tx1"/>
+                </a:solidFill>
+                <a:latin typeface="+mn-lt"/>
+                <a:ea typeface="+mn-ea"/>
+                <a:cs typeface="+mn-cs"/>
+              </a:defRPr>
+            </a:lvl2pPr>
+            <a:lvl3pPr marL="1143000" indent="-228600" algn="l" defTabSz="914400" rtl="0" eaLnBrk="1" latinLnBrk="0" hangingPunct="1">
+              <a:lnSpc>
+                <a:spcPct val="90000"/>
+              </a:lnSpc>
+              <a:spcBef>
+                <a:spcPts val="500"/>
+              </a:spcBef>
+              <a:buFont typeface="Arial" panose="020B0604020202020204" pitchFamily="34" charset="0"/>
+              <a:buChar char="•"/>
+              <a:defRPr sz="2000" kern="1200">
+                <a:solidFill>
+                  <a:schemeClr val="tx1"/>
+                </a:solidFill>
+                <a:latin typeface="+mn-lt"/>
+                <a:ea typeface="+mn-ea"/>
+                <a:cs typeface="+mn-cs"/>
+              </a:defRPr>
+            </a:lvl3pPr>
+            <a:lvl4pPr marL="1600200" indent="-228600" algn="l" defTabSz="914400" rtl="0" eaLnBrk="1" latinLnBrk="0" hangingPunct="1">
+              <a:lnSpc>
+                <a:spcPct val="90000"/>
+              </a:lnSpc>
+              <a:spcBef>
+                <a:spcPts val="500"/>
+              </a:spcBef>
+              <a:buFont typeface="Arial" panose="020B0604020202020204" pitchFamily="34" charset="0"/>
+              <a:buChar char="•"/>
+              <a:defRPr sz="1800" kern="1200">
+                <a:solidFill>
+                  <a:schemeClr val="tx1"/>
+                </a:solidFill>
+                <a:latin typeface="+mn-lt"/>
+                <a:ea typeface="+mn-ea"/>
+                <a:cs typeface="+mn-cs"/>
+              </a:defRPr>
+            </a:lvl4pPr>
+            <a:lvl5pPr marL="2057400" indent="-228600" algn="l" defTabSz="914400" rtl="0" eaLnBrk="1" latinLnBrk="0" hangingPunct="1">
+              <a:lnSpc>
+                <a:spcPct val="90000"/>
+              </a:lnSpc>
+              <a:spcBef>
+                <a:spcPts val="500"/>
+              </a:spcBef>
+              <a:buFont typeface="Arial" panose="020B0604020202020204" pitchFamily="34" charset="0"/>
+              <a:buChar char="•"/>
+              <a:defRPr sz="1800" kern="1200">
+                <a:solidFill>
+                  <a:schemeClr val="tx1"/>
+                </a:solidFill>
+                <a:latin typeface="+mn-lt"/>
+                <a:ea typeface="+mn-ea"/>
+                <a:cs typeface="+mn-cs"/>
+              </a:defRPr>
+            </a:lvl5pPr>
+            <a:lvl6pPr marL="2514600" indent="-228600" algn="l" defTabSz="914400" rtl="0" eaLnBrk="1" latinLnBrk="0" hangingPunct="1">
+              <a:lnSpc>
+                <a:spcPct val="90000"/>
+              </a:lnSpc>
+              <a:spcBef>
+                <a:spcPts val="500"/>
+              </a:spcBef>
+              <a:buFont typeface="Arial" panose="020B0604020202020204" pitchFamily="34" charset="0"/>
+              <a:buChar char="•"/>
+              <a:defRPr sz="1800" kern="1200">
+                <a:solidFill>
+                  <a:schemeClr val="tx1"/>
+                </a:solidFill>
+                <a:latin typeface="+mn-lt"/>
+                <a:ea typeface="+mn-ea"/>
+                <a:cs typeface="+mn-cs"/>
+              </a:defRPr>
+            </a:lvl6pPr>
+            <a:lvl7pPr marL="2971800" indent="-228600" algn="l" defTabSz="914400" rtl="0" eaLnBrk="1" latinLnBrk="0" hangingPunct="1">
+              <a:lnSpc>
+                <a:spcPct val="90000"/>
+              </a:lnSpc>
+              <a:spcBef>
+                <a:spcPts val="500"/>
+              </a:spcBef>
+              <a:buFont typeface="Arial" panose="020B0604020202020204" pitchFamily="34" charset="0"/>
+              <a:buChar char="•"/>
+              <a:defRPr sz="1800" kern="1200">
+                <a:solidFill>
+                  <a:schemeClr val="tx1"/>
+                </a:solidFill>
+                <a:latin typeface="+mn-lt"/>
+                <a:ea typeface="+mn-ea"/>
+                <a:cs typeface="+mn-cs"/>
+              </a:defRPr>
+            </a:lvl7pPr>
+            <a:lvl8pPr marL="3429000" indent="-228600" algn="l" defTabSz="914400" rtl="0" eaLnBrk="1" latinLnBrk="0" hangingPunct="1">
+              <a:lnSpc>
+                <a:spcPct val="90000"/>
+              </a:lnSpc>
+              <a:spcBef>
+                <a:spcPts val="500"/>
+              </a:spcBef>
+              <a:buFont typeface="Arial" panose="020B0604020202020204" pitchFamily="34" charset="0"/>
+              <a:buChar char="•"/>
+              <a:defRPr sz="1800" kern="1200">
+                <a:solidFill>
+                  <a:schemeClr val="tx1"/>
+                </a:solidFill>
+                <a:latin typeface="+mn-lt"/>
+                <a:ea typeface="+mn-ea"/>
+                <a:cs typeface="+mn-cs"/>
+              </a:defRPr>
+            </a:lvl8pPr>
+            <a:lvl9pPr marL="3886200" indent="-228600" algn="l" defTabSz="914400" rtl="0" eaLnBrk="1" latinLnBrk="0" hangingPunct="1">
+              <a:lnSpc>
+                <a:spcPct val="90000"/>
+              </a:lnSpc>
+              <a:spcBef>
+                <a:spcPts val="500"/>
+              </a:spcBef>
+              <a:buFont typeface="Arial" panose="020B0604020202020204" pitchFamily="34" charset="0"/>
+              <a:buChar char="•"/>
+              <a:defRPr sz="1800" kern="1200">
+                <a:solidFill>
+                  <a:schemeClr val="tx1"/>
+                </a:solidFill>
+                <a:latin typeface="+mn-lt"/>
+                <a:ea typeface="+mn-ea"/>
+                <a:cs typeface="+mn-cs"/>
+              </a:defRPr>
+            </a:lvl9pPr>
+          </a:lstStyle>
+          <a:p>
+            <a:pPr>
+              <a:lnSpc>
+                <a:spcPct val="150000"/>
+              </a:lnSpc>
+              <a:buFont typeface="Wingdings" pitchFamily="2" charset="2"/>
+              <a:buChar char="§"/>
+            </a:pPr>
+            <a:r>
+              <a:rPr lang="en-US" sz="1800" kern="0" dirty="0">
+                <a:latin typeface="Calibri" panose="020F0502020204030204" pitchFamily="34" charset="0"/>
+                <a:ea typeface="Times New Roman" panose="02020603050405020304" pitchFamily="18" charset="0"/>
+              </a:rPr>
+              <a:t>Target Variable: Energy Consumption</a:t>
+            </a:r>
+          </a:p>
+          <a:p>
+            <a:pPr>
+              <a:lnSpc>
+                <a:spcPct val="150000"/>
+              </a:lnSpc>
+              <a:buFont typeface="Wingdings" pitchFamily="2" charset="2"/>
+              <a:buChar char="§"/>
+            </a:pPr>
+            <a:endParaRPr lang="en-US" sz="1800" dirty="0"/>
+          </a:p>
+        </p:txBody>
+      </p:sp>
+    </p:spTree>
+    <p:extLst>
+      <p:ext uri="{BB962C8B-B14F-4D97-AF65-F5344CB8AC3E}">
+        <p14:creationId xmlns:p14="http://schemas.microsoft.com/office/powerpoint/2010/main" val="288050620"/>
+      </p:ext>
+    </p:extLst>
+  </p:cSld>
+  <p:clrMapOvr>
+    <a:masterClrMapping/>
+  </p:clrMapOvr>
+  <p:timing>
+    <p:tnLst>
+      <p:par>
+        <p:cTn id="1" dur="indefinite" restart="never" nodeType="tmRoot">
+          <p:childTnLst>
+            <p:seq concurrent="1" nextAc="seek">
+              <p:cTn id="2" dur="indefinite" nodeType="mainSeq">
+                <p:childTnLst>
+                  <p:par>
+                    <p:cTn id="3" fill="hold">
+                      <p:stCondLst>
+                        <p:cond delay="indefinite"/>
+                      </p:stCondLst>
+                      <p:childTnLst>
+                        <p:par>
+                          <p:cTn id="4" fill="hold">
+                            <p:stCondLst>
+                              <p:cond delay="0"/>
+                            </p:stCondLst>
+                            <p:childTnLst>
+                              <p:par>
+                                <p:cTn id="5" presetID="1" presetClass="entr" presetSubtype="0" fill="hold" grpId="0" nodeType="clickEffect">
+                                  <p:stCondLst>
+                                    <p:cond delay="0"/>
+                                  </p:stCondLst>
+                                  <p:childTnLst>
+                                    <p:set>
+                                      <p:cBhvr>
+                                        <p:cTn id="6" dur="1" fill="hold">
+                                          <p:stCondLst>
+                                            <p:cond delay="0"/>
+                                          </p:stCondLst>
+                                        </p:cTn>
+                                        <p:tgtEl>
+                                          <p:spTgt spid="3">
+                                            <p:txEl>
+                                              <p:pRg st="0" end="0"/>
+                                            </p:txEl>
+                                          </p:spTgt>
+                                        </p:tgtEl>
+                                        <p:attrNameLst>
+                                          <p:attrName>style.visibility</p:attrName>
+                                        </p:attrNameLst>
+                                      </p:cBhvr>
+                                      <p:to>
+                                        <p:strVal val="visible"/>
+                                      </p:to>
+                                    </p:set>
+                                  </p:childTnLst>
+                                  <p:subTnLst>
+                                    <p:animClr clrSpc="rgb" dir="cw">
+                                      <p:cBhvr override="childStyle">
+                                        <p:cTn dur="1" fill="hold" display="0" masterRel="nextClick" afterEffect="1"/>
+                                        <p:tgtEl>
+                                          <p:spTgt spid="3">
+                                            <p:txEl>
+                                              <p:pRg st="0" end="0"/>
+                                            </p:txEl>
+                                          </p:spTgt>
+                                        </p:tgtEl>
+                                        <p:attrNameLst>
+                                          <p:attrName>ppt_c</p:attrName>
+                                        </p:attrNameLst>
+                                      </p:cBhvr>
+                                      <p:to>
+                                        <a:srgbClr val="424242"/>
+                                      </p:to>
+                                    </p:animClr>
+                                  </p:subTnLst>
+                                </p:cTn>
+                              </p:par>
+                            </p:childTnLst>
+                          </p:cTn>
+                        </p:par>
+                      </p:childTnLst>
+                    </p:cTn>
+                  </p:par>
+                  <p:par>
+                    <p:cTn id="7" fill="hold">
+                      <p:stCondLst>
+                        <p:cond delay="indefinite"/>
+                      </p:stCondLst>
+                      <p:childTnLst>
+                        <p:par>
+                          <p:cTn id="8" fill="hold">
+                            <p:stCondLst>
+                              <p:cond delay="0"/>
+                            </p:stCondLst>
+                            <p:childTnLst>
+                              <p:par>
+                                <p:cTn id="9" presetID="1" presetClass="entr" presetSubtype="0" fill="hold" grpId="0" nodeType="clickEffect">
+                                  <p:stCondLst>
+                                    <p:cond delay="0"/>
+                                  </p:stCondLst>
+                                  <p:childTnLst>
+                                    <p:set>
+                                      <p:cBhvr>
+                                        <p:cTn id="10" dur="1" fill="hold">
+                                          <p:stCondLst>
+                                            <p:cond delay="0"/>
+                                          </p:stCondLst>
+                                        </p:cTn>
+                                        <p:tgtEl>
+                                          <p:spTgt spid="5"/>
+                                        </p:tgtEl>
+                                        <p:attrNameLst>
+                                          <p:attrName>style.visibility</p:attrName>
+                                        </p:attrNameLst>
+                                      </p:cBhvr>
+                                      <p:to>
+                                        <p:strVal val="visible"/>
+                                      </p:to>
+                                    </p:set>
+                                  </p:childTnLst>
+                                  <p:subTnLst>
+                                    <p:animClr clrSpc="rgb" dir="cw">
+                                      <p:cBhvr override="childStyle">
+                                        <p:cTn dur="1" fill="hold" display="0" masterRel="nextClick" afterEffect="1"/>
+                                        <p:tgtEl>
+                                          <p:spTgt spid="5"/>
+                                        </p:tgtEl>
+                                        <p:attrNameLst>
+                                          <p:attrName>ppt_c</p:attrName>
+                                        </p:attrNameLst>
+                                      </p:cBhvr>
+                                      <p:to>
+                                        <a:srgbClr val="424242"/>
+                                      </p:to>
+                                    </p:animClr>
+                                  </p:subTnLst>
+                                </p:cTn>
+                              </p:par>
+                            </p:childTnLst>
+                          </p:cTn>
+                        </p:par>
+                      </p:childTnLst>
+                    </p:cTn>
+                  </p:par>
+                  <p:par>
+                    <p:cTn id="11" fill="hold">
+                      <p:stCondLst>
+                        <p:cond delay="indefinite"/>
+                      </p:stCondLst>
+                      <p:childTnLst>
+                        <p:par>
+                          <p:cTn id="12" fill="hold">
+                            <p:stCondLst>
+                              <p:cond delay="0"/>
+                            </p:stCondLst>
+                            <p:childTnLst>
+                              <p:par>
+                                <p:cTn id="13" presetID="1" presetClass="entr" presetSubtype="0" fill="hold" grpId="0" nodeType="clickEffect">
+                                  <p:stCondLst>
+                                    <p:cond delay="0"/>
+                                  </p:stCondLst>
+                                  <p:childTnLst>
+                                    <p:set>
+                                      <p:cBhvr>
+                                        <p:cTn id="14" dur="1" fill="hold">
+                                          <p:stCondLst>
+                                            <p:cond delay="0"/>
+                                          </p:stCondLst>
+                                        </p:cTn>
+                                        <p:tgtEl>
+                                          <p:spTgt spid="6"/>
+                                        </p:tgtEl>
+                                        <p:attrNameLst>
+                                          <p:attrName>style.visibility</p:attrName>
+                                        </p:attrNameLst>
+                                      </p:cBhvr>
+                                      <p:to>
+                                        <p:strVal val="visible"/>
+                                      </p:to>
+                                    </p:set>
+                                  </p:childTnLst>
+                                  <p:subTnLst>
+                                    <p:animClr clrSpc="rgb" dir="cw">
+                                      <p:cBhvr override="childStyle">
+                                        <p:cTn dur="1" fill="hold" display="0" masterRel="nextClick" afterEffect="1"/>
+                                        <p:tgtEl>
+                                          <p:spTgt spid="6"/>
+                                        </p:tgtEl>
+                                        <p:attrNameLst>
+                                          <p:attrName>ppt_c</p:attrName>
+                                        </p:attrNameLst>
+                                      </p:cBhvr>
+                                      <p:to>
+                                        <a:srgbClr val="424242"/>
+                                      </p:to>
+                                    </p:animClr>
+                                  </p:subTnLst>
+                                </p:cTn>
+                              </p:par>
+                            </p:childTnLst>
+                          </p:cTn>
+                        </p:par>
+                      </p:childTnLst>
+                    </p:cTn>
+                  </p:par>
+                  <p:par>
+                    <p:cTn id="15" fill="hold">
+                      <p:stCondLst>
+                        <p:cond delay="indefinite"/>
+                      </p:stCondLst>
+                      <p:childTnLst>
+                        <p:par>
+                          <p:cTn id="16" fill="hold">
+                            <p:stCondLst>
+                              <p:cond delay="0"/>
+                            </p:stCondLst>
+                            <p:childTnLst>
+                              <p:par>
+                                <p:cTn id="17" presetID="1" presetClass="entr" presetSubtype="0" fill="hold" grpId="0" nodeType="clickEffect">
+                                  <p:stCondLst>
+                                    <p:cond delay="0"/>
+                                  </p:stCondLst>
+                                  <p:childTnLst>
+                                    <p:set>
+                                      <p:cBhvr>
+                                        <p:cTn id="18" dur="1" fill="hold">
+                                          <p:stCondLst>
+                                            <p:cond delay="0"/>
+                                          </p:stCondLst>
+                                        </p:cTn>
+                                        <p:tgtEl>
+                                          <p:spTgt spid="7"/>
+                                        </p:tgtEl>
+                                        <p:attrNameLst>
+                                          <p:attrName>style.visibility</p:attrName>
+                                        </p:attrNameLst>
+                                      </p:cBhvr>
+                                      <p:to>
+                                        <p:strVal val="visible"/>
+                                      </p:to>
+                                    </p:set>
+                                  </p:childTnLst>
+                                </p:cTn>
+                              </p:par>
+                            </p:childTnLst>
+                          </p:cTn>
+                        </p:par>
+                      </p:childTnLst>
+                    </p:cTn>
+                  </p:par>
+                </p:childTnLst>
+              </p:cTn>
+              <p:prevCondLst>
+                <p:cond evt="onPrev" delay="0">
+                  <p:tgtEl>
+                    <p:sldTgt/>
+                  </p:tgtEl>
+                </p:cond>
+              </p:prevCondLst>
+              <p:nextCondLst>
+                <p:cond evt="onNext" delay="0">
+                  <p:tgtEl>
+                    <p:sldTgt/>
+                  </p:tgtEl>
+                </p:cond>
+              </p:nextCondLst>
+            </p:seq>
+          </p:childTnLst>
+        </p:cTn>
+      </p:par>
+    </p:tnLst>
+    <p:bldLst>
+      <p:bldP spid="3" grpId="0" build="p"/>
+      <p:bldP spid="5" grpId="0"/>
+      <p:bldP spid="6" grpId="0"/>
+      <p:bldP spid="7" grpId="0"/>
+    </p:bldLst>
+  </p:timing>
+</p:sld>
+</file>
+
+<file path=ppt/slides/slide6.xml><?xml version="1.0" encoding="utf-8"?>
+<p:sld xmlns:a="http://schemas.openxmlformats.org/drawingml/2006/main" xmlns:r="http://schemas.openxmlformats.org/officeDocument/2006/relationships" xmlns:p="http://schemas.openxmlformats.org/presentationml/2006/main">
+  <p:cSld>
+    <p:spTree>
+      <p:nvGrpSpPr>
+        <p:cNvPr id="1" name=""/>
+        <p:cNvGrpSpPr/>
+        <p:nvPr/>
+      </p:nvGrpSpPr>
+      <p:grpSpPr>
+        <a:xfrm>
+          <a:off x="0" y="0"/>
+          <a:ext cx="0" cy="0"/>
+          <a:chOff x="0" y="0"/>
+          <a:chExt cx="0" cy="0"/>
+        </a:xfrm>
+      </p:grpSpPr>
+      <p:sp>
+        <p:nvSpPr>
+          <p:cNvPr id="2" name="Title 1">
+            <a:extLst>
+              <a:ext uri="{FF2B5EF4-FFF2-40B4-BE49-F238E27FC236}">
+                <a16:creationId xmlns:a16="http://schemas.microsoft.com/office/drawing/2014/main" id="{2214590D-C8D0-CFA2-8471-BC8275D5C9C0}"/>
+              </a:ext>
+            </a:extLst>
+          </p:cNvPr>
+          <p:cNvSpPr>
+            <a:spLocks noGrp="1"/>
+          </p:cNvSpPr>
+          <p:nvPr>
+            <p:ph type="title"/>
+          </p:nvPr>
+        </p:nvSpPr>
+        <p:spPr>
+          <a:xfrm>
+            <a:off x="838200" y="365125"/>
+            <a:ext cx="10515600" cy="1788725"/>
+          </a:xfrm>
+        </p:spPr>
+        <p:txBody>
+          <a:bodyPr>
+            <a:normAutofit/>
+          </a:bodyPr>
+          <a:lstStyle/>
+          <a:p>
+            <a:pPr algn="ctr">
+              <a:lnSpc>
+                <a:spcPct val="150000"/>
+              </a:lnSpc>
+            </a:pPr>
+            <a:r>
+              <a:rPr lang="en-US" b="1" dirty="0"/>
+              <a:t>Exploratory Data Analysis</a:t>
+            </a:r>
+            <a:br>
+              <a:rPr lang="en-US" b="1" dirty="0"/>
+            </a:br>
+            <a:r>
+              <a:rPr lang="en-US" sz="2200" b="1" dirty="0"/>
+              <a:t>Energy consumption</a:t>
+            </a:r>
+          </a:p>
+        </p:txBody>
+      </p:sp>
+      <p:cxnSp>
+        <p:nvCxnSpPr>
+          <p:cNvPr id="4" name="Straight Connector 3">
+            <a:extLst>
+              <a:ext uri="{FF2B5EF4-FFF2-40B4-BE49-F238E27FC236}">
+                <a16:creationId xmlns:a16="http://schemas.microsoft.com/office/drawing/2014/main" id="{3C7F1CCD-8D6D-F2D5-A0BF-975718B08EF2}"/>
+              </a:ext>
+            </a:extLst>
+          </p:cNvPr>
+          <p:cNvCxnSpPr/>
+          <p:nvPr/>
+        </p:nvCxnSpPr>
+        <p:spPr>
+          <a:xfrm>
+            <a:off x="4345781" y="1543050"/>
+            <a:ext cx="3500437" cy="0"/>
+          </a:xfrm>
+          <a:prstGeom prst="line">
+            <a:avLst/>
+          </a:prstGeom>
+          <a:ln w="57150">
+            <a:solidFill>
+              <a:schemeClr val="accent2">
+                <a:lumMod val="60000"/>
+                <a:lumOff val="40000"/>
+              </a:schemeClr>
+            </a:solidFill>
+          </a:ln>
+        </p:spPr>
+        <p:style>
+          <a:lnRef idx="1">
+            <a:schemeClr val="accent1"/>
+          </a:lnRef>
+          <a:fillRef idx="0">
+            <a:schemeClr val="accent1"/>
+          </a:fillRef>
+          <a:effectRef idx="0">
+            <a:schemeClr val="accent1"/>
+          </a:effectRef>
+          <a:fontRef idx="minor">
+            <a:schemeClr val="tx1"/>
+          </a:fontRef>
+        </p:style>
+      </p:cxnSp>
+      <p:pic>
+        <p:nvPicPr>
+          <p:cNvPr id="8" name="Picture 7" descr="A green and blue line&#10;&#10;Description automatically generated">
+            <a:extLst>
+              <a:ext uri="{FF2B5EF4-FFF2-40B4-BE49-F238E27FC236}">
+                <a16:creationId xmlns:a16="http://schemas.microsoft.com/office/drawing/2014/main" id="{3BE7F62A-C466-81E2-6605-EBA33EB7A97D}"/>
+              </a:ext>
+            </a:extLst>
+          </p:cNvPr>
+          <p:cNvPicPr>
+            <a:picLocks noChangeAspect="1"/>
+          </p:cNvPicPr>
+          <p:nvPr/>
+        </p:nvPicPr>
+        <p:blipFill>
+          <a:blip r:embed="rId2">
+            <a:extLst>
+              <a:ext uri="{28A0092B-C50C-407E-A947-70E740481C1C}">
+                <a14:useLocalDpi xmlns:a14="http://schemas.microsoft.com/office/drawing/2010/main" val="0"/>
+              </a:ext>
+            </a:extLst>
+          </a:blip>
+          <a:srcRect/>
+          <a:stretch>
+            <a:fillRect/>
+          </a:stretch>
+        </p:blipFill>
+        <p:spPr bwMode="auto">
+          <a:xfrm>
+            <a:off x="838200" y="2153850"/>
+            <a:ext cx="4892650" cy="3451032"/>
+          </a:xfrm>
+          <a:prstGeom prst="rect">
+            <a:avLst/>
+          </a:prstGeom>
+          <a:solidFill>
+            <a:schemeClr val="tx1"/>
+          </a:solidFill>
+          <a:ln>
+            <a:noFill/>
+          </a:ln>
+        </p:spPr>
+      </p:pic>
+      <p:pic>
+        <p:nvPicPr>
+          <p:cNvPr id="9" name="Picture 8" descr="A green and white bar graph&#10;&#10;Description automatically generated">
+            <a:extLst>
+              <a:ext uri="{FF2B5EF4-FFF2-40B4-BE49-F238E27FC236}">
+                <a16:creationId xmlns:a16="http://schemas.microsoft.com/office/drawing/2014/main" id="{E244D6C1-579F-0631-0E5F-C599CD6B1D27}"/>
+              </a:ext>
+            </a:extLst>
+          </p:cNvPr>
+          <p:cNvPicPr>
+            <a:picLocks noChangeAspect="1"/>
+          </p:cNvPicPr>
+          <p:nvPr/>
+        </p:nvPicPr>
+        <p:blipFill>
+          <a:blip r:embed="rId3">
+            <a:extLst>
+              <a:ext uri="{28A0092B-C50C-407E-A947-70E740481C1C}">
+                <a14:useLocalDpi xmlns:a14="http://schemas.microsoft.com/office/drawing/2010/main" val="0"/>
+              </a:ext>
+            </a:extLst>
+          </a:blip>
+          <a:srcRect/>
+          <a:stretch>
+            <a:fillRect/>
+          </a:stretch>
+        </p:blipFill>
+        <p:spPr bwMode="auto">
+          <a:xfrm>
+            <a:off x="6461152" y="2153850"/>
+            <a:ext cx="4831258" cy="3451032"/>
+          </a:xfrm>
+          <a:prstGeom prst="rect">
+            <a:avLst/>
+          </a:prstGeom>
+          <a:solidFill>
+            <a:schemeClr val="tx1"/>
+          </a:solidFill>
+          <a:ln>
+            <a:noFill/>
+          </a:ln>
+        </p:spPr>
+      </p:pic>
+      <p:sp>
+        <p:nvSpPr>
+          <p:cNvPr id="10" name="Content Placeholder 2">
+            <a:extLst>
+              <a:ext uri="{FF2B5EF4-FFF2-40B4-BE49-F238E27FC236}">
+                <a16:creationId xmlns:a16="http://schemas.microsoft.com/office/drawing/2014/main" id="{9CDE1CE2-5399-1ADE-59EE-8BB952884E9C}"/>
+              </a:ext>
+            </a:extLst>
+          </p:cNvPr>
+          <p:cNvSpPr>
+            <a:spLocks noGrp="1"/>
+          </p:cNvSpPr>
+          <p:nvPr>
+            <p:ph idx="1"/>
+          </p:nvPr>
+        </p:nvSpPr>
+        <p:spPr>
+          <a:xfrm>
+            <a:off x="838200" y="5705242"/>
+            <a:ext cx="4892649" cy="887993"/>
+          </a:xfrm>
+        </p:spPr>
+        <p:txBody>
+          <a:bodyPr>
+            <a:normAutofit/>
+          </a:bodyPr>
+          <a:lstStyle/>
+          <a:p>
+            <a:pPr marL="0" indent="0">
+              <a:lnSpc>
+                <a:spcPct val="110000"/>
+              </a:lnSpc>
+              <a:buNone/>
+            </a:pPr>
+            <a:r>
+              <a:rPr lang="en-US" sz="1800" kern="0" dirty="0">
+                <a:effectLst/>
+                <a:latin typeface="Calibri" panose="020F0502020204030204" pitchFamily="34" charset="0"/>
+                <a:ea typeface="Times New Roman" panose="02020603050405020304" pitchFamily="18" charset="0"/>
+              </a:rPr>
+              <a:t>Seasonality of data shown with 3M moving average. Peaks falling for past 5 years</a:t>
+            </a:r>
+          </a:p>
+          <a:p>
+            <a:pPr marL="0" indent="0">
+              <a:lnSpc>
+                <a:spcPct val="110000"/>
+              </a:lnSpc>
+              <a:buNone/>
+            </a:pPr>
+            <a:endParaRPr lang="en-US" sz="1800" b="0" i="0" u="none" strike="noStrike" dirty="0">
+              <a:effectLst/>
+            </a:endParaRPr>
+          </a:p>
+        </p:txBody>
+      </p:sp>
+      <p:sp>
+        <p:nvSpPr>
+          <p:cNvPr id="11" name="Content Placeholder 2">
+            <a:extLst>
+              <a:ext uri="{FF2B5EF4-FFF2-40B4-BE49-F238E27FC236}">
+                <a16:creationId xmlns:a16="http://schemas.microsoft.com/office/drawing/2014/main" id="{3C0F610F-FD46-20DF-52DD-DEAB12827E0E}"/>
+              </a:ext>
+            </a:extLst>
+          </p:cNvPr>
+          <p:cNvSpPr txBox="1">
+            <a:spLocks/>
+          </p:cNvSpPr>
+          <p:nvPr/>
+        </p:nvSpPr>
+        <p:spPr>
+          <a:xfrm>
+            <a:off x="6461151" y="5705242"/>
+            <a:ext cx="4892649" cy="887993"/>
+          </a:xfrm>
+          <a:prstGeom prst="rect">
+            <a:avLst/>
+          </a:prstGeom>
+        </p:spPr>
+        <p:txBody>
+          <a:bodyPr vert="horz" lIns="91440" tIns="45720" rIns="91440" bIns="45720" rtlCol="0">
+            <a:noAutofit/>
+          </a:bodyPr>
+          <a:lstStyle>
+            <a:lvl1pPr marL="228600" indent="-228600" algn="l" defTabSz="914400" rtl="0" eaLnBrk="1" latinLnBrk="0" hangingPunct="1">
+              <a:lnSpc>
+                <a:spcPct val="90000"/>
+              </a:lnSpc>
+              <a:spcBef>
+                <a:spcPts val="1000"/>
+              </a:spcBef>
+              <a:buFont typeface="Arial" panose="020B0604020202020204" pitchFamily="34" charset="0"/>
+              <a:buChar char="•"/>
+              <a:defRPr sz="2800" kern="1200">
+                <a:solidFill>
+                  <a:schemeClr val="tx1"/>
+                </a:solidFill>
+                <a:latin typeface="+mn-lt"/>
+                <a:ea typeface="+mn-ea"/>
+                <a:cs typeface="+mn-cs"/>
+              </a:defRPr>
+            </a:lvl1pPr>
+            <a:lvl2pPr marL="685800" indent="-228600" algn="l" defTabSz="914400" rtl="0" eaLnBrk="1" latinLnBrk="0" hangingPunct="1">
+              <a:lnSpc>
+                <a:spcPct val="90000"/>
+              </a:lnSpc>
+              <a:spcBef>
+                <a:spcPts val="500"/>
+              </a:spcBef>
+              <a:buFont typeface="Arial" panose="020B0604020202020204" pitchFamily="34" charset="0"/>
+              <a:buChar char="•"/>
+              <a:defRPr sz="2400" kern="1200">
+                <a:solidFill>
+                  <a:schemeClr val="tx1"/>
+                </a:solidFill>
+                <a:latin typeface="+mn-lt"/>
+                <a:ea typeface="+mn-ea"/>
+                <a:cs typeface="+mn-cs"/>
+              </a:defRPr>
+            </a:lvl2pPr>
+            <a:lvl3pPr marL="1143000" indent="-228600" algn="l" defTabSz="914400" rtl="0" eaLnBrk="1" latinLnBrk="0" hangingPunct="1">
+              <a:lnSpc>
+                <a:spcPct val="90000"/>
+              </a:lnSpc>
+              <a:spcBef>
+                <a:spcPts val="500"/>
+              </a:spcBef>
+              <a:buFont typeface="Arial" panose="020B0604020202020204" pitchFamily="34" charset="0"/>
+              <a:buChar char="•"/>
+              <a:defRPr sz="2000" kern="1200">
+                <a:solidFill>
+                  <a:schemeClr val="tx1"/>
+                </a:solidFill>
+                <a:latin typeface="+mn-lt"/>
+                <a:ea typeface="+mn-ea"/>
+                <a:cs typeface="+mn-cs"/>
+              </a:defRPr>
+            </a:lvl3pPr>
+            <a:lvl4pPr marL="1600200" indent="-228600" algn="l" defTabSz="914400" rtl="0" eaLnBrk="1" latinLnBrk="0" hangingPunct="1">
+              <a:lnSpc>
+                <a:spcPct val="90000"/>
+              </a:lnSpc>
+              <a:spcBef>
+                <a:spcPts val="500"/>
+              </a:spcBef>
+              <a:buFont typeface="Arial" panose="020B0604020202020204" pitchFamily="34" charset="0"/>
+              <a:buChar char="•"/>
+              <a:defRPr sz="1800" kern="1200">
+                <a:solidFill>
+                  <a:schemeClr val="tx1"/>
+                </a:solidFill>
+                <a:latin typeface="+mn-lt"/>
+                <a:ea typeface="+mn-ea"/>
+                <a:cs typeface="+mn-cs"/>
+              </a:defRPr>
+            </a:lvl4pPr>
+            <a:lvl5pPr marL="2057400" indent="-228600" algn="l" defTabSz="914400" rtl="0" eaLnBrk="1" latinLnBrk="0" hangingPunct="1">
+              <a:lnSpc>
+                <a:spcPct val="90000"/>
+              </a:lnSpc>
+              <a:spcBef>
+                <a:spcPts val="500"/>
+              </a:spcBef>
+              <a:buFont typeface="Arial" panose="020B0604020202020204" pitchFamily="34" charset="0"/>
+              <a:buChar char="•"/>
+              <a:defRPr sz="1800" kern="1200">
+                <a:solidFill>
+                  <a:schemeClr val="tx1"/>
+                </a:solidFill>
+                <a:latin typeface="+mn-lt"/>
+                <a:ea typeface="+mn-ea"/>
+                <a:cs typeface="+mn-cs"/>
+              </a:defRPr>
+            </a:lvl5pPr>
+            <a:lvl6pPr marL="2514600" indent="-228600" algn="l" defTabSz="914400" rtl="0" eaLnBrk="1" latinLnBrk="0" hangingPunct="1">
+              <a:lnSpc>
+                <a:spcPct val="90000"/>
+              </a:lnSpc>
+              <a:spcBef>
+                <a:spcPts val="500"/>
+              </a:spcBef>
+              <a:buFont typeface="Arial" panose="020B0604020202020204" pitchFamily="34" charset="0"/>
+              <a:buChar char="•"/>
+              <a:defRPr sz="1800" kern="1200">
+                <a:solidFill>
+                  <a:schemeClr val="tx1"/>
+                </a:solidFill>
+                <a:latin typeface="+mn-lt"/>
+                <a:ea typeface="+mn-ea"/>
+                <a:cs typeface="+mn-cs"/>
+              </a:defRPr>
+            </a:lvl6pPr>
+            <a:lvl7pPr marL="2971800" indent="-228600" algn="l" defTabSz="914400" rtl="0" eaLnBrk="1" latinLnBrk="0" hangingPunct="1">
+              <a:lnSpc>
+                <a:spcPct val="90000"/>
+              </a:lnSpc>
+              <a:spcBef>
+                <a:spcPts val="500"/>
+              </a:spcBef>
+              <a:buFont typeface="Arial" panose="020B0604020202020204" pitchFamily="34" charset="0"/>
+              <a:buChar char="•"/>
+              <a:defRPr sz="1800" kern="1200">
+                <a:solidFill>
+                  <a:schemeClr val="tx1"/>
+                </a:solidFill>
+                <a:latin typeface="+mn-lt"/>
+                <a:ea typeface="+mn-ea"/>
+                <a:cs typeface="+mn-cs"/>
+              </a:defRPr>
+            </a:lvl7pPr>
+            <a:lvl8pPr marL="3429000" indent="-228600" algn="l" defTabSz="914400" rtl="0" eaLnBrk="1" latinLnBrk="0" hangingPunct="1">
+              <a:lnSpc>
+                <a:spcPct val="90000"/>
+              </a:lnSpc>
+              <a:spcBef>
+                <a:spcPts val="500"/>
+              </a:spcBef>
+              <a:buFont typeface="Arial" panose="020B0604020202020204" pitchFamily="34" charset="0"/>
+              <a:buChar char="•"/>
+              <a:defRPr sz="1800" kern="1200">
+                <a:solidFill>
+                  <a:schemeClr val="tx1"/>
+                </a:solidFill>
+                <a:latin typeface="+mn-lt"/>
+                <a:ea typeface="+mn-ea"/>
+                <a:cs typeface="+mn-cs"/>
+              </a:defRPr>
+            </a:lvl8pPr>
+            <a:lvl9pPr marL="3886200" indent="-228600" algn="l" defTabSz="914400" rtl="0" eaLnBrk="1" latinLnBrk="0" hangingPunct="1">
+              <a:lnSpc>
+                <a:spcPct val="90000"/>
+              </a:lnSpc>
+              <a:spcBef>
+                <a:spcPts val="500"/>
+              </a:spcBef>
+              <a:buFont typeface="Arial" panose="020B0604020202020204" pitchFamily="34" charset="0"/>
+              <a:buChar char="•"/>
+              <a:defRPr sz="1800" kern="1200">
+                <a:solidFill>
+                  <a:schemeClr val="tx1"/>
+                </a:solidFill>
+                <a:latin typeface="+mn-lt"/>
+                <a:ea typeface="+mn-ea"/>
+                <a:cs typeface="+mn-cs"/>
+              </a:defRPr>
+            </a:lvl9pPr>
+          </a:lstStyle>
+          <a:p>
+            <a:pPr marL="0" marR="0" indent="0">
+              <a:lnSpc>
+                <a:spcPct val="100000"/>
+              </a:lnSpc>
+              <a:buNone/>
+            </a:pPr>
+            <a:r>
+              <a:rPr lang="en-US" sz="1800" dirty="0">
+                <a:effectLst/>
+                <a:ea typeface="Times New Roman" panose="02020603050405020304" pitchFamily="18" charset="0"/>
+              </a:rPr>
+              <a:t>Lowest consumption: winter months </a:t>
+            </a:r>
+          </a:p>
+          <a:p>
+            <a:pPr marL="0" marR="0" indent="0">
+              <a:lnSpc>
+                <a:spcPct val="100000"/>
+              </a:lnSpc>
+              <a:buNone/>
+            </a:pPr>
+            <a:r>
+              <a:rPr lang="en-US" sz="1800" dirty="0">
+                <a:ea typeface="Times New Roman" panose="02020603050405020304" pitchFamily="18" charset="0"/>
+              </a:rPr>
+              <a:t>Highest consumption: </a:t>
+            </a:r>
+            <a:r>
+              <a:rPr lang="en-US" sz="1800" dirty="0">
+                <a:effectLst/>
+                <a:ea typeface="Times New Roman" panose="02020603050405020304" pitchFamily="18" charset="0"/>
+              </a:rPr>
+              <a:t>summer months </a:t>
+            </a:r>
+          </a:p>
+          <a:p>
+            <a:pPr marL="0" indent="0">
+              <a:lnSpc>
+                <a:spcPct val="100000"/>
+              </a:lnSpc>
+              <a:buNone/>
+            </a:pPr>
+            <a:endParaRPr lang="en-US" sz="1800" dirty="0"/>
+          </a:p>
+        </p:txBody>
+      </p:sp>
+    </p:spTree>
+    <p:extLst>
+      <p:ext uri="{BB962C8B-B14F-4D97-AF65-F5344CB8AC3E}">
+        <p14:creationId xmlns:p14="http://schemas.microsoft.com/office/powerpoint/2010/main" val="851610813"/>
+      </p:ext>
+    </p:extLst>
+  </p:cSld>
+  <p:clrMapOvr>
+    <a:masterClrMapping/>
+  </p:clrMapOvr>
+  <p:timing>
+    <p:tnLst>
+      <p:par>
+        <p:cTn id="1" dur="indefinite" restart="never" nodeType="tmRoot">
+          <p:childTnLst>
+            <p:seq concurrent="1" nextAc="seek">
+              <p:cTn id="2" dur="indefinite" nodeType="mainSeq">
+                <p:childTnLst>
+                  <p:par>
+                    <p:cTn id="3" fill="hold">
+                      <p:stCondLst>
+                        <p:cond delay="indefinite"/>
+                      </p:stCondLst>
+                      <p:childTnLst>
+                        <p:par>
+                          <p:cTn id="4" fill="hold">
+                            <p:stCondLst>
+                              <p:cond delay="0"/>
+                            </p:stCondLst>
+                            <p:childTnLst>
+                              <p:par>
+                                <p:cTn id="5" presetID="1" presetClass="entr" presetSubtype="0" fill="hold" nodeType="clickEffect">
+                                  <p:stCondLst>
+                                    <p:cond delay="0"/>
+                                  </p:stCondLst>
+                                  <p:childTnLst>
+                                    <p:set>
+                                      <p:cBhvr>
+                                        <p:cTn id="6" dur="1" fill="hold">
+                                          <p:stCondLst>
+                                            <p:cond delay="0"/>
+                                          </p:stCondLst>
+                                        </p:cTn>
+                                        <p:tgtEl>
+                                          <p:spTgt spid="8"/>
+                                        </p:tgtEl>
+                                        <p:attrNameLst>
+                                          <p:attrName>style.visibility</p:attrName>
+                                        </p:attrNameLst>
+                                      </p:cBhvr>
+                                      <p:to>
+                                        <p:strVal val="visible"/>
+                                      </p:to>
+                                    </p:set>
+                                  </p:childTnLst>
+                                </p:cTn>
+                              </p:par>
+                            </p:childTnLst>
+                          </p:cTn>
+                        </p:par>
+                      </p:childTnLst>
+                    </p:cTn>
+                  </p:par>
+                  <p:par>
+                    <p:cTn id="7" fill="hold">
+                      <p:stCondLst>
+                        <p:cond delay="indefinite"/>
+                      </p:stCondLst>
+                      <p:childTnLst>
+                        <p:par>
+                          <p:cTn id="8" fill="hold">
+                            <p:stCondLst>
+                              <p:cond delay="0"/>
+                            </p:stCondLst>
+                            <p:childTnLst>
+                              <p:par>
+                                <p:cTn id="9" presetID="1" presetClass="entr" presetSubtype="0" fill="hold" grpId="0" nodeType="clickEffect">
+                                  <p:stCondLst>
+                                    <p:cond delay="0"/>
+                                  </p:stCondLst>
+                                  <p:childTnLst>
+                                    <p:set>
+                                      <p:cBhvr>
+                                        <p:cTn id="10" dur="1" fill="hold">
+                                          <p:stCondLst>
+                                            <p:cond delay="0"/>
+                                          </p:stCondLst>
+                                        </p:cTn>
+                                        <p:tgtEl>
+                                          <p:spTgt spid="10">
+                                            <p:txEl>
+                                              <p:pRg st="0" end="0"/>
+                                            </p:txEl>
+                                          </p:spTgt>
+                                        </p:tgtEl>
+                                        <p:attrNameLst>
+                                          <p:attrName>style.visibility</p:attrName>
+                                        </p:attrNameLst>
+                                      </p:cBhvr>
+                                      <p:to>
+                                        <p:strVal val="visible"/>
+                                      </p:to>
+                                    </p:set>
+                                  </p:childTnLst>
+                                  <p:subTnLst>
+                                    <p:animClr clrSpc="rgb" dir="cw">
+                                      <p:cBhvr override="childStyle">
+                                        <p:cTn dur="1" fill="hold" display="0" masterRel="nextClick" afterEffect="1"/>
+                                        <p:tgtEl>
+                                          <p:spTgt spid="10">
+                                            <p:txEl>
+                                              <p:pRg st="0" end="0"/>
+                                            </p:txEl>
+                                          </p:spTgt>
+                                        </p:tgtEl>
+                                        <p:attrNameLst>
+                                          <p:attrName>ppt_c</p:attrName>
+                                        </p:attrNameLst>
+                                      </p:cBhvr>
+                                      <p:to>
+                                        <a:srgbClr val="424242"/>
+                                      </p:to>
+                                    </p:animClr>
+                                  </p:subTnLst>
+                                </p:cTn>
+                              </p:par>
+                            </p:childTnLst>
+                          </p:cTn>
+                        </p:par>
+                      </p:childTnLst>
+                    </p:cTn>
+                  </p:par>
+                  <p:par>
+                    <p:cTn id="11" fill="hold">
+                      <p:stCondLst>
+                        <p:cond delay="indefinite"/>
+                      </p:stCondLst>
+                      <p:childTnLst>
+                        <p:par>
+                          <p:cTn id="12" fill="hold">
+                            <p:stCondLst>
+                              <p:cond delay="0"/>
+                            </p:stCondLst>
+                            <p:childTnLst>
+                              <p:par>
+                                <p:cTn id="13" presetID="1" presetClass="entr" presetSubtype="0" fill="hold" nodeType="clickEffect">
+                                  <p:stCondLst>
+                                    <p:cond delay="0"/>
+                                  </p:stCondLst>
+                                  <p:childTnLst>
+                                    <p:set>
+                                      <p:cBhvr>
+                                        <p:cTn id="14" dur="1" fill="hold">
+                                          <p:stCondLst>
+                                            <p:cond delay="0"/>
+                                          </p:stCondLst>
+                                        </p:cTn>
+                                        <p:tgtEl>
+                                          <p:spTgt spid="9"/>
+                                        </p:tgtEl>
+                                        <p:attrNameLst>
+                                          <p:attrName>style.visibility</p:attrName>
+                                        </p:attrNameLst>
+                                      </p:cBhvr>
+                                      <p:to>
+                                        <p:strVal val="visible"/>
+                                      </p:to>
+                                    </p:set>
+                                  </p:childTnLst>
+                                </p:cTn>
+                              </p:par>
+                            </p:childTnLst>
+                          </p:cTn>
+                        </p:par>
+                      </p:childTnLst>
+                    </p:cTn>
+                  </p:par>
+                  <p:par>
+                    <p:cTn id="15" fill="hold">
+                      <p:stCondLst>
+                        <p:cond delay="indefinite"/>
+                      </p:stCondLst>
+                      <p:childTnLst>
+                        <p:par>
+                          <p:cTn id="16" fill="hold">
+                            <p:stCondLst>
+                              <p:cond delay="0"/>
+                            </p:stCondLst>
+                            <p:childTnLst>
+                              <p:par>
+                                <p:cTn id="17" presetID="1" presetClass="entr" presetSubtype="0" fill="hold" grpId="0" nodeType="clickEffect">
+                                  <p:stCondLst>
+                                    <p:cond delay="0"/>
+                                  </p:stCondLst>
+                                  <p:childTnLst>
+                                    <p:set>
+                                      <p:cBhvr>
+                                        <p:cTn id="18" dur="1" fill="hold">
+                                          <p:stCondLst>
+                                            <p:cond delay="0"/>
+                                          </p:stCondLst>
+                                        </p:cTn>
+                                        <p:tgtEl>
+                                          <p:spTgt spid="11"/>
+                                        </p:tgtEl>
+                                        <p:attrNameLst>
+                                          <p:attrName>style.visibility</p:attrName>
+                                        </p:attrNameLst>
+                                      </p:cBhvr>
+                                      <p:to>
+                                        <p:strVal val="visible"/>
+                                      </p:to>
+                                    </p:set>
+                                  </p:childTnLst>
+                                </p:cTn>
+                              </p:par>
+                            </p:childTnLst>
+                          </p:cTn>
+                        </p:par>
+                      </p:childTnLst>
+                    </p:cTn>
+                  </p:par>
+                </p:childTnLst>
+              </p:cTn>
+              <p:prevCondLst>
+                <p:cond evt="onPrev" delay="0">
+                  <p:tgtEl>
+                    <p:sldTgt/>
+                  </p:tgtEl>
+                </p:cond>
+              </p:prevCondLst>
+              <p:nextCondLst>
+                <p:cond evt="onNext" delay="0">
+                  <p:tgtEl>
+                    <p:sldTgt/>
+                  </p:tgtEl>
+                </p:cond>
+              </p:nextCondLst>
+            </p:seq>
+          </p:childTnLst>
+        </p:cTn>
+      </p:par>
+    </p:tnLst>
+    <p:bldLst>
+      <p:bldP spid="10" grpId="0" build="p"/>
+      <p:bldP spid="11" grpId="0"/>
+    </p:bldLst>
+  </p:timing>
+</p:sld>
+</file>
+
+<file path=ppt/slides/slide7.xml><?xml version="1.0" encoding="utf-8"?>
+<p:sld xmlns:a="http://schemas.openxmlformats.org/drawingml/2006/main" xmlns:r="http://schemas.openxmlformats.org/officeDocument/2006/relationships" xmlns:p="http://schemas.openxmlformats.org/presentationml/2006/main">
+  <p:cSld>
+    <p:spTree>
+      <p:nvGrpSpPr>
+        <p:cNvPr id="1" name=""/>
+        <p:cNvGrpSpPr/>
+        <p:nvPr/>
+      </p:nvGrpSpPr>
+      <p:grpSpPr>
+        <a:xfrm>
+          <a:off x="0" y="0"/>
+          <a:ext cx="0" cy="0"/>
+          <a:chOff x="0" y="0"/>
+          <a:chExt cx="0" cy="0"/>
+        </a:xfrm>
+      </p:grpSpPr>
+      <p:cxnSp>
+        <p:nvCxnSpPr>
+          <p:cNvPr id="4" name="Straight Connector 3">
+            <a:extLst>
+              <a:ext uri="{FF2B5EF4-FFF2-40B4-BE49-F238E27FC236}">
+                <a16:creationId xmlns:a16="http://schemas.microsoft.com/office/drawing/2014/main" id="{3C7F1CCD-8D6D-F2D5-A0BF-975718B08EF2}"/>
+              </a:ext>
+            </a:extLst>
+          </p:cNvPr>
+          <p:cNvCxnSpPr/>
+          <p:nvPr/>
+        </p:nvCxnSpPr>
+        <p:spPr>
+          <a:xfrm>
+            <a:off x="4345781" y="1543050"/>
+            <a:ext cx="3500437" cy="0"/>
+          </a:xfrm>
+          <a:prstGeom prst="line">
+            <a:avLst/>
+          </a:prstGeom>
+          <a:ln w="57150">
+            <a:solidFill>
+              <a:schemeClr val="accent2">
+                <a:lumMod val="60000"/>
+                <a:lumOff val="40000"/>
+              </a:schemeClr>
+            </a:solidFill>
+          </a:ln>
+        </p:spPr>
+        <p:style>
+          <a:lnRef idx="1">
+            <a:schemeClr val="accent1"/>
+          </a:lnRef>
+          <a:fillRef idx="0">
+            <a:schemeClr val="accent1"/>
+          </a:fillRef>
+          <a:effectRef idx="0">
+            <a:schemeClr val="accent1"/>
+          </a:effectRef>
+          <a:fontRef idx="minor">
+            <a:schemeClr val="tx1"/>
+          </a:fontRef>
+        </p:style>
+      </p:cxnSp>
+      <p:sp>
+        <p:nvSpPr>
+          <p:cNvPr id="10" name="Content Placeholder 2">
+            <a:extLst>
+              <a:ext uri="{FF2B5EF4-FFF2-40B4-BE49-F238E27FC236}">
+                <a16:creationId xmlns:a16="http://schemas.microsoft.com/office/drawing/2014/main" id="{9CDE1CE2-5399-1ADE-59EE-8BB952884E9C}"/>
+              </a:ext>
+            </a:extLst>
+          </p:cNvPr>
+          <p:cNvSpPr>
+            <a:spLocks noGrp="1"/>
+          </p:cNvSpPr>
+          <p:nvPr>
+            <p:ph idx="1"/>
+          </p:nvPr>
+        </p:nvSpPr>
+        <p:spPr>
+          <a:xfrm>
+            <a:off x="838200" y="5705242"/>
+            <a:ext cx="10424779" cy="887993"/>
+          </a:xfrm>
+        </p:spPr>
+        <p:txBody>
+          <a:bodyPr>
+            <a:noAutofit/>
+          </a:bodyPr>
+          <a:lstStyle/>
+          <a:p>
+            <a:pPr marL="0" indent="0">
+              <a:lnSpc>
+                <a:spcPct val="110000"/>
+              </a:lnSpc>
+              <a:buNone/>
+            </a:pPr>
+            <a:r>
+              <a:rPr lang="en-US" sz="1800" kern="0" dirty="0">
+                <a:effectLst/>
+                <a:ea typeface="Times New Roman" panose="02020603050405020304" pitchFamily="18" charset="0"/>
+              </a:rPr>
+              <a:t>The solar irradiation has a very similar pattern to the energy consumption. </a:t>
+            </a:r>
+            <a:r>
+              <a:rPr lang="en-US" sz="1800" dirty="0">
+                <a:effectLst/>
+                <a:ea typeface="Times New Roman" panose="02020603050405020304" pitchFamily="18" charset="0"/>
+              </a:rPr>
+              <a:t>This is important since it will be the source of energy for the renewable energy receptors.</a:t>
+            </a:r>
+          </a:p>
+        </p:txBody>
+      </p:sp>
+      <p:pic>
+        <p:nvPicPr>
+          <p:cNvPr id="3" name="Picture 2" descr="A green and blue line&#10;&#10;Description automatically generated">
+            <a:extLst>
+              <a:ext uri="{FF2B5EF4-FFF2-40B4-BE49-F238E27FC236}">
+                <a16:creationId xmlns:a16="http://schemas.microsoft.com/office/drawing/2014/main" id="{B0029377-B054-7469-9C91-585F41B68074}"/>
+              </a:ext>
+            </a:extLst>
+          </p:cNvPr>
+          <p:cNvPicPr>
+            <a:picLocks noChangeAspect="1"/>
+          </p:cNvPicPr>
+          <p:nvPr/>
+        </p:nvPicPr>
+        <p:blipFill>
+          <a:blip r:embed="rId2">
+            <a:extLst>
+              <a:ext uri="{28A0092B-C50C-407E-A947-70E740481C1C}">
+                <a14:useLocalDpi xmlns:a14="http://schemas.microsoft.com/office/drawing/2010/main" val="0"/>
+              </a:ext>
+            </a:extLst>
+          </a:blip>
+          <a:srcRect/>
+          <a:stretch>
+            <a:fillRect/>
+          </a:stretch>
+        </p:blipFill>
+        <p:spPr bwMode="auto">
+          <a:xfrm>
+            <a:off x="838200" y="2151178"/>
+            <a:ext cx="4729192" cy="3451032"/>
+          </a:xfrm>
+          <a:prstGeom prst="rect">
+            <a:avLst/>
+          </a:prstGeom>
+          <a:solidFill>
+            <a:schemeClr val="tx1"/>
+          </a:solidFill>
+          <a:ln>
+            <a:noFill/>
+          </a:ln>
+        </p:spPr>
+      </p:pic>
+      <p:sp>
+        <p:nvSpPr>
+          <p:cNvPr id="7" name="Title 1">
+            <a:extLst>
+              <a:ext uri="{FF2B5EF4-FFF2-40B4-BE49-F238E27FC236}">
+                <a16:creationId xmlns:a16="http://schemas.microsoft.com/office/drawing/2014/main" id="{A08AA44A-74F6-E214-7D6A-C7D85632AD1B}"/>
+              </a:ext>
+            </a:extLst>
+          </p:cNvPr>
+          <p:cNvSpPr txBox="1">
+            <a:spLocks/>
+          </p:cNvSpPr>
+          <p:nvPr/>
+        </p:nvSpPr>
+        <p:spPr>
+          <a:xfrm>
+            <a:off x="838200" y="365125"/>
+            <a:ext cx="10515600" cy="1788725"/>
+          </a:xfrm>
+          <a:prstGeom prst="rect">
+            <a:avLst/>
+          </a:prstGeom>
+        </p:spPr>
+        <p:txBody>
+          <a:bodyPr vert="horz" lIns="91440" tIns="45720" rIns="91440" bIns="45720" rtlCol="0" anchor="ctr">
+            <a:normAutofit/>
+          </a:bodyPr>
+          <a:lstStyle>
+            <a:lvl1pPr algn="l" defTabSz="914400" rtl="0" eaLnBrk="1" latinLnBrk="0" hangingPunct="1">
+              <a:lnSpc>
+                <a:spcPct val="90000"/>
+              </a:lnSpc>
+              <a:spcBef>
+                <a:spcPct val="0"/>
+              </a:spcBef>
+              <a:buNone/>
+              <a:defRPr sz="4400" kern="1200">
+                <a:solidFill>
+                  <a:schemeClr val="tx1"/>
+                </a:solidFill>
+                <a:latin typeface="+mj-lt"/>
+                <a:ea typeface="+mj-ea"/>
+                <a:cs typeface="+mj-cs"/>
+              </a:defRPr>
+            </a:lvl1pPr>
+          </a:lstStyle>
+          <a:p>
+            <a:pPr algn="ctr">
+              <a:lnSpc>
+                <a:spcPct val="150000"/>
+              </a:lnSpc>
+            </a:pPr>
+            <a:r>
+              <a:rPr lang="en-US" b="1" dirty="0"/>
+              <a:t>Exploratory Data Analysis</a:t>
+            </a:r>
+            <a:br>
+              <a:rPr lang="en-US" b="1" dirty="0"/>
+            </a:br>
+            <a:r>
+              <a:rPr lang="en-US" sz="2200" b="1" dirty="0"/>
+              <a:t>Solar Irradiation (GHI)</a:t>
+            </a:r>
+          </a:p>
+        </p:txBody>
+      </p:sp>
+      <p:pic>
+        <p:nvPicPr>
+          <p:cNvPr id="12" name="Picture 11" descr="A black and orange bar graph&#10;&#10;Description automatically generated with medium confidence">
+            <a:extLst>
+              <a:ext uri="{FF2B5EF4-FFF2-40B4-BE49-F238E27FC236}">
+                <a16:creationId xmlns:a16="http://schemas.microsoft.com/office/drawing/2014/main" id="{1B6145FE-AB61-92FE-9A78-D5A722037F9C}"/>
+              </a:ext>
+            </a:extLst>
+          </p:cNvPr>
+          <p:cNvPicPr>
+            <a:picLocks noChangeAspect="1"/>
+          </p:cNvPicPr>
+          <p:nvPr/>
+        </p:nvPicPr>
+        <p:blipFill>
+          <a:blip r:embed="rId3"/>
+          <a:stretch>
+            <a:fillRect/>
+          </a:stretch>
+        </p:blipFill>
+        <p:spPr>
+          <a:xfrm>
+            <a:off x="6521026" y="2151177"/>
+            <a:ext cx="4741953" cy="3451017"/>
+          </a:xfrm>
+          <a:prstGeom prst="rect">
+            <a:avLst/>
+          </a:prstGeom>
+          <a:solidFill>
+            <a:schemeClr val="tx1"/>
+          </a:solidFill>
+        </p:spPr>
+      </p:pic>
+    </p:spTree>
+    <p:extLst>
+      <p:ext uri="{BB962C8B-B14F-4D97-AF65-F5344CB8AC3E}">
+        <p14:creationId xmlns:p14="http://schemas.microsoft.com/office/powerpoint/2010/main" val="361233541"/>
+      </p:ext>
+    </p:extLst>
+  </p:cSld>
+  <p:clrMapOvr>
+    <a:masterClrMapping/>
+  </p:clrMapOvr>
+  <p:timing>
+    <p:tnLst>
+      <p:par>
+        <p:cTn id="1" dur="indefinite" restart="never" nodeType="tmRoot">
+          <p:childTnLst>
+            <p:seq concurrent="1" nextAc="seek">
+              <p:cTn id="2" dur="indefinite" nodeType="mainSeq">
+                <p:childTnLst>
+                  <p:par>
+                    <p:cTn id="3" fill="hold">
+                      <p:stCondLst>
+                        <p:cond delay="indefinite"/>
+                      </p:stCondLst>
+                      <p:childTnLst>
+                        <p:par>
+                          <p:cTn id="4" fill="hold">
+                            <p:stCondLst>
+                              <p:cond delay="0"/>
+                            </p:stCondLst>
+                            <p:childTnLst>
+                              <p:par>
+                                <p:cTn id="5" presetID="1" presetClass="entr" presetSubtype="0" fill="hold" nodeType="clickEffect">
+                                  <p:stCondLst>
+                                    <p:cond delay="0"/>
+                                  </p:stCondLst>
+                                  <p:childTnLst>
+                                    <p:set>
+                                      <p:cBhvr>
+                                        <p:cTn id="6" dur="1" fill="hold">
+                                          <p:stCondLst>
+                                            <p:cond delay="0"/>
+                                          </p:stCondLst>
+                                        </p:cTn>
+                                        <p:tgtEl>
+                                          <p:spTgt spid="3"/>
+                                        </p:tgtEl>
+                                        <p:attrNameLst>
+                                          <p:attrName>style.visibility</p:attrName>
+                                        </p:attrNameLst>
+                                      </p:cBhvr>
+                                      <p:to>
+                                        <p:strVal val="visible"/>
+                                      </p:to>
+                                    </p:set>
+                                  </p:childTnLst>
+                                </p:cTn>
+                              </p:par>
+                            </p:childTnLst>
+                          </p:cTn>
+                        </p:par>
+                      </p:childTnLst>
+                    </p:cTn>
+                  </p:par>
+                  <p:par>
+                    <p:cTn id="7" fill="hold">
+                      <p:stCondLst>
+                        <p:cond delay="indefinite"/>
+                      </p:stCondLst>
+                      <p:childTnLst>
+                        <p:par>
+                          <p:cTn id="8" fill="hold">
+                            <p:stCondLst>
+                              <p:cond delay="0"/>
+                            </p:stCondLst>
+                            <p:childTnLst>
+                              <p:par>
+                                <p:cTn id="9" presetID="1" presetClass="entr" presetSubtype="0" fill="hold" nodeType="clickEffect">
+                                  <p:stCondLst>
+                                    <p:cond delay="0"/>
+                                  </p:stCondLst>
+                                  <p:childTnLst>
+                                    <p:set>
+                                      <p:cBhvr>
+                                        <p:cTn id="10" dur="1" fill="hold">
+                                          <p:stCondLst>
+                                            <p:cond delay="0"/>
+                                          </p:stCondLst>
+                                        </p:cTn>
+                                        <p:tgtEl>
+                                          <p:spTgt spid="12"/>
+                                        </p:tgtEl>
+                                        <p:attrNameLst>
+                                          <p:attrName>style.visibility</p:attrName>
+                                        </p:attrNameLst>
+                                      </p:cBhvr>
+                                      <p:to>
+                                        <p:strVal val="visible"/>
+                                      </p:to>
+                                    </p:set>
+                                  </p:childTnLst>
+                                </p:cTn>
+                              </p:par>
+                            </p:childTnLst>
+                          </p:cTn>
+                        </p:par>
+                      </p:childTnLst>
+                    </p:cTn>
+                  </p:par>
+                  <p:par>
+                    <p:cTn id="11" fill="hold">
+                      <p:stCondLst>
+                        <p:cond delay="indefinite"/>
+                      </p:stCondLst>
+                      <p:childTnLst>
+                        <p:par>
+                          <p:cTn id="12" fill="hold">
+                            <p:stCondLst>
+                              <p:cond delay="0"/>
+                            </p:stCondLst>
+                            <p:childTnLst>
+                              <p:par>
+                                <p:cTn id="13" presetID="1" presetClass="entr" presetSubtype="0" fill="hold" grpId="0" nodeType="clickEffect">
+                                  <p:stCondLst>
+                                    <p:cond delay="0"/>
+                                  </p:stCondLst>
+                                  <p:childTnLst>
+                                    <p:set>
+                                      <p:cBhvr>
+                                        <p:cTn id="14" dur="1" fill="hold">
+                                          <p:stCondLst>
+                                            <p:cond delay="0"/>
+                                          </p:stCondLst>
+                                        </p:cTn>
+                                        <p:tgtEl>
+                                          <p:spTgt spid="10">
+                                            <p:txEl>
+                                              <p:pRg st="0" end="0"/>
+                                            </p:txEl>
+                                          </p:spTgt>
+                                        </p:tgtEl>
+                                        <p:attrNameLst>
+                                          <p:attrName>style.visibility</p:attrName>
+                                        </p:attrNameLst>
+                                      </p:cBhvr>
+                                      <p:to>
+                                        <p:strVal val="visible"/>
+                                      </p:to>
+                                    </p:set>
+                                  </p:childTnLst>
+                                </p:cTn>
+                              </p:par>
+                            </p:childTnLst>
+                          </p:cTn>
+                        </p:par>
+                      </p:childTnLst>
+                    </p:cTn>
+                  </p:par>
+                </p:childTnLst>
+              </p:cTn>
+              <p:prevCondLst>
+                <p:cond evt="onPrev" delay="0">
+                  <p:tgtEl>
+                    <p:sldTgt/>
+                  </p:tgtEl>
+                </p:cond>
+              </p:prevCondLst>
+              <p:nextCondLst>
+                <p:cond evt="onNext" delay="0">
+                  <p:tgtEl>
+                    <p:sldTgt/>
+                  </p:tgtEl>
+                </p:cond>
+              </p:nextCondLst>
+            </p:seq>
+          </p:childTnLst>
+        </p:cTn>
+      </p:par>
+    </p:tnLst>
+    <p:bldLst>
+      <p:bldP spid="10" grpId="0" build="p"/>
+    </p:bldLst>
+  </p:timing>
+</p:sld>
+</file>
+
+<file path=ppt/slides/slide8.xml><?xml version="1.0" encoding="utf-8"?>
+<p:sld xmlns:a="http://schemas.openxmlformats.org/drawingml/2006/main" xmlns:r="http://schemas.openxmlformats.org/officeDocument/2006/relationships" xmlns:p="http://schemas.openxmlformats.org/presentationml/2006/main">
+  <p:cSld>
+    <p:spTree>
+      <p:nvGrpSpPr>
+        <p:cNvPr id="1" name=""/>
+        <p:cNvGrpSpPr/>
+        <p:nvPr/>
+      </p:nvGrpSpPr>
+      <p:grpSpPr>
+        <a:xfrm>
+          <a:off x="0" y="0"/>
+          <a:ext cx="0" cy="0"/>
+          <a:chOff x="0" y="0"/>
+          <a:chExt cx="0" cy="0"/>
+        </a:xfrm>
+      </p:grpSpPr>
+      <p:cxnSp>
+        <p:nvCxnSpPr>
+          <p:cNvPr id="4" name="Straight Connector 3">
+            <a:extLst>
+              <a:ext uri="{FF2B5EF4-FFF2-40B4-BE49-F238E27FC236}">
+                <a16:creationId xmlns:a16="http://schemas.microsoft.com/office/drawing/2014/main" id="{3C7F1CCD-8D6D-F2D5-A0BF-975718B08EF2}"/>
+              </a:ext>
+            </a:extLst>
+          </p:cNvPr>
+          <p:cNvCxnSpPr/>
+          <p:nvPr/>
+        </p:nvCxnSpPr>
+        <p:spPr>
+          <a:xfrm>
+            <a:off x="4345781" y="1543050"/>
+            <a:ext cx="3500437" cy="0"/>
+          </a:xfrm>
+          <a:prstGeom prst="line">
+            <a:avLst/>
+          </a:prstGeom>
+          <a:ln w="57150">
+            <a:solidFill>
+              <a:schemeClr val="accent2">
+                <a:lumMod val="60000"/>
+                <a:lumOff val="40000"/>
+              </a:schemeClr>
+            </a:solidFill>
+          </a:ln>
+        </p:spPr>
+        <p:style>
+          <a:lnRef idx="1">
+            <a:schemeClr val="accent1"/>
+          </a:lnRef>
+          <a:fillRef idx="0">
+            <a:schemeClr val="accent1"/>
+          </a:fillRef>
+          <a:effectRef idx="0">
+            <a:schemeClr val="accent1"/>
+          </a:effectRef>
+          <a:fontRef idx="minor">
+            <a:schemeClr val="tx1"/>
+          </a:fontRef>
+        </p:style>
+      </p:cxnSp>
+      <p:sp>
+        <p:nvSpPr>
+          <p:cNvPr id="7" name="Title 1">
+            <a:extLst>
+              <a:ext uri="{FF2B5EF4-FFF2-40B4-BE49-F238E27FC236}">
+                <a16:creationId xmlns:a16="http://schemas.microsoft.com/office/drawing/2014/main" id="{A08AA44A-74F6-E214-7D6A-C7D85632AD1B}"/>
+              </a:ext>
+            </a:extLst>
+          </p:cNvPr>
+          <p:cNvSpPr txBox="1">
+            <a:spLocks/>
+          </p:cNvSpPr>
+          <p:nvPr/>
+        </p:nvSpPr>
+        <p:spPr>
+          <a:xfrm>
+            <a:off x="838200" y="365125"/>
+            <a:ext cx="10515600" cy="1788725"/>
+          </a:xfrm>
+          <a:prstGeom prst="rect">
+            <a:avLst/>
+          </a:prstGeom>
+        </p:spPr>
+        <p:txBody>
+          <a:bodyPr vert="horz" lIns="91440" tIns="45720" rIns="91440" bIns="45720" rtlCol="0" anchor="ctr">
+            <a:normAutofit/>
+          </a:bodyPr>
+          <a:lstStyle>
+            <a:lvl1pPr algn="l" defTabSz="914400" rtl="0" eaLnBrk="1" latinLnBrk="0" hangingPunct="1">
+              <a:lnSpc>
+                <a:spcPct val="90000"/>
+              </a:lnSpc>
+              <a:spcBef>
+                <a:spcPct val="0"/>
+              </a:spcBef>
+              <a:buNone/>
+              <a:defRPr sz="4400" kern="1200">
+                <a:solidFill>
+                  <a:schemeClr val="tx1"/>
+                </a:solidFill>
+                <a:latin typeface="+mj-lt"/>
+                <a:ea typeface="+mj-ea"/>
+                <a:cs typeface="+mj-cs"/>
+              </a:defRPr>
+            </a:lvl1pPr>
+          </a:lstStyle>
+          <a:p>
+            <a:pPr algn="ctr">
+              <a:lnSpc>
+                <a:spcPct val="150000"/>
+              </a:lnSpc>
+            </a:pPr>
+            <a:r>
+              <a:rPr lang="en-US" b="1" dirty="0"/>
+              <a:t>Exploratory Data Analysis</a:t>
+            </a:r>
+            <a:br>
+              <a:rPr lang="en-US" b="1" dirty="0"/>
+            </a:br>
+            <a:endParaRPr lang="en-US" sz="2200" b="1" dirty="0"/>
+          </a:p>
+        </p:txBody>
+      </p:sp>
+      <p:pic>
+        <p:nvPicPr>
+          <p:cNvPr id="2" name="Picture 1" descr="A blue bar graph with red lines&#10;&#10;Description automatically generated">
+            <a:extLst>
+              <a:ext uri="{FF2B5EF4-FFF2-40B4-BE49-F238E27FC236}">
+                <a16:creationId xmlns:a16="http://schemas.microsoft.com/office/drawing/2014/main" id="{3E3950A6-4EE1-19EF-6A24-421FF4A47F40}"/>
+              </a:ext>
+            </a:extLst>
+          </p:cNvPr>
+          <p:cNvPicPr>
+            <a:picLocks noChangeAspect="1"/>
+          </p:cNvPicPr>
+          <p:nvPr/>
+        </p:nvPicPr>
+        <p:blipFill>
+          <a:blip r:embed="rId2">
+            <a:extLst>
+              <a:ext uri="{28A0092B-C50C-407E-A947-70E740481C1C}">
+                <a14:useLocalDpi xmlns:a14="http://schemas.microsoft.com/office/drawing/2010/main" val="0"/>
+              </a:ext>
+            </a:extLst>
+          </a:blip>
+          <a:srcRect/>
+          <a:stretch>
+            <a:fillRect/>
+          </a:stretch>
+        </p:blipFill>
+        <p:spPr bwMode="auto">
+          <a:xfrm>
+            <a:off x="976445" y="1839952"/>
+            <a:ext cx="10239108" cy="4460488"/>
+          </a:xfrm>
+          <a:prstGeom prst="rect">
+            <a:avLst/>
+          </a:prstGeom>
+          <a:solidFill>
+            <a:schemeClr val="tx1"/>
+          </a:solidFill>
+          <a:ln>
+            <a:noFill/>
+          </a:ln>
+        </p:spPr>
+      </p:pic>
+    </p:spTree>
+    <p:extLst>
+      <p:ext uri="{BB962C8B-B14F-4D97-AF65-F5344CB8AC3E}">
+        <p14:creationId xmlns:p14="http://schemas.microsoft.com/office/powerpoint/2010/main" val="3785534219"/>
+      </p:ext>
+    </p:extLst>
+  </p:cSld>
+  <p:clrMapOvr>
+    <a:masterClrMapping/>
+  </p:clrMapOvr>
+  <p:timing>
+    <p:tnLst>
+      <p:par>
+        <p:cTn id="1" dur="indefinite" restart="never" nodeType="tmRoot">
+          <p:childTnLst>
+            <p:seq concurrent="1" nextAc="seek">
+              <p:cTn id="2" dur="indefinite" nodeType="mainSeq">
+                <p:childTnLst>
+                  <p:par>
+                    <p:cTn id="3" fill="hold">
+                      <p:stCondLst>
+                        <p:cond delay="indefinite"/>
+                      </p:stCondLst>
+                      <p:childTnLst>
+                        <p:par>
+                          <p:cTn id="4" fill="hold">
+                            <p:stCondLst>
+                              <p:cond delay="0"/>
+                            </p:stCondLst>
+                            <p:childTnLst>
+                              <p:par>
+                                <p:cTn id="5" presetID="1" presetClass="entr" presetSubtype="0" fill="hold" nodeType="clickEffect">
+                                  <p:stCondLst>
+                                    <p:cond delay="0"/>
+                                  </p:stCondLst>
+                                  <p:childTnLst>
+                                    <p:set>
+                                      <p:cBhvr>
+                                        <p:cTn id="6" dur="1" fill="hold">
+                                          <p:stCondLst>
+                                            <p:cond delay="0"/>
+                                          </p:stCondLst>
+                                        </p:cTn>
+                                        <p:tgtEl>
+                                          <p:spTgt spid="2"/>
+                                        </p:tgtEl>
+                                        <p:attrNameLst>
+                                          <p:attrName>style.visibility</p:attrName>
+                                        </p:attrNameLst>
+                                      </p:cBhvr>
+                                      <p:to>
+                                        <p:strVal val="visible"/>
+                                      </p:to>
+                                    </p:set>
+                                  </p:childTnLst>
+                                </p:cTn>
+                              </p:par>
+                            </p:childTnLst>
+                          </p:cTn>
+                        </p:par>
+                      </p:childTnLst>
+                    </p:cTn>
+                  </p:par>
+                </p:childTnLst>
+              </p:cTn>
+              <p:prevCondLst>
+                <p:cond evt="onPrev" delay="0">
+                  <p:tgtEl>
+                    <p:sldTgt/>
+                  </p:tgtEl>
+                </p:cond>
+              </p:prevCondLst>
+              <p:nextCondLst>
+                <p:cond evt="onNext" delay="0">
+                  <p:tgtEl>
+                    <p:sldTgt/>
+                  </p:tgtEl>
+                </p:cond>
+              </p:nextCondLst>
+            </p:seq>
+          </p:childTnLst>
+        </p:cTn>
+      </p:par>
+    </p:tnLst>
+  </p:timing>
+</p:sld>
+</file>
+
+<file path=ppt/slides/slide9.xml><?xml version="1.0" encoding="utf-8"?>
+<p:sld xmlns:a="http://schemas.openxmlformats.org/drawingml/2006/main" xmlns:r="http://schemas.openxmlformats.org/officeDocument/2006/relationships" xmlns:p="http://schemas.openxmlformats.org/presentationml/2006/main">
+  <p:cSld>
+    <p:spTree>
+      <p:nvGrpSpPr>
+        <p:cNvPr id="1" name=""/>
+        <p:cNvGrpSpPr/>
+        <p:nvPr/>
+      </p:nvGrpSpPr>
+      <p:grpSpPr>
+        <a:xfrm>
+          <a:off x="0" y="0"/>
+          <a:ext cx="0" cy="0"/>
+          <a:chOff x="0" y="0"/>
+          <a:chExt cx="0" cy="0"/>
+        </a:xfrm>
+      </p:grpSpPr>
+      <p:cxnSp>
+        <p:nvCxnSpPr>
+          <p:cNvPr id="4" name="Straight Connector 3">
+            <a:extLst>
+              <a:ext uri="{FF2B5EF4-FFF2-40B4-BE49-F238E27FC236}">
+                <a16:creationId xmlns:a16="http://schemas.microsoft.com/office/drawing/2014/main" id="{3C7F1CCD-8D6D-F2D5-A0BF-975718B08EF2}"/>
+              </a:ext>
+            </a:extLst>
+          </p:cNvPr>
+          <p:cNvCxnSpPr/>
+          <p:nvPr/>
+        </p:nvCxnSpPr>
+        <p:spPr>
+          <a:xfrm>
+            <a:off x="4345781" y="1543050"/>
+            <a:ext cx="3500437" cy="0"/>
+          </a:xfrm>
+          <a:prstGeom prst="line">
+            <a:avLst/>
+          </a:prstGeom>
+          <a:ln w="57150">
+            <a:solidFill>
+              <a:schemeClr val="accent2">
+                <a:lumMod val="60000"/>
+                <a:lumOff val="40000"/>
+              </a:schemeClr>
+            </a:solidFill>
+          </a:ln>
+        </p:spPr>
+        <p:style>
+          <a:lnRef idx="1">
+            <a:schemeClr val="accent1"/>
+          </a:lnRef>
+          <a:fillRef idx="0">
+            <a:schemeClr val="accent1"/>
+          </a:fillRef>
+          <a:effectRef idx="0">
+            <a:schemeClr val="accent1"/>
+          </a:effectRef>
+          <a:fontRef idx="minor">
+            <a:schemeClr val="tx1"/>
+          </a:fontRef>
+        </p:style>
+      </p:cxnSp>
+      <p:sp>
+        <p:nvSpPr>
+          <p:cNvPr id="7" name="Title 1">
+            <a:extLst>
+              <a:ext uri="{FF2B5EF4-FFF2-40B4-BE49-F238E27FC236}">
+                <a16:creationId xmlns:a16="http://schemas.microsoft.com/office/drawing/2014/main" id="{A08AA44A-74F6-E214-7D6A-C7D85632AD1B}"/>
+              </a:ext>
+            </a:extLst>
+          </p:cNvPr>
+          <p:cNvSpPr txBox="1">
+            <a:spLocks/>
+          </p:cNvSpPr>
+          <p:nvPr/>
+        </p:nvSpPr>
+        <p:spPr>
+          <a:xfrm>
+            <a:off x="838200" y="365125"/>
+            <a:ext cx="10515600" cy="1788725"/>
+          </a:xfrm>
+          <a:prstGeom prst="rect">
+            <a:avLst/>
+          </a:prstGeom>
+        </p:spPr>
+        <p:txBody>
+          <a:bodyPr vert="horz" lIns="91440" tIns="45720" rIns="91440" bIns="45720" rtlCol="0" anchor="ctr">
+            <a:normAutofit/>
+          </a:bodyPr>
+          <a:lstStyle>
+            <a:lvl1pPr algn="l" defTabSz="914400" rtl="0" eaLnBrk="1" latinLnBrk="0" hangingPunct="1">
+              <a:lnSpc>
+                <a:spcPct val="90000"/>
+              </a:lnSpc>
+              <a:spcBef>
+                <a:spcPct val="0"/>
+              </a:spcBef>
+              <a:buNone/>
+              <a:defRPr sz="4400" kern="1200">
+                <a:solidFill>
+                  <a:schemeClr val="tx1"/>
+                </a:solidFill>
+                <a:latin typeface="+mj-lt"/>
+                <a:ea typeface="+mj-ea"/>
+                <a:cs typeface="+mj-cs"/>
+              </a:defRPr>
+            </a:lvl1pPr>
+          </a:lstStyle>
+          <a:p>
+            <a:pPr algn="ctr">
+              <a:lnSpc>
+                <a:spcPct val="150000"/>
+              </a:lnSpc>
+            </a:pPr>
+            <a:r>
+              <a:rPr lang="en-US" b="1" dirty="0"/>
+              <a:t>Exploratory Data Analysis</a:t>
+            </a:r>
+            <a:br>
+              <a:rPr lang="en-US" b="1" dirty="0"/>
+            </a:br>
+            <a:r>
+              <a:rPr lang="en-US" sz="2400" b="1" dirty="0"/>
+              <a:t>Correlation Heatmap</a:t>
+            </a:r>
+          </a:p>
+        </p:txBody>
+      </p:sp>
+      <p:sp>
+        <p:nvSpPr>
+          <p:cNvPr id="3" name="Rectangle 2">
+            <a:extLst>
+              <a:ext uri="{FF2B5EF4-FFF2-40B4-BE49-F238E27FC236}">
+                <a16:creationId xmlns:a16="http://schemas.microsoft.com/office/drawing/2014/main" id="{0040DC22-ADFF-1A64-F29C-FE5134317423}"/>
+              </a:ext>
+            </a:extLst>
+          </p:cNvPr>
+          <p:cNvSpPr>
+            <a:spLocks noChangeArrowheads="1"/>
+          </p:cNvSpPr>
+          <p:nvPr/>
+        </p:nvSpPr>
+        <p:spPr bwMode="auto">
+          <a:xfrm>
+            <a:off x="3374578" y="2114548"/>
+            <a:ext cx="16501067" cy="45719"/>
+          </a:xfrm>
+          <a:prstGeom prst="rect">
+            <a:avLst/>
+          </a:prstGeom>
+          <a:noFill/>
+          <a:ln>
+            <a:noFill/>
+          </a:ln>
+          <a:effectLst/>
+          <a:extLst>
+            <a:ext uri="{909E8E84-426E-40DD-AFC4-6F175D3DCCD1}">
+              <a14:hiddenFill xmlns:a14="http://schemas.microsoft.com/office/drawing/2010/main">
+                <a:solidFill>
+                  <a:schemeClr val="accent1"/>
+                </a:solidFill>
+              </a14:hiddenFill>
+            </a:ext>
+            <a:ext uri="{91240B29-F687-4F45-9708-019B960494DF}">
+              <a14:hiddenLine xmlns:a14="http://schemas.microsoft.com/office/drawing/2010/main" w="9525">
+                <a:solidFill>
+                  <a:schemeClr val="tx1"/>
+                </a:solidFill>
+                <a:miter lim="800000"/>
+                <a:headEnd/>
+                <a:tailEnd/>
+              </a14:hiddenLine>
+            </a:ext>
+            <a:ext uri="{AF507438-7753-43E0-B8FC-AC1667EBCBE1}">
+              <a14:hiddenEffects xmlns:a14="http://schemas.microsoft.com/office/drawing/2010/main">
+                <a:effectLst>
+                  <a:outerShdw dist="35921" dir="2700000" algn="ctr" rotWithShape="0">
+                    <a:schemeClr val="bg2"/>
+                  </a:outerShdw>
+                </a:effectLst>
+              </a14:hiddenEffects>
+            </a:ext>
+          </a:extLst>
+        </p:spPr>
+        <p:txBody>
+          <a:bodyPr vert="horz" wrap="square" lIns="91440" tIns="45720" rIns="91440" bIns="45720" numCol="1" anchor="ctr" anchorCtr="0" compatLnSpc="1">
+            <a:prstTxWarp prst="textNoShape">
+              <a:avLst/>
+            </a:prstTxWarp>
+            <a:spAutoFit/>
+          </a:bodyPr>
+          <a:lstStyle/>
+          <a:p>
+            <a:endParaRPr lang="en-US"/>
+          </a:p>
+        </p:txBody>
+      </p:sp>
+      <p:pic>
+        <p:nvPicPr>
+          <p:cNvPr id="1025" name="Picture 17" descr="A colorful squares with white and red squares&#10;&#10;Description automatically generated">
+            <a:extLst>
+              <a:ext uri="{FF2B5EF4-FFF2-40B4-BE49-F238E27FC236}">
+                <a16:creationId xmlns:a16="http://schemas.microsoft.com/office/drawing/2014/main" id="{9B4C5E2E-8CA5-AEED-933E-C6107D894B6E}"/>
+              </a:ext>
+            </a:extLst>
+          </p:cNvPr>
+          <p:cNvPicPr>
+            <a:picLocks noChangeAspect="1" noChangeArrowheads="1"/>
+          </p:cNvPicPr>
+          <p:nvPr/>
+        </p:nvPicPr>
+        <p:blipFill>
+          <a:blip r:embed="rId2" r:link="rId3">
+            <a:extLst>
+              <a:ext uri="{28A0092B-C50C-407E-A947-70E740481C1C}">
+                <a14:useLocalDpi xmlns:a14="http://schemas.microsoft.com/office/drawing/2010/main" val="0"/>
+              </a:ext>
+            </a:extLst>
+          </a:blip>
+          <a:srcRect/>
+          <a:stretch>
+            <a:fillRect/>
+          </a:stretch>
+        </p:blipFill>
+        <p:spPr bwMode="auto">
+          <a:xfrm>
+            <a:off x="3374578" y="2114548"/>
+            <a:ext cx="8131049" cy="4378257"/>
+          </a:xfrm>
+          <a:prstGeom prst="rect">
+            <a:avLst/>
+          </a:prstGeom>
+          <a:noFill/>
+          <a:extLst>
+            <a:ext uri="{909E8E84-426E-40DD-AFC4-6F175D3DCCD1}">
+              <a14:hiddenFill xmlns:a14="http://schemas.microsoft.com/office/drawing/2010/main">
+                <a:solidFill>
+                  <a:srgbClr val="FFFFFF"/>
+                </a:solidFill>
+              </a14:hiddenFill>
+            </a:ext>
+          </a:extLst>
+        </p:spPr>
+      </p:pic>
+      <p:sp>
+        <p:nvSpPr>
+          <p:cNvPr id="5" name="Content Placeholder 2">
+            <a:extLst>
+              <a:ext uri="{FF2B5EF4-FFF2-40B4-BE49-F238E27FC236}">
+                <a16:creationId xmlns:a16="http://schemas.microsoft.com/office/drawing/2014/main" id="{F2063841-7A20-1BA2-8AEB-0473D33D4C46}"/>
+              </a:ext>
+            </a:extLst>
+          </p:cNvPr>
+          <p:cNvSpPr txBox="1">
+            <a:spLocks/>
+          </p:cNvSpPr>
+          <p:nvPr/>
+        </p:nvSpPr>
+        <p:spPr>
+          <a:xfrm>
+            <a:off x="546410" y="2114548"/>
+            <a:ext cx="2743200" cy="4069276"/>
+          </a:xfrm>
+          <a:prstGeom prst="rect">
+            <a:avLst/>
+          </a:prstGeom>
+        </p:spPr>
+        <p:txBody>
+          <a:bodyPr vert="horz" lIns="91440" tIns="45720" rIns="91440" bIns="45720" rtlCol="0">
+            <a:noAutofit/>
+          </a:bodyPr>
+          <a:lstStyle>
+            <a:lvl1pPr marL="228600" indent="-228600" algn="l" defTabSz="914400" rtl="0" eaLnBrk="1" latinLnBrk="0" hangingPunct="1">
+              <a:lnSpc>
+                <a:spcPct val="90000"/>
+              </a:lnSpc>
+              <a:spcBef>
+                <a:spcPts val="1000"/>
+              </a:spcBef>
+              <a:buFont typeface="Arial" panose="020B0604020202020204" pitchFamily="34" charset="0"/>
+              <a:buChar char="•"/>
+              <a:defRPr sz="2800" kern="1200">
+                <a:solidFill>
+                  <a:schemeClr val="tx1"/>
+                </a:solidFill>
+                <a:latin typeface="+mn-lt"/>
+                <a:ea typeface="+mn-ea"/>
+                <a:cs typeface="+mn-cs"/>
+              </a:defRPr>
+            </a:lvl1pPr>
+            <a:lvl2pPr marL="685800" indent="-228600" algn="l" defTabSz="914400" rtl="0" eaLnBrk="1" latinLnBrk="0" hangingPunct="1">
+              <a:lnSpc>
+                <a:spcPct val="90000"/>
+              </a:lnSpc>
+              <a:spcBef>
+                <a:spcPts val="500"/>
+              </a:spcBef>
+              <a:buFont typeface="Arial" panose="020B0604020202020204" pitchFamily="34" charset="0"/>
+              <a:buChar char="•"/>
+              <a:defRPr sz="2400" kern="1200">
+                <a:solidFill>
+                  <a:schemeClr val="tx1"/>
+                </a:solidFill>
+                <a:latin typeface="+mn-lt"/>
+                <a:ea typeface="+mn-ea"/>
+                <a:cs typeface="+mn-cs"/>
+              </a:defRPr>
+            </a:lvl2pPr>
+            <a:lvl3pPr marL="1143000" indent="-228600" algn="l" defTabSz="914400" rtl="0" eaLnBrk="1" latinLnBrk="0" hangingPunct="1">
+              <a:lnSpc>
+                <a:spcPct val="90000"/>
+              </a:lnSpc>
+              <a:spcBef>
+                <a:spcPts val="500"/>
+              </a:spcBef>
+              <a:buFont typeface="Arial" panose="020B0604020202020204" pitchFamily="34" charset="0"/>
+              <a:buChar char="•"/>
+              <a:defRPr sz="2000" kern="1200">
+                <a:solidFill>
+                  <a:schemeClr val="tx1"/>
+                </a:solidFill>
+                <a:latin typeface="+mn-lt"/>
+                <a:ea typeface="+mn-ea"/>
+                <a:cs typeface="+mn-cs"/>
+              </a:defRPr>
+            </a:lvl3pPr>
+            <a:lvl4pPr marL="1600200" indent="-228600" algn="l" defTabSz="914400" rtl="0" eaLnBrk="1" latinLnBrk="0" hangingPunct="1">
+              <a:lnSpc>
+                <a:spcPct val="90000"/>
+              </a:lnSpc>
+              <a:spcBef>
+                <a:spcPts val="500"/>
+              </a:spcBef>
+              <a:buFont typeface="Arial" panose="020B0604020202020204" pitchFamily="34" charset="0"/>
+              <a:buChar char="•"/>
+              <a:defRPr sz="1800" kern="1200">
+                <a:solidFill>
+                  <a:schemeClr val="tx1"/>
+                </a:solidFill>
+                <a:latin typeface="+mn-lt"/>
+                <a:ea typeface="+mn-ea"/>
+                <a:cs typeface="+mn-cs"/>
+              </a:defRPr>
+            </a:lvl4pPr>
+            <a:lvl5pPr marL="2057400" indent="-228600" algn="l" defTabSz="914400" rtl="0" eaLnBrk="1" latinLnBrk="0" hangingPunct="1">
+              <a:lnSpc>
+                <a:spcPct val="90000"/>
+              </a:lnSpc>
+              <a:spcBef>
+                <a:spcPts val="500"/>
+              </a:spcBef>
+              <a:buFont typeface="Arial" panose="020B0604020202020204" pitchFamily="34" charset="0"/>
+              <a:buChar char="•"/>
+              <a:defRPr sz="1800" kern="1200">
+                <a:solidFill>
+                  <a:schemeClr val="tx1"/>
+                </a:solidFill>
+                <a:latin typeface="+mn-lt"/>
+                <a:ea typeface="+mn-ea"/>
+                <a:cs typeface="+mn-cs"/>
+              </a:defRPr>
+            </a:lvl5pPr>
+            <a:lvl6pPr marL="2514600" indent="-228600" algn="l" defTabSz="914400" rtl="0" eaLnBrk="1" latinLnBrk="0" hangingPunct="1">
+              <a:lnSpc>
+                <a:spcPct val="90000"/>
+              </a:lnSpc>
+              <a:spcBef>
+                <a:spcPts val="500"/>
+              </a:spcBef>
+              <a:buFont typeface="Arial" panose="020B0604020202020204" pitchFamily="34" charset="0"/>
+              <a:buChar char="•"/>
+              <a:defRPr sz="1800" kern="1200">
+                <a:solidFill>
+                  <a:schemeClr val="tx1"/>
+                </a:solidFill>
+                <a:latin typeface="+mn-lt"/>
+                <a:ea typeface="+mn-ea"/>
+                <a:cs typeface="+mn-cs"/>
+              </a:defRPr>
+            </a:lvl6pPr>
+            <a:lvl7pPr marL="2971800" indent="-228600" algn="l" defTabSz="914400" rtl="0" eaLnBrk="1" latinLnBrk="0" hangingPunct="1">
+              <a:lnSpc>
+                <a:spcPct val="90000"/>
+              </a:lnSpc>
+              <a:spcBef>
+                <a:spcPts val="500"/>
+              </a:spcBef>
+              <a:buFont typeface="Arial" panose="020B0604020202020204" pitchFamily="34" charset="0"/>
+              <a:buChar char="•"/>
+              <a:defRPr sz="1800" kern="1200">
+                <a:solidFill>
+                  <a:schemeClr val="tx1"/>
+                </a:solidFill>
+                <a:latin typeface="+mn-lt"/>
+                <a:ea typeface="+mn-ea"/>
+                <a:cs typeface="+mn-cs"/>
+              </a:defRPr>
+            </a:lvl7pPr>
+            <a:lvl8pPr marL="3429000" indent="-228600" algn="l" defTabSz="914400" rtl="0" eaLnBrk="1" latinLnBrk="0" hangingPunct="1">
+              <a:lnSpc>
+                <a:spcPct val="90000"/>
+              </a:lnSpc>
+              <a:spcBef>
+                <a:spcPts val="500"/>
+              </a:spcBef>
+              <a:buFont typeface="Arial" panose="020B0604020202020204" pitchFamily="34" charset="0"/>
+              <a:buChar char="•"/>
+              <a:defRPr sz="1800" kern="1200">
+                <a:solidFill>
+                  <a:schemeClr val="tx1"/>
+                </a:solidFill>
+                <a:latin typeface="+mn-lt"/>
+                <a:ea typeface="+mn-ea"/>
+                <a:cs typeface="+mn-cs"/>
+              </a:defRPr>
+            </a:lvl8pPr>
+            <a:lvl9pPr marL="3886200" indent="-228600" algn="l" defTabSz="914400" rtl="0" eaLnBrk="1" latinLnBrk="0" hangingPunct="1">
+              <a:lnSpc>
+                <a:spcPct val="90000"/>
+              </a:lnSpc>
+              <a:spcBef>
+                <a:spcPts val="500"/>
+              </a:spcBef>
+              <a:buFont typeface="Arial" panose="020B0604020202020204" pitchFamily="34" charset="0"/>
+              <a:buChar char="•"/>
+              <a:defRPr sz="1800" kern="1200">
+                <a:solidFill>
+                  <a:schemeClr val="tx1"/>
+                </a:solidFill>
+                <a:latin typeface="+mn-lt"/>
+                <a:ea typeface="+mn-ea"/>
+                <a:cs typeface="+mn-cs"/>
+              </a:defRPr>
+            </a:lvl9pPr>
+          </a:lstStyle>
+          <a:p>
+            <a:pPr marL="0" indent="0">
+              <a:lnSpc>
+                <a:spcPct val="150000"/>
+              </a:lnSpc>
+              <a:buNone/>
+            </a:pPr>
+            <a:r>
+              <a:rPr lang="en-US" sz="2400" kern="0" dirty="0">
+                <a:latin typeface="Calibri" panose="020F0502020204030204" pitchFamily="34" charset="0"/>
+                <a:ea typeface="Times New Roman" panose="02020603050405020304" pitchFamily="18" charset="0"/>
+              </a:rPr>
+              <a:t>As expected from the trends in previous slides, high correlation between energy usage and Solar Irradiance (GHI) of 91%</a:t>
+            </a:r>
+            <a:endParaRPr lang="en-US" sz="2400" dirty="0"/>
+          </a:p>
+        </p:txBody>
+      </p:sp>
+    </p:spTree>
+    <p:extLst>
+      <p:ext uri="{BB962C8B-B14F-4D97-AF65-F5344CB8AC3E}">
+        <p14:creationId xmlns:p14="http://schemas.microsoft.com/office/powerpoint/2010/main" val="1944987059"/>
+      </p:ext>
+    </p:extLst>
+  </p:cSld>
+  <p:clrMapOvr>
+    <a:masterClrMapping/>
+  </p:clrMapOvr>
+  <p:timing>
+    <p:tnLst>
+      <p:par>
+        <p:cTn id="1" dur="indefinite" restart="never" nodeType="tmRoot">
+          <p:childTnLst>
+            <p:seq concurrent="1" nextAc="seek">
+              <p:cTn id="2" dur="indefinite" nodeType="mainSeq">
+                <p:childTnLst>
+                  <p:par>
+                    <p:cTn id="3" fill="hold">
+                      <p:stCondLst>
+                        <p:cond delay="indefinite"/>
+                      </p:stCondLst>
+                      <p:childTnLst>
+                        <p:par>
+                          <p:cTn id="4" fill="hold">
+                            <p:stCondLst>
+                              <p:cond delay="0"/>
+                            </p:stCondLst>
+                            <p:childTnLst>
+                              <p:par>
+                                <p:cTn id="5" presetID="1" presetClass="entr" presetSubtype="0" fill="hold" nodeType="clickEffect">
+                                  <p:stCondLst>
+                                    <p:cond delay="0"/>
+                                  </p:stCondLst>
+                                  <p:childTnLst>
+                                    <p:set>
+                                      <p:cBhvr>
+                                        <p:cTn id="6" dur="1" fill="hold">
+                                          <p:stCondLst>
+                                            <p:cond delay="0"/>
+                                          </p:stCondLst>
+                                        </p:cTn>
+                                        <p:tgtEl>
+                                          <p:spTgt spid="1025"/>
+                                        </p:tgtEl>
+                                        <p:attrNameLst>
+                                          <p:attrName>style.visibility</p:attrName>
+                                        </p:attrNameLst>
+                                      </p:cBhvr>
+                                      <p:to>
+                                        <p:strVal val="visible"/>
+                                      </p:to>
+                                    </p:set>
+                                  </p:childTnLst>
+                                </p:cTn>
+                              </p:par>
+                            </p:childTnLst>
+                          </p:cTn>
+                        </p:par>
+                      </p:childTnLst>
+                    </p:cTn>
+                  </p:par>
+                  <p:par>
+                    <p:cTn id="7" fill="hold">
+                      <p:stCondLst>
+                        <p:cond delay="indefinite"/>
+                      </p:stCondLst>
+                      <p:childTnLst>
+                        <p:par>
+                          <p:cTn id="8" fill="hold">
+                            <p:stCondLst>
+                              <p:cond delay="0"/>
+                            </p:stCondLst>
+                            <p:childTnLst>
+                              <p:par>
+                                <p:cTn id="9" presetID="1" presetClass="entr" presetSubtype="0" fill="hold" grpId="0" nodeType="clickEffect">
+                                  <p:stCondLst>
+                                    <p:cond delay="0"/>
+                                  </p:stCondLst>
+                                  <p:childTnLst>
+                                    <p:set>
+                                      <p:cBhvr>
+                                        <p:cTn id="10" dur="1" fill="hold">
+                                          <p:stCondLst>
+                                            <p:cond delay="0"/>
+                                          </p:stCondLst>
+                                        </p:cTn>
+                                        <p:tgtEl>
+                                          <p:spTgt spid="5"/>
+                                        </p:tgtEl>
+                                        <p:attrNameLst>
+                                          <p:attrName>style.visibility</p:attrName>
+                                        </p:attrNameLst>
+                                      </p:cBhvr>
+                                      <p:to>
+                                        <p:strVal val="visible"/>
+                                      </p:to>
+                                    </p:set>
+                                  </p:childTnLst>
+                                </p:cTn>
+                              </p:par>
+                            </p:childTnLst>
+                          </p:cTn>
+                        </p:par>
+                      </p:childTnLst>
+                    </p:cTn>
+                  </p:par>
+                </p:childTnLst>
+              </p:cTn>
+              <p:prevCondLst>
+                <p:cond evt="onPrev" delay="0">
+                  <p:tgtEl>
+                    <p:sldTgt/>
+                  </p:tgtEl>
+                </p:cond>
+              </p:prevCondLst>
+              <p:nextCondLst>
+                <p:cond evt="onNext" delay="0">
+                  <p:tgtEl>
+                    <p:sldTgt/>
+                  </p:tgtEl>
+                </p:cond>
+              </p:nextCondLst>
+            </p:seq>
+          </p:childTnLst>
+        </p:cTn>
+      </p:par>
+    </p:tnLst>
+    <p:bldLst>
+      <p:bldP spid="5" grpId="0"/>
+    </p:bldLst>
+  </p:timing>
 </p:sld>
 </file>
 
